--- a/SurveyAndStats.pptx
+++ b/SurveyAndStats.pptx
@@ -2,13 +2,13 @@
 <file path=ppt/presentation.xml><?xml version="1.0" encoding="utf-8"?>
 <p:presentation xmlns:a="http://schemas.openxmlformats.org/drawingml/2006/main" xmlns:r="http://schemas.openxmlformats.org/officeDocument/2006/relationships" xmlns:p="http://schemas.openxmlformats.org/presentationml/2006/main" saveSubsetFonts="1">
   <p:sldMasterIdLst>
-    <p:sldMasterId id="2147483670" r:id="rId80"/>
+    <p:sldMasterId id="2147483670" r:id="rId125"/>
   </p:sldMasterIdLst>
   <p:notesMasterIdLst>
-    <p:notesMasterId r:id="rId82"/>
+    <p:notesMasterId r:id="rId127"/>
   </p:notesMasterIdLst>
   <p:sldIdLst>
-    <p:sldId id="258" r:id="rId81"/>
+    <p:sldId id="258" r:id="rId126"/>
   </p:sldIdLst>
   <p:sldSz cx="9144000" cy="6858000" type="screen4x3"/>
   <p:notesSz cx="6858000" cy="9144000"/>
@@ -3729,14 +3729,6 @@
                   </a:rPr>
                   <a:t>Surveys and Statistics</a:t>
                 </a:r>
-                <a:endParaRPr lang="en-US" sz="1200" dirty="0" smtClean="0">
-                  <a:solidFill>
-                    <a:prstClr val="white"/>
-                  </a:solidFill>
-                  <a:latin typeface="Segoe UI" pitchFamily="34" charset="0"/>
-                  <a:ea typeface="Segoe UI" pitchFamily="34" charset="0"/>
-                  <a:cs typeface="Segoe UI" pitchFamily="34" charset="0"/>
-                </a:endParaRPr>
               </a:p>
             </p:txBody>
           </p:sp>
@@ -4092,14 +4084,6 @@
               </a:rPr>
               <a:t>First Name</a:t>
             </a:r>
-            <a:endParaRPr lang="en-US" sz="1200" dirty="0" smtClean="0">
-              <a:solidFill>
-                <a:srgbClr val="000000"/>
-              </a:solidFill>
-              <a:latin typeface="Segoe UI" pitchFamily="34" charset="0"/>
-              <a:ea typeface="Segoe UI" pitchFamily="34" charset="0"/>
-              <a:cs typeface="Segoe UI" pitchFamily="34" charset="0"/>
-            </a:endParaRPr>
           </a:p>
         </p:txBody>
       </p:sp>
@@ -4210,14 +4194,6 @@
               </a:rPr>
               <a:t>Last Name</a:t>
             </a:r>
-            <a:endParaRPr lang="en-US" sz="1200" dirty="0" smtClean="0">
-              <a:solidFill>
-                <a:srgbClr val="000000"/>
-              </a:solidFill>
-              <a:latin typeface="Segoe UI" pitchFamily="34" charset="0"/>
-              <a:ea typeface="Segoe UI" pitchFamily="34" charset="0"/>
-              <a:cs typeface="Segoe UI" pitchFamily="34" charset="0"/>
-            </a:endParaRPr>
           </a:p>
         </p:txBody>
       </p:sp>
@@ -4294,6 +4270,4289 @@
           </a:p>
         </p:txBody>
       </p:sp>
+      <p:sp>
+        <p:nvSpPr>
+          <p:cNvPr id="18" name="Content"/>
+          <p:cNvSpPr/>
+          <p:nvPr>
+            <p:custDataLst>
+              <p:custData r:id="rId6"/>
+            </p:custDataLst>
+          </p:nvPr>
+        </p:nvSpPr>
+        <p:spPr>
+          <a:xfrm>
+            <a:off x="426418" y="582386"/>
+            <a:ext cx="1106592" cy="228600"/>
+          </a:xfrm>
+          <a:prstGeom prst="roundRect">
+            <a:avLst/>
+          </a:prstGeom>
+          <a:solidFill>
+            <a:srgbClr val="FFFFFF">
+              <a:lumMod val="95000"/>
+            </a:srgbClr>
+          </a:solidFill>
+          <a:ln w="3175">
+            <a:solidFill>
+              <a:srgbClr val="000000">
+                <a:lumMod val="50000"/>
+                <a:lumOff val="50000"/>
+              </a:srgbClr>
+            </a:solidFill>
+          </a:ln>
+          <a:effectLst/>
+        </p:spPr>
+        <p:style>
+          <a:lnRef idx="2">
+            <a:srgbClr val="4F81BD">
+              <a:shade val="50000"/>
+            </a:srgbClr>
+          </a:lnRef>
+          <a:fillRef idx="1">
+            <a:srgbClr val="4F81BD"/>
+          </a:fillRef>
+          <a:effectRef idx="0">
+            <a:srgbClr val="4F81BD"/>
+          </a:effectRef>
+          <a:fontRef idx="minor">
+            <a:srgbClr val="000000"/>
+          </a:fontRef>
+        </p:style>
+        <p:txBody>
+          <a:bodyPr wrap="square" lIns="91440" tIns="0" rIns="91440" bIns="9144" rtlCol="0" anchor="ctr">
+            <a:noAutofit/>
+          </a:bodyPr>
+          <a:lstStyle/>
+          <a:p>
+            <a:pPr algn="ctr"/>
+            <a:r>
+              <a:rPr lang="en-US" sz="1200" dirty="0" smtClean="0">
+                <a:solidFill>
+                  <a:srgbClr val="000000"/>
+                </a:solidFill>
+                <a:latin typeface="Segoe UI" pitchFamily="34" charset="0"/>
+                <a:cs typeface="Segoe UI" pitchFamily="34" charset="0"/>
+              </a:rPr>
+              <a:t>New Survey</a:t>
+            </a:r>
+            <a:endParaRPr lang="en-US" sz="1200" dirty="0">
+              <a:solidFill>
+                <a:srgbClr val="000000"/>
+              </a:solidFill>
+              <a:latin typeface="Segoe UI" pitchFamily="34" charset="0"/>
+              <a:cs typeface="Segoe UI" pitchFamily="34" charset="0"/>
+            </a:endParaRPr>
+          </a:p>
+        </p:txBody>
+      </p:sp>
+      <p:sp>
+        <p:nvSpPr>
+          <p:cNvPr id="19" name="Content"/>
+          <p:cNvSpPr/>
+          <p:nvPr>
+            <p:custDataLst>
+              <p:custData r:id="rId7"/>
+            </p:custDataLst>
+          </p:nvPr>
+        </p:nvSpPr>
+        <p:spPr>
+          <a:xfrm>
+            <a:off x="7436819" y="6134100"/>
+            <a:ext cx="1106592" cy="228600"/>
+          </a:xfrm>
+          <a:prstGeom prst="roundRect">
+            <a:avLst/>
+          </a:prstGeom>
+          <a:solidFill>
+            <a:srgbClr val="FFFFFF">
+              <a:lumMod val="95000"/>
+            </a:srgbClr>
+          </a:solidFill>
+          <a:ln w="3175">
+            <a:solidFill>
+              <a:srgbClr val="000000">
+                <a:lumMod val="50000"/>
+                <a:lumOff val="50000"/>
+              </a:srgbClr>
+            </a:solidFill>
+          </a:ln>
+          <a:effectLst/>
+        </p:spPr>
+        <p:style>
+          <a:lnRef idx="2">
+            <a:srgbClr val="4F81BD">
+              <a:shade val="50000"/>
+            </a:srgbClr>
+          </a:lnRef>
+          <a:fillRef idx="1">
+            <a:srgbClr val="4F81BD"/>
+          </a:fillRef>
+          <a:effectRef idx="0">
+            <a:srgbClr val="4F81BD"/>
+          </a:effectRef>
+          <a:fontRef idx="minor">
+            <a:srgbClr val="000000"/>
+          </a:fontRef>
+        </p:style>
+        <p:txBody>
+          <a:bodyPr wrap="square" lIns="91440" tIns="0" rIns="91440" bIns="9144" rtlCol="0" anchor="ctr">
+            <a:noAutofit/>
+          </a:bodyPr>
+          <a:lstStyle/>
+          <a:p>
+            <a:pPr algn="ctr"/>
+            <a:r>
+              <a:rPr lang="en-US" sz="1200" dirty="0" smtClean="0">
+                <a:solidFill>
+                  <a:srgbClr val="000000"/>
+                </a:solidFill>
+                <a:latin typeface="Segoe UI" pitchFamily="34" charset="0"/>
+                <a:cs typeface="Segoe UI" pitchFamily="34" charset="0"/>
+              </a:rPr>
+              <a:t>Submit</a:t>
+            </a:r>
+            <a:endParaRPr lang="en-US" sz="1200" dirty="0">
+              <a:solidFill>
+                <a:srgbClr val="000000"/>
+              </a:solidFill>
+              <a:latin typeface="Segoe UI" pitchFamily="34" charset="0"/>
+              <a:cs typeface="Segoe UI" pitchFamily="34" charset="0"/>
+            </a:endParaRPr>
+          </a:p>
+        </p:txBody>
+      </p:sp>
+      <p:sp>
+        <p:nvSpPr>
+          <p:cNvPr id="20" name="Content"/>
+          <p:cNvSpPr txBox="1"/>
+          <p:nvPr>
+            <p:custDataLst>
+              <p:custData r:id="rId8"/>
+            </p:custDataLst>
+          </p:nvPr>
+        </p:nvSpPr>
+        <p:spPr>
+          <a:xfrm>
+            <a:off x="872267" y="1676400"/>
+            <a:ext cx="729239" cy="230832"/>
+          </a:xfrm>
+          <a:prstGeom prst="rect">
+            <a:avLst/>
+          </a:prstGeom>
+          <a:noFill/>
+        </p:spPr>
+        <p:txBody>
+          <a:bodyPr wrap="none" lIns="91440" tIns="18288" rIns="91440" bIns="27432" rtlCol="0" anchor="ctr" anchorCtr="0">
+            <a:spAutoFit/>
+          </a:bodyPr>
+          <a:lstStyle/>
+          <a:p>
+            <a:r>
+              <a:rPr lang="en-US" sz="1200" dirty="0" smtClean="0">
+                <a:solidFill>
+                  <a:srgbClr val="000000"/>
+                </a:solidFill>
+                <a:latin typeface="Segoe UI" pitchFamily="34" charset="0"/>
+                <a:ea typeface="Segoe UI" pitchFamily="34" charset="0"/>
+                <a:cs typeface="Segoe UI" pitchFamily="34" charset="0"/>
+              </a:rPr>
+              <a:t>Address</a:t>
+            </a:r>
+            <a:endParaRPr lang="en-US" sz="1200" dirty="0" smtClean="0">
+              <a:solidFill>
+                <a:srgbClr val="000000"/>
+              </a:solidFill>
+              <a:latin typeface="Segoe UI" pitchFamily="34" charset="0"/>
+              <a:ea typeface="Segoe UI" pitchFamily="34" charset="0"/>
+              <a:cs typeface="Segoe UI" pitchFamily="34" charset="0"/>
+            </a:endParaRPr>
+          </a:p>
+        </p:txBody>
+      </p:sp>
+      <p:sp>
+        <p:nvSpPr>
+          <p:cNvPr id="21" name="Content"/>
+          <p:cNvSpPr/>
+          <p:nvPr>
+            <p:custDataLst>
+              <p:custData r:id="rId9"/>
+            </p:custDataLst>
+          </p:nvPr>
+        </p:nvSpPr>
+        <p:spPr>
+          <a:xfrm>
+            <a:off x="1828911" y="1676400"/>
+            <a:ext cx="2377634" cy="228600"/>
+          </a:xfrm>
+          <a:prstGeom prst="rect">
+            <a:avLst/>
+          </a:prstGeom>
+          <a:solidFill>
+            <a:sysClr val="window" lastClr="FFFFFF"/>
+          </a:solidFill>
+          <a:ln w="3175">
+            <a:solidFill>
+              <a:srgbClr val="000000">
+                <a:lumMod val="50000"/>
+                <a:lumOff val="50000"/>
+              </a:srgbClr>
+            </a:solidFill>
+          </a:ln>
+          <a:effectLst/>
+        </p:spPr>
+        <p:style>
+          <a:lnRef idx="2">
+            <a:srgbClr val="4F81BD">
+              <a:shade val="50000"/>
+            </a:srgbClr>
+          </a:lnRef>
+          <a:fillRef idx="1">
+            <a:srgbClr val="4F81BD"/>
+          </a:fillRef>
+          <a:effectRef idx="0">
+            <a:srgbClr val="4F81BD"/>
+          </a:effectRef>
+          <a:fontRef idx="minor">
+            <a:srgbClr val="000000"/>
+          </a:fontRef>
+        </p:style>
+        <p:txBody>
+          <a:bodyPr wrap="none" lIns="45720" tIns="18288" rIns="45720" bIns="18288" rtlCol="0" anchor="ctr">
+            <a:noAutofit/>
+          </a:bodyPr>
+          <a:lstStyle/>
+          <a:p>
+            <a:r>
+              <a:rPr lang="en-US" sz="1200" dirty="0" smtClean="0">
+                <a:latin typeface="Segoe UI" pitchFamily="34" charset="0"/>
+                <a:cs typeface="Segoe UI" pitchFamily="34" charset="0"/>
+              </a:rPr>
+              <a:t>123 Main Street</a:t>
+            </a:r>
+            <a:endParaRPr lang="en-US" sz="1200" dirty="0">
+              <a:solidFill>
+                <a:srgbClr val="000000"/>
+              </a:solidFill>
+              <a:latin typeface="Segoe UI" pitchFamily="34" charset="0"/>
+              <a:cs typeface="Segoe UI" pitchFamily="34" charset="0"/>
+            </a:endParaRPr>
+          </a:p>
+        </p:txBody>
+      </p:sp>
+      <p:sp>
+        <p:nvSpPr>
+          <p:cNvPr id="22" name="Content"/>
+          <p:cNvSpPr txBox="1"/>
+          <p:nvPr>
+            <p:custDataLst>
+              <p:custData r:id="rId10"/>
+            </p:custDataLst>
+          </p:nvPr>
+        </p:nvSpPr>
+        <p:spPr>
+          <a:xfrm>
+            <a:off x="6024901" y="1905000"/>
+            <a:ext cx="359394" cy="169277"/>
+          </a:xfrm>
+          <a:prstGeom prst="rect">
+            <a:avLst/>
+          </a:prstGeom>
+          <a:noFill/>
+        </p:spPr>
+        <p:txBody>
+          <a:bodyPr wrap="none" lIns="91440" tIns="18288" rIns="91440" bIns="27432" rtlCol="0" anchor="ctr" anchorCtr="0">
+            <a:spAutoFit/>
+          </a:bodyPr>
+          <a:lstStyle/>
+          <a:p>
+            <a:r>
+              <a:rPr lang="en-US" sz="800" dirty="0" smtClean="0">
+                <a:solidFill>
+                  <a:srgbClr val="000000"/>
+                </a:solidFill>
+                <a:latin typeface="Segoe UI" pitchFamily="34" charset="0"/>
+                <a:ea typeface="Segoe UI" pitchFamily="34" charset="0"/>
+                <a:cs typeface="Segoe UI" pitchFamily="34" charset="0"/>
+              </a:rPr>
+              <a:t>City</a:t>
+            </a:r>
+            <a:endParaRPr lang="en-US" sz="800" dirty="0" smtClean="0">
+              <a:solidFill>
+                <a:srgbClr val="000000"/>
+              </a:solidFill>
+              <a:latin typeface="Segoe UI" pitchFamily="34" charset="0"/>
+              <a:ea typeface="Segoe UI" pitchFamily="34" charset="0"/>
+              <a:cs typeface="Segoe UI" pitchFamily="34" charset="0"/>
+            </a:endParaRPr>
+          </a:p>
+        </p:txBody>
+      </p:sp>
+      <p:sp>
+        <p:nvSpPr>
+          <p:cNvPr id="23" name="Content"/>
+          <p:cNvSpPr/>
+          <p:nvPr>
+            <p:custDataLst>
+              <p:custData r:id="rId11"/>
+            </p:custDataLst>
+          </p:nvPr>
+        </p:nvSpPr>
+        <p:spPr>
+          <a:xfrm>
+            <a:off x="5467511" y="1665514"/>
+            <a:ext cx="1476323" cy="228600"/>
+          </a:xfrm>
+          <a:prstGeom prst="rect">
+            <a:avLst/>
+          </a:prstGeom>
+          <a:solidFill>
+            <a:sysClr val="window" lastClr="FFFFFF"/>
+          </a:solidFill>
+          <a:ln w="3175">
+            <a:solidFill>
+              <a:srgbClr val="000000">
+                <a:lumMod val="50000"/>
+                <a:lumOff val="50000"/>
+              </a:srgbClr>
+            </a:solidFill>
+          </a:ln>
+          <a:effectLst/>
+        </p:spPr>
+        <p:style>
+          <a:lnRef idx="2">
+            <a:srgbClr val="4F81BD">
+              <a:shade val="50000"/>
+            </a:srgbClr>
+          </a:lnRef>
+          <a:fillRef idx="1">
+            <a:srgbClr val="4F81BD"/>
+          </a:fillRef>
+          <a:effectRef idx="0">
+            <a:srgbClr val="4F81BD"/>
+          </a:effectRef>
+          <a:fontRef idx="minor">
+            <a:srgbClr val="000000"/>
+          </a:fontRef>
+        </p:style>
+        <p:txBody>
+          <a:bodyPr wrap="none" lIns="45720" tIns="18288" rIns="45720" bIns="18288" rtlCol="0" anchor="ctr">
+            <a:noAutofit/>
+          </a:bodyPr>
+          <a:lstStyle/>
+          <a:p>
+            <a:r>
+              <a:rPr lang="en-US" sz="1200" dirty="0" smtClean="0">
+                <a:solidFill>
+                  <a:srgbClr val="000000"/>
+                </a:solidFill>
+                <a:latin typeface="Segoe UI" pitchFamily="34" charset="0"/>
+                <a:cs typeface="Segoe UI" pitchFamily="34" charset="0"/>
+              </a:rPr>
+              <a:t>Waverly</a:t>
+            </a:r>
+            <a:endParaRPr lang="en-US" sz="1200" dirty="0">
+              <a:solidFill>
+                <a:srgbClr val="000000"/>
+              </a:solidFill>
+              <a:latin typeface="Segoe UI" pitchFamily="34" charset="0"/>
+              <a:cs typeface="Segoe UI" pitchFamily="34" charset="0"/>
+            </a:endParaRPr>
+          </a:p>
+        </p:txBody>
+      </p:sp>
+      <p:sp>
+        <p:nvSpPr>
+          <p:cNvPr id="24" name="Content"/>
+          <p:cNvSpPr txBox="1"/>
+          <p:nvPr>
+            <p:custDataLst>
+              <p:custData r:id="rId12"/>
+            </p:custDataLst>
+          </p:nvPr>
+        </p:nvSpPr>
+        <p:spPr>
+          <a:xfrm>
+            <a:off x="6993895" y="1883229"/>
+            <a:ext cx="415498" cy="169277"/>
+          </a:xfrm>
+          <a:prstGeom prst="rect">
+            <a:avLst/>
+          </a:prstGeom>
+          <a:noFill/>
+        </p:spPr>
+        <p:txBody>
+          <a:bodyPr wrap="none" lIns="91440" tIns="18288" rIns="91440" bIns="27432" rtlCol="0" anchor="ctr" anchorCtr="0">
+            <a:spAutoFit/>
+          </a:bodyPr>
+          <a:lstStyle/>
+          <a:p>
+            <a:r>
+              <a:rPr lang="en-US" sz="800" dirty="0" smtClean="0">
+                <a:solidFill>
+                  <a:srgbClr val="000000"/>
+                </a:solidFill>
+                <a:latin typeface="Segoe UI" pitchFamily="34" charset="0"/>
+                <a:ea typeface="Segoe UI" pitchFamily="34" charset="0"/>
+                <a:cs typeface="Segoe UI" pitchFamily="34" charset="0"/>
+              </a:rPr>
+              <a:t>State</a:t>
+            </a:r>
+            <a:endParaRPr lang="en-US" sz="800" dirty="0" smtClean="0">
+              <a:solidFill>
+                <a:srgbClr val="000000"/>
+              </a:solidFill>
+              <a:latin typeface="Segoe UI" pitchFamily="34" charset="0"/>
+              <a:ea typeface="Segoe UI" pitchFamily="34" charset="0"/>
+              <a:cs typeface="Segoe UI" pitchFamily="34" charset="0"/>
+            </a:endParaRPr>
+          </a:p>
+        </p:txBody>
+      </p:sp>
+      <p:sp>
+        <p:nvSpPr>
+          <p:cNvPr id="25" name="Content"/>
+          <p:cNvSpPr/>
+          <p:nvPr>
+            <p:custDataLst>
+              <p:custData r:id="rId13"/>
+            </p:custDataLst>
+          </p:nvPr>
+        </p:nvSpPr>
+        <p:spPr>
+          <a:xfrm>
+            <a:off x="7063671" y="1656861"/>
+            <a:ext cx="265530" cy="228600"/>
+          </a:xfrm>
+          <a:prstGeom prst="rect">
+            <a:avLst/>
+          </a:prstGeom>
+          <a:solidFill>
+            <a:sysClr val="window" lastClr="FFFFFF"/>
+          </a:solidFill>
+          <a:ln w="3175">
+            <a:solidFill>
+              <a:srgbClr val="000000">
+                <a:lumMod val="50000"/>
+                <a:lumOff val="50000"/>
+              </a:srgbClr>
+            </a:solidFill>
+          </a:ln>
+          <a:effectLst/>
+        </p:spPr>
+        <p:style>
+          <a:lnRef idx="2">
+            <a:srgbClr val="4F81BD">
+              <a:shade val="50000"/>
+            </a:srgbClr>
+          </a:lnRef>
+          <a:fillRef idx="1">
+            <a:srgbClr val="4F81BD"/>
+          </a:fillRef>
+          <a:effectRef idx="0">
+            <a:srgbClr val="4F81BD"/>
+          </a:effectRef>
+          <a:fontRef idx="minor">
+            <a:srgbClr val="000000"/>
+          </a:fontRef>
+        </p:style>
+        <p:txBody>
+          <a:bodyPr wrap="none" lIns="45720" tIns="18288" rIns="45720" bIns="18288" rtlCol="0" anchor="ctr">
+            <a:noAutofit/>
+          </a:bodyPr>
+          <a:lstStyle/>
+          <a:p>
+            <a:r>
+              <a:rPr lang="en-US" sz="1200" dirty="0" smtClean="0">
+                <a:solidFill>
+                  <a:srgbClr val="000000"/>
+                </a:solidFill>
+                <a:latin typeface="Segoe UI" pitchFamily="34" charset="0"/>
+                <a:cs typeface="Segoe UI" pitchFamily="34" charset="0"/>
+              </a:rPr>
+              <a:t>TN</a:t>
+            </a:r>
+            <a:endParaRPr lang="en-US" sz="1200" dirty="0">
+              <a:solidFill>
+                <a:srgbClr val="000000"/>
+              </a:solidFill>
+              <a:latin typeface="Segoe UI" pitchFamily="34" charset="0"/>
+              <a:cs typeface="Segoe UI" pitchFamily="34" charset="0"/>
+            </a:endParaRPr>
+          </a:p>
+        </p:txBody>
+      </p:sp>
+      <p:sp>
+        <p:nvSpPr>
+          <p:cNvPr id="26" name="Content"/>
+          <p:cNvSpPr txBox="1"/>
+          <p:nvPr>
+            <p:custDataLst>
+              <p:custData r:id="rId14"/>
+            </p:custDataLst>
+          </p:nvPr>
+        </p:nvSpPr>
+        <p:spPr>
+          <a:xfrm>
+            <a:off x="7583376" y="1883229"/>
+            <a:ext cx="330540" cy="169277"/>
+          </a:xfrm>
+          <a:prstGeom prst="rect">
+            <a:avLst/>
+          </a:prstGeom>
+          <a:noFill/>
+        </p:spPr>
+        <p:txBody>
+          <a:bodyPr wrap="none" lIns="91440" tIns="18288" rIns="91440" bIns="27432" rtlCol="0" anchor="ctr" anchorCtr="0">
+            <a:spAutoFit/>
+          </a:bodyPr>
+          <a:lstStyle/>
+          <a:p>
+            <a:r>
+              <a:rPr lang="en-US" sz="800" dirty="0" smtClean="0">
+                <a:solidFill>
+                  <a:srgbClr val="000000"/>
+                </a:solidFill>
+                <a:latin typeface="Segoe UI" pitchFamily="34" charset="0"/>
+                <a:ea typeface="Segoe UI" pitchFamily="34" charset="0"/>
+                <a:cs typeface="Segoe UI" pitchFamily="34" charset="0"/>
+              </a:rPr>
+              <a:t>Zip</a:t>
+            </a:r>
+            <a:endParaRPr lang="en-US" sz="800" dirty="0" smtClean="0">
+              <a:solidFill>
+                <a:srgbClr val="000000"/>
+              </a:solidFill>
+              <a:latin typeface="Segoe UI" pitchFamily="34" charset="0"/>
+              <a:ea typeface="Segoe UI" pitchFamily="34" charset="0"/>
+              <a:cs typeface="Segoe UI" pitchFamily="34" charset="0"/>
+            </a:endParaRPr>
+          </a:p>
+        </p:txBody>
+      </p:sp>
+      <p:sp>
+        <p:nvSpPr>
+          <p:cNvPr id="27" name="Content"/>
+          <p:cNvSpPr/>
+          <p:nvPr>
+            <p:custDataLst>
+              <p:custData r:id="rId15"/>
+            </p:custDataLst>
+          </p:nvPr>
+        </p:nvSpPr>
+        <p:spPr>
+          <a:xfrm>
+            <a:off x="7451095" y="1656861"/>
+            <a:ext cx="626105" cy="228600"/>
+          </a:xfrm>
+          <a:prstGeom prst="rect">
+            <a:avLst/>
+          </a:prstGeom>
+          <a:solidFill>
+            <a:sysClr val="window" lastClr="FFFFFF"/>
+          </a:solidFill>
+          <a:ln w="3175">
+            <a:solidFill>
+              <a:srgbClr val="000000">
+                <a:lumMod val="50000"/>
+                <a:lumOff val="50000"/>
+              </a:srgbClr>
+            </a:solidFill>
+          </a:ln>
+          <a:effectLst/>
+        </p:spPr>
+        <p:style>
+          <a:lnRef idx="2">
+            <a:srgbClr val="4F81BD">
+              <a:shade val="50000"/>
+            </a:srgbClr>
+          </a:lnRef>
+          <a:fillRef idx="1">
+            <a:srgbClr val="4F81BD"/>
+          </a:fillRef>
+          <a:effectRef idx="0">
+            <a:srgbClr val="4F81BD"/>
+          </a:effectRef>
+          <a:fontRef idx="minor">
+            <a:srgbClr val="000000"/>
+          </a:fontRef>
+        </p:style>
+        <p:txBody>
+          <a:bodyPr wrap="none" lIns="45720" tIns="18288" rIns="45720" bIns="18288" rtlCol="0" anchor="ctr">
+            <a:noAutofit/>
+          </a:bodyPr>
+          <a:lstStyle/>
+          <a:p>
+            <a:r>
+              <a:rPr lang="en-US" sz="1200" dirty="0" smtClean="0">
+                <a:solidFill>
+                  <a:srgbClr val="000000"/>
+                </a:solidFill>
+                <a:latin typeface="Segoe UI" pitchFamily="34" charset="0"/>
+                <a:cs typeface="Segoe UI" pitchFamily="34" charset="0"/>
+              </a:rPr>
+              <a:t>000000</a:t>
+            </a:r>
+            <a:endParaRPr lang="en-US" sz="1200" dirty="0">
+              <a:solidFill>
+                <a:srgbClr val="000000"/>
+              </a:solidFill>
+              <a:latin typeface="Segoe UI" pitchFamily="34" charset="0"/>
+              <a:cs typeface="Segoe UI" pitchFamily="34" charset="0"/>
+            </a:endParaRPr>
+          </a:p>
+        </p:txBody>
+      </p:sp>
+      <p:cxnSp>
+        <p:nvCxnSpPr>
+          <p:cNvPr id="29" name="Straight Connector 28"/>
+          <p:cNvCxnSpPr/>
+          <p:nvPr/>
+        </p:nvCxnSpPr>
+        <p:spPr>
+          <a:xfrm>
+            <a:off x="426418" y="2514600"/>
+            <a:ext cx="8116993" cy="0"/>
+          </a:xfrm>
+          <a:prstGeom prst="line">
+            <a:avLst/>
+          </a:prstGeom>
+        </p:spPr>
+        <p:style>
+          <a:lnRef idx="1">
+            <a:schemeClr val="accent1"/>
+          </a:lnRef>
+          <a:fillRef idx="0">
+            <a:schemeClr val="accent1"/>
+          </a:fillRef>
+          <a:effectRef idx="0">
+            <a:schemeClr val="accent1"/>
+          </a:effectRef>
+          <a:fontRef idx="minor">
+            <a:schemeClr val="tx1"/>
+          </a:fontRef>
+        </p:style>
+      </p:cxnSp>
+      <p:sp>
+        <p:nvSpPr>
+          <p:cNvPr id="30" name="Content"/>
+          <p:cNvSpPr txBox="1"/>
+          <p:nvPr>
+            <p:custDataLst>
+              <p:custData r:id="rId16"/>
+            </p:custDataLst>
+          </p:nvPr>
+        </p:nvSpPr>
+        <p:spPr>
+          <a:xfrm>
+            <a:off x="838200" y="2895600"/>
+            <a:ext cx="1910075" cy="230832"/>
+          </a:xfrm>
+          <a:prstGeom prst="rect">
+            <a:avLst/>
+          </a:prstGeom>
+          <a:noFill/>
+        </p:spPr>
+        <p:txBody>
+          <a:bodyPr wrap="none" lIns="91440" tIns="18288" rIns="91440" bIns="27432" rtlCol="0" anchor="ctr" anchorCtr="0">
+            <a:spAutoFit/>
+          </a:bodyPr>
+          <a:lstStyle/>
+          <a:p>
+            <a:r>
+              <a:rPr lang="en-US" sz="1200" dirty="0" smtClean="0">
+                <a:solidFill>
+                  <a:srgbClr val="000000"/>
+                </a:solidFill>
+                <a:latin typeface="Segoe UI" pitchFamily="34" charset="0"/>
+                <a:ea typeface="Segoe UI" pitchFamily="34" charset="0"/>
+                <a:cs typeface="Segoe UI" pitchFamily="34" charset="0"/>
+              </a:rPr>
+              <a:t>Is Red your favorite color:</a:t>
+            </a:r>
+            <a:endParaRPr lang="en-US" sz="1200" dirty="0" smtClean="0">
+              <a:solidFill>
+                <a:srgbClr val="000000"/>
+              </a:solidFill>
+              <a:latin typeface="Segoe UI" pitchFamily="34" charset="0"/>
+              <a:ea typeface="Segoe UI" pitchFamily="34" charset="0"/>
+              <a:cs typeface="Segoe UI" pitchFamily="34" charset="0"/>
+            </a:endParaRPr>
+          </a:p>
+        </p:txBody>
+      </p:sp>
+      <p:sp>
+        <p:nvSpPr>
+          <p:cNvPr id="31" name="Content"/>
+          <p:cNvSpPr/>
+          <p:nvPr>
+            <p:custDataLst>
+              <p:custData r:id="rId17"/>
+            </p:custDataLst>
+          </p:nvPr>
+        </p:nvSpPr>
+        <p:spPr>
+          <a:xfrm>
+            <a:off x="4306470" y="2897832"/>
+            <a:ext cx="265530" cy="228600"/>
+          </a:xfrm>
+          <a:prstGeom prst="rect">
+            <a:avLst/>
+          </a:prstGeom>
+          <a:solidFill>
+            <a:sysClr val="window" lastClr="FFFFFF"/>
+          </a:solidFill>
+          <a:ln w="3175">
+            <a:solidFill>
+              <a:srgbClr val="000000">
+                <a:lumMod val="50000"/>
+                <a:lumOff val="50000"/>
+              </a:srgbClr>
+            </a:solidFill>
+          </a:ln>
+          <a:effectLst/>
+        </p:spPr>
+        <p:style>
+          <a:lnRef idx="2">
+            <a:srgbClr val="4F81BD">
+              <a:shade val="50000"/>
+            </a:srgbClr>
+          </a:lnRef>
+          <a:fillRef idx="1">
+            <a:srgbClr val="4F81BD"/>
+          </a:fillRef>
+          <a:effectRef idx="0">
+            <a:srgbClr val="4F81BD"/>
+          </a:effectRef>
+          <a:fontRef idx="minor">
+            <a:srgbClr val="000000"/>
+          </a:fontRef>
+        </p:style>
+        <p:txBody>
+          <a:bodyPr wrap="none" lIns="45720" tIns="18288" rIns="45720" bIns="18288" rtlCol="0" anchor="ctr">
+            <a:noAutofit/>
+          </a:bodyPr>
+          <a:lstStyle/>
+          <a:p>
+            <a:r>
+              <a:rPr lang="en-US" sz="1200" dirty="0" smtClean="0">
+                <a:solidFill>
+                  <a:srgbClr val="000000"/>
+                </a:solidFill>
+                <a:latin typeface="Segoe UI" pitchFamily="34" charset="0"/>
+                <a:cs typeface="Segoe UI" pitchFamily="34" charset="0"/>
+              </a:rPr>
+              <a:t>3</a:t>
+            </a:r>
+            <a:endParaRPr lang="en-US" sz="1200" dirty="0">
+              <a:solidFill>
+                <a:srgbClr val="000000"/>
+              </a:solidFill>
+              <a:latin typeface="Segoe UI" pitchFamily="34" charset="0"/>
+              <a:cs typeface="Segoe UI" pitchFamily="34" charset="0"/>
+            </a:endParaRPr>
+          </a:p>
+        </p:txBody>
+      </p:sp>
+      <p:grpSp>
+        <p:nvGrpSpPr>
+          <p:cNvPr id="32" name="RadioButtonUnselected"/>
+          <p:cNvGrpSpPr/>
+          <p:nvPr>
+            <p:custDataLst>
+              <p:custData r:id="rId18"/>
+            </p:custDataLst>
+          </p:nvPr>
+        </p:nvGrpSpPr>
+        <p:grpSpPr>
+          <a:xfrm>
+            <a:off x="4953000" y="2897832"/>
+            <a:ext cx="295722" cy="230832"/>
+            <a:chOff x="4356895" y="3334651"/>
+            <a:chExt cx="295722" cy="230832"/>
+          </a:xfrm>
+        </p:grpSpPr>
+        <p:sp>
+          <p:nvSpPr>
+            <p:cNvPr id="33" name="Content"/>
+            <p:cNvSpPr txBox="1"/>
+            <p:nvPr/>
+          </p:nvSpPr>
+          <p:spPr>
+            <a:xfrm>
+              <a:off x="4356895" y="3334651"/>
+              <a:ext cx="295722" cy="230832"/>
+            </a:xfrm>
+            <a:prstGeom prst="rect">
+              <a:avLst/>
+            </a:prstGeom>
+            <a:noFill/>
+          </p:spPr>
+          <p:txBody>
+            <a:bodyPr wrap="none" lIns="164592" tIns="18288" rIns="45720" bIns="27432" rtlCol="0" anchor="ctr" anchorCtr="0">
+              <a:spAutoFit/>
+            </a:bodyPr>
+            <a:lstStyle/>
+            <a:p>
+              <a:r>
+                <a:rPr lang="en-US" sz="1200" dirty="0" smtClean="0">
+                  <a:latin typeface="Segoe UI" pitchFamily="34" charset="0"/>
+                  <a:ea typeface="Segoe UI" pitchFamily="34" charset="0"/>
+                  <a:cs typeface="Segoe UI" pitchFamily="34" charset="0"/>
+                </a:rPr>
+                <a:t>1</a:t>
+              </a:r>
+              <a:endParaRPr lang="en-US" sz="1200" dirty="0">
+                <a:latin typeface="Segoe UI" pitchFamily="34" charset="0"/>
+                <a:ea typeface="Segoe UI" pitchFamily="34" charset="0"/>
+                <a:cs typeface="Segoe UI" pitchFamily="34" charset="0"/>
+              </a:endParaRPr>
+            </a:p>
+          </p:txBody>
+        </p:sp>
+        <p:sp>
+          <p:nvSpPr>
+            <p:cNvPr id="34" name="Circle"/>
+            <p:cNvSpPr/>
+            <p:nvPr/>
+          </p:nvSpPr>
+          <p:spPr>
+            <a:xfrm>
+              <a:off x="4356895" y="3374807"/>
+              <a:ext cx="119960" cy="119922"/>
+            </a:xfrm>
+            <a:prstGeom prst="ellipse">
+              <a:avLst/>
+            </a:prstGeom>
+            <a:solidFill>
+              <a:srgbClr val="FFFFFF"/>
+            </a:solidFill>
+            <a:ln w="3175">
+              <a:solidFill>
+                <a:srgbClr val="FFFFFF">
+                  <a:lumMod val="50000"/>
+                </a:srgbClr>
+              </a:solidFill>
+            </a:ln>
+            <a:effectLst/>
+          </p:spPr>
+          <p:style>
+            <a:lnRef idx="2">
+              <a:srgbClr val="4F81BD">
+                <a:shade val="50000"/>
+              </a:srgbClr>
+            </a:lnRef>
+            <a:fillRef idx="1">
+              <a:srgbClr val="4F81BD"/>
+            </a:fillRef>
+            <a:effectRef idx="0">
+              <a:srgbClr val="4F81BD"/>
+            </a:effectRef>
+            <a:fontRef idx="minor">
+              <a:srgbClr val="000000"/>
+            </a:fontRef>
+          </p:style>
+          <p:txBody>
+            <a:bodyPr rtlCol="0" anchor="ctr"/>
+            <a:lstStyle/>
+            <a:p>
+              <a:pPr algn="ctr"/>
+              <a:endParaRPr lang="en-US" dirty="0"/>
+            </a:p>
+          </p:txBody>
+        </p:sp>
+      </p:grpSp>
+      <p:grpSp>
+        <p:nvGrpSpPr>
+          <p:cNvPr id="47" name="RadioButtonUnselected"/>
+          <p:cNvGrpSpPr/>
+          <p:nvPr>
+            <p:custDataLst>
+              <p:custData r:id="rId19"/>
+            </p:custDataLst>
+          </p:nvPr>
+        </p:nvGrpSpPr>
+        <p:grpSpPr>
+          <a:xfrm>
+            <a:off x="5332744" y="2906486"/>
+            <a:ext cx="295722" cy="230832"/>
+            <a:chOff x="4356895" y="3334651"/>
+            <a:chExt cx="295722" cy="230832"/>
+          </a:xfrm>
+        </p:grpSpPr>
+        <p:sp>
+          <p:nvSpPr>
+            <p:cNvPr id="48" name="Content"/>
+            <p:cNvSpPr txBox="1"/>
+            <p:nvPr/>
+          </p:nvSpPr>
+          <p:spPr>
+            <a:xfrm>
+              <a:off x="4356895" y="3334651"/>
+              <a:ext cx="295722" cy="230832"/>
+            </a:xfrm>
+            <a:prstGeom prst="rect">
+              <a:avLst/>
+            </a:prstGeom>
+            <a:noFill/>
+          </p:spPr>
+          <p:txBody>
+            <a:bodyPr wrap="none" lIns="164592" tIns="18288" rIns="45720" bIns="27432" rtlCol="0" anchor="ctr" anchorCtr="0">
+              <a:spAutoFit/>
+            </a:bodyPr>
+            <a:lstStyle/>
+            <a:p>
+              <a:r>
+                <a:rPr lang="en-US" sz="1200" dirty="0" smtClean="0">
+                  <a:latin typeface="Segoe UI" pitchFamily="34" charset="0"/>
+                  <a:ea typeface="Segoe UI" pitchFamily="34" charset="0"/>
+                  <a:cs typeface="Segoe UI" pitchFamily="34" charset="0"/>
+                </a:rPr>
+                <a:t>2</a:t>
+              </a:r>
+              <a:endParaRPr lang="en-US" sz="1200" dirty="0">
+                <a:latin typeface="Segoe UI" pitchFamily="34" charset="0"/>
+                <a:ea typeface="Segoe UI" pitchFamily="34" charset="0"/>
+                <a:cs typeface="Segoe UI" pitchFamily="34" charset="0"/>
+              </a:endParaRPr>
+            </a:p>
+          </p:txBody>
+        </p:sp>
+        <p:sp>
+          <p:nvSpPr>
+            <p:cNvPr id="49" name="Circle"/>
+            <p:cNvSpPr/>
+            <p:nvPr/>
+          </p:nvSpPr>
+          <p:spPr>
+            <a:xfrm>
+              <a:off x="4356895" y="3374807"/>
+              <a:ext cx="119960" cy="119922"/>
+            </a:xfrm>
+            <a:prstGeom prst="ellipse">
+              <a:avLst/>
+            </a:prstGeom>
+            <a:solidFill>
+              <a:srgbClr val="FFFFFF"/>
+            </a:solidFill>
+            <a:ln w="3175">
+              <a:solidFill>
+                <a:srgbClr val="FFFFFF">
+                  <a:lumMod val="50000"/>
+                </a:srgbClr>
+              </a:solidFill>
+            </a:ln>
+            <a:effectLst/>
+          </p:spPr>
+          <p:style>
+            <a:lnRef idx="2">
+              <a:srgbClr val="4F81BD">
+                <a:shade val="50000"/>
+              </a:srgbClr>
+            </a:lnRef>
+            <a:fillRef idx="1">
+              <a:srgbClr val="4F81BD"/>
+            </a:fillRef>
+            <a:effectRef idx="0">
+              <a:srgbClr val="4F81BD"/>
+            </a:effectRef>
+            <a:fontRef idx="minor">
+              <a:srgbClr val="000000"/>
+            </a:fontRef>
+          </p:style>
+          <p:txBody>
+            <a:bodyPr rtlCol="0" anchor="ctr"/>
+            <a:lstStyle/>
+            <a:p>
+              <a:pPr algn="ctr"/>
+              <a:endParaRPr lang="en-US" dirty="0"/>
+            </a:p>
+          </p:txBody>
+        </p:sp>
+      </p:grpSp>
+      <p:grpSp>
+        <p:nvGrpSpPr>
+          <p:cNvPr id="50" name="RadioButtonSelected"/>
+          <p:cNvGrpSpPr/>
+          <p:nvPr>
+            <p:custDataLst>
+              <p:custData r:id="rId20"/>
+            </p:custDataLst>
+          </p:nvPr>
+        </p:nvGrpSpPr>
+        <p:grpSpPr>
+          <a:xfrm>
+            <a:off x="5715000" y="2895600"/>
+            <a:ext cx="295722" cy="230832"/>
+            <a:chOff x="4356895" y="3334651"/>
+            <a:chExt cx="295722" cy="230832"/>
+          </a:xfrm>
+        </p:grpSpPr>
+        <p:sp>
+          <p:nvSpPr>
+            <p:cNvPr id="51" name="Content"/>
+            <p:cNvSpPr txBox="1"/>
+            <p:nvPr/>
+          </p:nvSpPr>
+          <p:spPr>
+            <a:xfrm>
+              <a:off x="4356895" y="3334651"/>
+              <a:ext cx="295722" cy="230832"/>
+            </a:xfrm>
+            <a:prstGeom prst="rect">
+              <a:avLst/>
+            </a:prstGeom>
+            <a:noFill/>
+          </p:spPr>
+          <p:txBody>
+            <a:bodyPr wrap="none" lIns="164592" tIns="18288" rIns="45720" bIns="27432" rtlCol="0" anchor="ctr" anchorCtr="0">
+              <a:spAutoFit/>
+            </a:bodyPr>
+            <a:lstStyle/>
+            <a:p>
+              <a:r>
+                <a:rPr lang="en-US" sz="1200" dirty="0" smtClean="0">
+                  <a:latin typeface="Segoe UI" pitchFamily="34" charset="0"/>
+                  <a:ea typeface="Segoe UI" pitchFamily="34" charset="0"/>
+                  <a:cs typeface="Segoe UI" pitchFamily="34" charset="0"/>
+                </a:rPr>
+                <a:t>3</a:t>
+              </a:r>
+              <a:endParaRPr lang="en-US" sz="1200" dirty="0">
+                <a:latin typeface="Segoe UI" pitchFamily="34" charset="0"/>
+                <a:ea typeface="Segoe UI" pitchFamily="34" charset="0"/>
+                <a:cs typeface="Segoe UI" pitchFamily="34" charset="0"/>
+              </a:endParaRPr>
+            </a:p>
+          </p:txBody>
+        </p:sp>
+        <p:grpSp>
+          <p:nvGrpSpPr>
+            <p:cNvPr id="52" name="Group 51"/>
+            <p:cNvGrpSpPr/>
+            <p:nvPr/>
+          </p:nvGrpSpPr>
+          <p:grpSpPr>
+            <a:xfrm>
+              <a:off x="4356895" y="3374807"/>
+              <a:ext cx="119960" cy="119922"/>
+              <a:chOff x="4356895" y="3374807"/>
+              <a:chExt cx="119960" cy="119922"/>
+            </a:xfrm>
+          </p:grpSpPr>
+          <p:sp>
+            <p:nvSpPr>
+              <p:cNvPr id="53" name="Circle"/>
+              <p:cNvSpPr/>
+              <p:nvPr/>
+            </p:nvSpPr>
+            <p:spPr>
+              <a:xfrm>
+                <a:off x="4356895" y="3374807"/>
+                <a:ext cx="119960" cy="119922"/>
+              </a:xfrm>
+              <a:prstGeom prst="ellipse">
+                <a:avLst/>
+              </a:prstGeom>
+              <a:solidFill>
+                <a:srgbClr val="FFFFFF"/>
+              </a:solidFill>
+              <a:ln w="3175">
+                <a:solidFill>
+                  <a:srgbClr val="FFFFFF">
+                    <a:lumMod val="50000"/>
+                  </a:srgbClr>
+                </a:solidFill>
+              </a:ln>
+              <a:effectLst/>
+            </p:spPr>
+            <p:style>
+              <a:lnRef idx="2">
+                <a:srgbClr val="4F81BD">
+                  <a:shade val="50000"/>
+                </a:srgbClr>
+              </a:lnRef>
+              <a:fillRef idx="1">
+                <a:srgbClr val="4F81BD"/>
+              </a:fillRef>
+              <a:effectRef idx="0">
+                <a:srgbClr val="4F81BD"/>
+              </a:effectRef>
+              <a:fontRef idx="minor">
+                <a:srgbClr val="000000"/>
+              </a:fontRef>
+            </p:style>
+            <p:txBody>
+              <a:bodyPr rtlCol="0" anchor="ctr"/>
+              <a:lstStyle/>
+              <a:p>
+                <a:pPr algn="ctr"/>
+                <a:endParaRPr lang="en-US" dirty="0"/>
+              </a:p>
+            </p:txBody>
+          </p:sp>
+          <p:sp>
+            <p:nvSpPr>
+              <p:cNvPr id="54" name="InnerCircle"/>
+              <p:cNvSpPr/>
+              <p:nvPr/>
+            </p:nvSpPr>
+            <p:spPr>
+              <a:xfrm>
+                <a:off x="4390432" y="3407093"/>
+                <a:ext cx="58189" cy="58190"/>
+              </a:xfrm>
+              <a:prstGeom prst="ellipse">
+                <a:avLst/>
+              </a:prstGeom>
+              <a:solidFill>
+                <a:srgbClr val="FFFFFF">
+                  <a:lumMod val="50000"/>
+                </a:srgbClr>
+              </a:solidFill>
+              <a:ln>
+                <a:noFill/>
+              </a:ln>
+            </p:spPr>
+            <p:style>
+              <a:lnRef idx="2">
+                <a:srgbClr val="4F81BD">
+                  <a:shade val="50000"/>
+                </a:srgbClr>
+              </a:lnRef>
+              <a:fillRef idx="1">
+                <a:srgbClr val="4F81BD"/>
+              </a:fillRef>
+              <a:effectRef idx="0">
+                <a:srgbClr val="4F81BD"/>
+              </a:effectRef>
+              <a:fontRef idx="minor">
+                <a:srgbClr val="000000"/>
+              </a:fontRef>
+            </p:style>
+            <p:txBody>
+              <a:bodyPr rtlCol="0" anchor="ctr"/>
+              <a:lstStyle/>
+              <a:p>
+                <a:pPr algn="ctr"/>
+                <a:endParaRPr lang="en-US" dirty="0"/>
+              </a:p>
+            </p:txBody>
+          </p:sp>
+        </p:grpSp>
+      </p:grpSp>
+      <p:grpSp>
+        <p:nvGrpSpPr>
+          <p:cNvPr id="55" name="RadioButtonUnselected"/>
+          <p:cNvGrpSpPr/>
+          <p:nvPr>
+            <p:custDataLst>
+              <p:custData r:id="rId21"/>
+            </p:custDataLst>
+          </p:nvPr>
+        </p:nvGrpSpPr>
+        <p:grpSpPr>
+          <a:xfrm>
+            <a:off x="6082778" y="2896170"/>
+            <a:ext cx="295722" cy="230832"/>
+            <a:chOff x="4356895" y="3334651"/>
+            <a:chExt cx="295722" cy="230832"/>
+          </a:xfrm>
+        </p:grpSpPr>
+        <p:sp>
+          <p:nvSpPr>
+            <p:cNvPr id="56" name="Content"/>
+            <p:cNvSpPr txBox="1"/>
+            <p:nvPr/>
+          </p:nvSpPr>
+          <p:spPr>
+            <a:xfrm>
+              <a:off x="4356895" y="3334651"/>
+              <a:ext cx="295722" cy="230832"/>
+            </a:xfrm>
+            <a:prstGeom prst="rect">
+              <a:avLst/>
+            </a:prstGeom>
+            <a:noFill/>
+          </p:spPr>
+          <p:txBody>
+            <a:bodyPr wrap="none" lIns="164592" tIns="18288" rIns="45720" bIns="27432" rtlCol="0" anchor="ctr" anchorCtr="0">
+              <a:spAutoFit/>
+            </a:bodyPr>
+            <a:lstStyle/>
+            <a:p>
+              <a:r>
+                <a:rPr lang="en-US" sz="1200" dirty="0" smtClean="0">
+                  <a:latin typeface="Segoe UI" pitchFamily="34" charset="0"/>
+                  <a:ea typeface="Segoe UI" pitchFamily="34" charset="0"/>
+                  <a:cs typeface="Segoe UI" pitchFamily="34" charset="0"/>
+                </a:rPr>
+                <a:t>4</a:t>
+              </a:r>
+              <a:endParaRPr lang="en-US" sz="1200" dirty="0">
+                <a:latin typeface="Segoe UI" pitchFamily="34" charset="0"/>
+                <a:ea typeface="Segoe UI" pitchFamily="34" charset="0"/>
+                <a:cs typeface="Segoe UI" pitchFamily="34" charset="0"/>
+              </a:endParaRPr>
+            </a:p>
+          </p:txBody>
+        </p:sp>
+        <p:sp>
+          <p:nvSpPr>
+            <p:cNvPr id="57" name="Circle"/>
+            <p:cNvSpPr/>
+            <p:nvPr/>
+          </p:nvSpPr>
+          <p:spPr>
+            <a:xfrm>
+              <a:off x="4356895" y="3374807"/>
+              <a:ext cx="119960" cy="119922"/>
+            </a:xfrm>
+            <a:prstGeom prst="ellipse">
+              <a:avLst/>
+            </a:prstGeom>
+            <a:solidFill>
+              <a:srgbClr val="FFFFFF"/>
+            </a:solidFill>
+            <a:ln w="3175">
+              <a:solidFill>
+                <a:srgbClr val="FFFFFF">
+                  <a:lumMod val="50000"/>
+                </a:srgbClr>
+              </a:solidFill>
+            </a:ln>
+            <a:effectLst/>
+          </p:spPr>
+          <p:style>
+            <a:lnRef idx="2">
+              <a:srgbClr val="4F81BD">
+                <a:shade val="50000"/>
+              </a:srgbClr>
+            </a:lnRef>
+            <a:fillRef idx="1">
+              <a:srgbClr val="4F81BD"/>
+            </a:fillRef>
+            <a:effectRef idx="0">
+              <a:srgbClr val="4F81BD"/>
+            </a:effectRef>
+            <a:fontRef idx="minor">
+              <a:srgbClr val="000000"/>
+            </a:fontRef>
+          </p:style>
+          <p:txBody>
+            <a:bodyPr rtlCol="0" anchor="ctr"/>
+            <a:lstStyle/>
+            <a:p>
+              <a:pPr algn="ctr"/>
+              <a:endParaRPr lang="en-US" dirty="0"/>
+            </a:p>
+          </p:txBody>
+        </p:sp>
+      </p:grpSp>
+      <p:grpSp>
+        <p:nvGrpSpPr>
+          <p:cNvPr id="58" name="RadioButtonUnselected"/>
+          <p:cNvGrpSpPr/>
+          <p:nvPr>
+            <p:custDataLst>
+              <p:custData r:id="rId22"/>
+            </p:custDataLst>
+          </p:nvPr>
+        </p:nvGrpSpPr>
+        <p:grpSpPr>
+          <a:xfrm>
+            <a:off x="6486078" y="2896170"/>
+            <a:ext cx="295722" cy="230832"/>
+            <a:chOff x="4356895" y="3334651"/>
+            <a:chExt cx="295722" cy="230832"/>
+          </a:xfrm>
+        </p:grpSpPr>
+        <p:sp>
+          <p:nvSpPr>
+            <p:cNvPr id="59" name="Content"/>
+            <p:cNvSpPr txBox="1"/>
+            <p:nvPr/>
+          </p:nvSpPr>
+          <p:spPr>
+            <a:xfrm>
+              <a:off x="4356895" y="3334651"/>
+              <a:ext cx="295722" cy="230832"/>
+            </a:xfrm>
+            <a:prstGeom prst="rect">
+              <a:avLst/>
+            </a:prstGeom>
+            <a:noFill/>
+          </p:spPr>
+          <p:txBody>
+            <a:bodyPr wrap="none" lIns="164592" tIns="18288" rIns="45720" bIns="27432" rtlCol="0" anchor="ctr" anchorCtr="0">
+              <a:spAutoFit/>
+            </a:bodyPr>
+            <a:lstStyle/>
+            <a:p>
+              <a:r>
+                <a:rPr lang="en-US" sz="1200" dirty="0" smtClean="0">
+                  <a:latin typeface="Segoe UI" pitchFamily="34" charset="0"/>
+                  <a:ea typeface="Segoe UI" pitchFamily="34" charset="0"/>
+                  <a:cs typeface="Segoe UI" pitchFamily="34" charset="0"/>
+                </a:rPr>
+                <a:t>5</a:t>
+              </a:r>
+              <a:endParaRPr lang="en-US" sz="1200" dirty="0">
+                <a:latin typeface="Segoe UI" pitchFamily="34" charset="0"/>
+                <a:ea typeface="Segoe UI" pitchFamily="34" charset="0"/>
+                <a:cs typeface="Segoe UI" pitchFamily="34" charset="0"/>
+              </a:endParaRPr>
+            </a:p>
+          </p:txBody>
+        </p:sp>
+        <p:sp>
+          <p:nvSpPr>
+            <p:cNvPr id="60" name="Circle"/>
+            <p:cNvSpPr/>
+            <p:nvPr/>
+          </p:nvSpPr>
+          <p:spPr>
+            <a:xfrm>
+              <a:off x="4356895" y="3374807"/>
+              <a:ext cx="119960" cy="119922"/>
+            </a:xfrm>
+            <a:prstGeom prst="ellipse">
+              <a:avLst/>
+            </a:prstGeom>
+            <a:solidFill>
+              <a:srgbClr val="FFFFFF"/>
+            </a:solidFill>
+            <a:ln w="3175">
+              <a:solidFill>
+                <a:srgbClr val="FFFFFF">
+                  <a:lumMod val="50000"/>
+                </a:srgbClr>
+              </a:solidFill>
+            </a:ln>
+            <a:effectLst/>
+          </p:spPr>
+          <p:style>
+            <a:lnRef idx="2">
+              <a:srgbClr val="4F81BD">
+                <a:shade val="50000"/>
+              </a:srgbClr>
+            </a:lnRef>
+            <a:fillRef idx="1">
+              <a:srgbClr val="4F81BD"/>
+            </a:fillRef>
+            <a:effectRef idx="0">
+              <a:srgbClr val="4F81BD"/>
+            </a:effectRef>
+            <a:fontRef idx="minor">
+              <a:srgbClr val="000000"/>
+            </a:fontRef>
+          </p:style>
+          <p:txBody>
+            <a:bodyPr rtlCol="0" anchor="ctr"/>
+            <a:lstStyle/>
+            <a:p>
+              <a:pPr algn="ctr"/>
+              <a:endParaRPr lang="en-US" dirty="0"/>
+            </a:p>
+          </p:txBody>
+        </p:sp>
+      </p:grpSp>
+      <p:sp>
+        <p:nvSpPr>
+          <p:cNvPr id="61" name="Content"/>
+          <p:cNvSpPr txBox="1"/>
+          <p:nvPr>
+            <p:custDataLst>
+              <p:custData r:id="rId23"/>
+            </p:custDataLst>
+          </p:nvPr>
+        </p:nvSpPr>
+        <p:spPr>
+          <a:xfrm>
+            <a:off x="816429" y="3369960"/>
+            <a:ext cx="1943224" cy="230832"/>
+          </a:xfrm>
+          <a:prstGeom prst="rect">
+            <a:avLst/>
+          </a:prstGeom>
+          <a:noFill/>
+        </p:spPr>
+        <p:txBody>
+          <a:bodyPr wrap="none" lIns="91440" tIns="18288" rIns="91440" bIns="27432" rtlCol="0" anchor="ctr" anchorCtr="0">
+            <a:spAutoFit/>
+          </a:bodyPr>
+          <a:lstStyle/>
+          <a:p>
+            <a:r>
+              <a:rPr lang="en-US" sz="1200" dirty="0" smtClean="0">
+                <a:solidFill>
+                  <a:srgbClr val="000000"/>
+                </a:solidFill>
+                <a:latin typeface="Segoe UI" pitchFamily="34" charset="0"/>
+                <a:ea typeface="Segoe UI" pitchFamily="34" charset="0"/>
+                <a:cs typeface="Segoe UI" pitchFamily="34" charset="0"/>
+              </a:rPr>
+              <a:t>Is Blue your favorite color:</a:t>
+            </a:r>
+            <a:endParaRPr lang="en-US" sz="1200" dirty="0" smtClean="0">
+              <a:solidFill>
+                <a:srgbClr val="000000"/>
+              </a:solidFill>
+              <a:latin typeface="Segoe UI" pitchFamily="34" charset="0"/>
+              <a:ea typeface="Segoe UI" pitchFamily="34" charset="0"/>
+              <a:cs typeface="Segoe UI" pitchFamily="34" charset="0"/>
+            </a:endParaRPr>
+          </a:p>
+        </p:txBody>
+      </p:sp>
+      <p:sp>
+        <p:nvSpPr>
+          <p:cNvPr id="62" name="Content"/>
+          <p:cNvSpPr/>
+          <p:nvPr>
+            <p:custDataLst>
+              <p:custData r:id="rId24"/>
+            </p:custDataLst>
+          </p:nvPr>
+        </p:nvSpPr>
+        <p:spPr>
+          <a:xfrm>
+            <a:off x="4284699" y="3372192"/>
+            <a:ext cx="265530" cy="228600"/>
+          </a:xfrm>
+          <a:prstGeom prst="rect">
+            <a:avLst/>
+          </a:prstGeom>
+          <a:solidFill>
+            <a:sysClr val="window" lastClr="FFFFFF"/>
+          </a:solidFill>
+          <a:ln w="3175">
+            <a:solidFill>
+              <a:srgbClr val="000000">
+                <a:lumMod val="50000"/>
+                <a:lumOff val="50000"/>
+              </a:srgbClr>
+            </a:solidFill>
+          </a:ln>
+          <a:effectLst/>
+        </p:spPr>
+        <p:style>
+          <a:lnRef idx="2">
+            <a:srgbClr val="4F81BD">
+              <a:shade val="50000"/>
+            </a:srgbClr>
+          </a:lnRef>
+          <a:fillRef idx="1">
+            <a:srgbClr val="4F81BD"/>
+          </a:fillRef>
+          <a:effectRef idx="0">
+            <a:srgbClr val="4F81BD"/>
+          </a:effectRef>
+          <a:fontRef idx="minor">
+            <a:srgbClr val="000000"/>
+          </a:fontRef>
+        </p:style>
+        <p:txBody>
+          <a:bodyPr wrap="none" lIns="45720" tIns="18288" rIns="45720" bIns="18288" rtlCol="0" anchor="ctr">
+            <a:noAutofit/>
+          </a:bodyPr>
+          <a:lstStyle/>
+          <a:p>
+            <a:r>
+              <a:rPr lang="en-US" sz="1200" dirty="0" smtClean="0">
+                <a:solidFill>
+                  <a:srgbClr val="000000"/>
+                </a:solidFill>
+                <a:latin typeface="Segoe UI" pitchFamily="34" charset="0"/>
+                <a:cs typeface="Segoe UI" pitchFamily="34" charset="0"/>
+              </a:rPr>
+              <a:t>3</a:t>
+            </a:r>
+            <a:endParaRPr lang="en-US" sz="1200" dirty="0">
+              <a:solidFill>
+                <a:srgbClr val="000000"/>
+              </a:solidFill>
+              <a:latin typeface="Segoe UI" pitchFamily="34" charset="0"/>
+              <a:cs typeface="Segoe UI" pitchFamily="34" charset="0"/>
+            </a:endParaRPr>
+          </a:p>
+        </p:txBody>
+      </p:sp>
+      <p:grpSp>
+        <p:nvGrpSpPr>
+          <p:cNvPr id="63" name="RadioButtonUnselected"/>
+          <p:cNvGrpSpPr/>
+          <p:nvPr>
+            <p:custDataLst>
+              <p:custData r:id="rId25"/>
+            </p:custDataLst>
+          </p:nvPr>
+        </p:nvGrpSpPr>
+        <p:grpSpPr>
+          <a:xfrm>
+            <a:off x="4931229" y="3372192"/>
+            <a:ext cx="295722" cy="230832"/>
+            <a:chOff x="4356895" y="3334651"/>
+            <a:chExt cx="295722" cy="230832"/>
+          </a:xfrm>
+        </p:grpSpPr>
+        <p:sp>
+          <p:nvSpPr>
+            <p:cNvPr id="64" name="Content"/>
+            <p:cNvSpPr txBox="1"/>
+            <p:nvPr/>
+          </p:nvSpPr>
+          <p:spPr>
+            <a:xfrm>
+              <a:off x="4356895" y="3334651"/>
+              <a:ext cx="295722" cy="230832"/>
+            </a:xfrm>
+            <a:prstGeom prst="rect">
+              <a:avLst/>
+            </a:prstGeom>
+            <a:noFill/>
+          </p:spPr>
+          <p:txBody>
+            <a:bodyPr wrap="none" lIns="164592" tIns="18288" rIns="45720" bIns="27432" rtlCol="0" anchor="ctr" anchorCtr="0">
+              <a:spAutoFit/>
+            </a:bodyPr>
+            <a:lstStyle/>
+            <a:p>
+              <a:r>
+                <a:rPr lang="en-US" sz="1200" dirty="0" smtClean="0">
+                  <a:latin typeface="Segoe UI" pitchFamily="34" charset="0"/>
+                  <a:ea typeface="Segoe UI" pitchFamily="34" charset="0"/>
+                  <a:cs typeface="Segoe UI" pitchFamily="34" charset="0"/>
+                </a:rPr>
+                <a:t>1</a:t>
+              </a:r>
+              <a:endParaRPr lang="en-US" sz="1200" dirty="0">
+                <a:latin typeface="Segoe UI" pitchFamily="34" charset="0"/>
+                <a:ea typeface="Segoe UI" pitchFamily="34" charset="0"/>
+                <a:cs typeface="Segoe UI" pitchFamily="34" charset="0"/>
+              </a:endParaRPr>
+            </a:p>
+          </p:txBody>
+        </p:sp>
+        <p:sp>
+          <p:nvSpPr>
+            <p:cNvPr id="65" name="Circle"/>
+            <p:cNvSpPr/>
+            <p:nvPr/>
+          </p:nvSpPr>
+          <p:spPr>
+            <a:xfrm>
+              <a:off x="4356895" y="3374807"/>
+              <a:ext cx="119960" cy="119922"/>
+            </a:xfrm>
+            <a:prstGeom prst="ellipse">
+              <a:avLst/>
+            </a:prstGeom>
+            <a:solidFill>
+              <a:srgbClr val="FFFFFF"/>
+            </a:solidFill>
+            <a:ln w="3175">
+              <a:solidFill>
+                <a:srgbClr val="FFFFFF">
+                  <a:lumMod val="50000"/>
+                </a:srgbClr>
+              </a:solidFill>
+            </a:ln>
+            <a:effectLst/>
+          </p:spPr>
+          <p:style>
+            <a:lnRef idx="2">
+              <a:srgbClr val="4F81BD">
+                <a:shade val="50000"/>
+              </a:srgbClr>
+            </a:lnRef>
+            <a:fillRef idx="1">
+              <a:srgbClr val="4F81BD"/>
+            </a:fillRef>
+            <a:effectRef idx="0">
+              <a:srgbClr val="4F81BD"/>
+            </a:effectRef>
+            <a:fontRef idx="minor">
+              <a:srgbClr val="000000"/>
+            </a:fontRef>
+          </p:style>
+          <p:txBody>
+            <a:bodyPr rtlCol="0" anchor="ctr"/>
+            <a:lstStyle/>
+            <a:p>
+              <a:pPr algn="ctr"/>
+              <a:endParaRPr lang="en-US" dirty="0"/>
+            </a:p>
+          </p:txBody>
+        </p:sp>
+      </p:grpSp>
+      <p:grpSp>
+        <p:nvGrpSpPr>
+          <p:cNvPr id="66" name="RadioButtonUnselected"/>
+          <p:cNvGrpSpPr/>
+          <p:nvPr>
+            <p:custDataLst>
+              <p:custData r:id="rId26"/>
+            </p:custDataLst>
+          </p:nvPr>
+        </p:nvGrpSpPr>
+        <p:grpSpPr>
+          <a:xfrm>
+            <a:off x="5310973" y="3380846"/>
+            <a:ext cx="295722" cy="230832"/>
+            <a:chOff x="4356895" y="3334651"/>
+            <a:chExt cx="295722" cy="230832"/>
+          </a:xfrm>
+        </p:grpSpPr>
+        <p:sp>
+          <p:nvSpPr>
+            <p:cNvPr id="67" name="Content"/>
+            <p:cNvSpPr txBox="1"/>
+            <p:nvPr/>
+          </p:nvSpPr>
+          <p:spPr>
+            <a:xfrm>
+              <a:off x="4356895" y="3334651"/>
+              <a:ext cx="295722" cy="230832"/>
+            </a:xfrm>
+            <a:prstGeom prst="rect">
+              <a:avLst/>
+            </a:prstGeom>
+            <a:noFill/>
+          </p:spPr>
+          <p:txBody>
+            <a:bodyPr wrap="none" lIns="164592" tIns="18288" rIns="45720" bIns="27432" rtlCol="0" anchor="ctr" anchorCtr="0">
+              <a:spAutoFit/>
+            </a:bodyPr>
+            <a:lstStyle/>
+            <a:p>
+              <a:r>
+                <a:rPr lang="en-US" sz="1200" dirty="0" smtClean="0">
+                  <a:latin typeface="Segoe UI" pitchFamily="34" charset="0"/>
+                  <a:ea typeface="Segoe UI" pitchFamily="34" charset="0"/>
+                  <a:cs typeface="Segoe UI" pitchFamily="34" charset="0"/>
+                </a:rPr>
+                <a:t>2</a:t>
+              </a:r>
+              <a:endParaRPr lang="en-US" sz="1200" dirty="0">
+                <a:latin typeface="Segoe UI" pitchFamily="34" charset="0"/>
+                <a:ea typeface="Segoe UI" pitchFamily="34" charset="0"/>
+                <a:cs typeface="Segoe UI" pitchFamily="34" charset="0"/>
+              </a:endParaRPr>
+            </a:p>
+          </p:txBody>
+        </p:sp>
+        <p:sp>
+          <p:nvSpPr>
+            <p:cNvPr id="68" name="Circle"/>
+            <p:cNvSpPr/>
+            <p:nvPr/>
+          </p:nvSpPr>
+          <p:spPr>
+            <a:xfrm>
+              <a:off x="4356895" y="3374807"/>
+              <a:ext cx="119960" cy="119922"/>
+            </a:xfrm>
+            <a:prstGeom prst="ellipse">
+              <a:avLst/>
+            </a:prstGeom>
+            <a:solidFill>
+              <a:srgbClr val="FFFFFF"/>
+            </a:solidFill>
+            <a:ln w="3175">
+              <a:solidFill>
+                <a:srgbClr val="FFFFFF">
+                  <a:lumMod val="50000"/>
+                </a:srgbClr>
+              </a:solidFill>
+            </a:ln>
+            <a:effectLst/>
+          </p:spPr>
+          <p:style>
+            <a:lnRef idx="2">
+              <a:srgbClr val="4F81BD">
+                <a:shade val="50000"/>
+              </a:srgbClr>
+            </a:lnRef>
+            <a:fillRef idx="1">
+              <a:srgbClr val="4F81BD"/>
+            </a:fillRef>
+            <a:effectRef idx="0">
+              <a:srgbClr val="4F81BD"/>
+            </a:effectRef>
+            <a:fontRef idx="minor">
+              <a:srgbClr val="000000"/>
+            </a:fontRef>
+          </p:style>
+          <p:txBody>
+            <a:bodyPr rtlCol="0" anchor="ctr"/>
+            <a:lstStyle/>
+            <a:p>
+              <a:pPr algn="ctr"/>
+              <a:endParaRPr lang="en-US" dirty="0"/>
+            </a:p>
+          </p:txBody>
+        </p:sp>
+      </p:grpSp>
+      <p:grpSp>
+        <p:nvGrpSpPr>
+          <p:cNvPr id="69" name="RadioButtonSelected"/>
+          <p:cNvGrpSpPr/>
+          <p:nvPr>
+            <p:custDataLst>
+              <p:custData r:id="rId27"/>
+            </p:custDataLst>
+          </p:nvPr>
+        </p:nvGrpSpPr>
+        <p:grpSpPr>
+          <a:xfrm>
+            <a:off x="5693229" y="3369960"/>
+            <a:ext cx="295722" cy="230832"/>
+            <a:chOff x="4356895" y="3334651"/>
+            <a:chExt cx="295722" cy="230832"/>
+          </a:xfrm>
+        </p:grpSpPr>
+        <p:sp>
+          <p:nvSpPr>
+            <p:cNvPr id="70" name="Content"/>
+            <p:cNvSpPr txBox="1"/>
+            <p:nvPr/>
+          </p:nvSpPr>
+          <p:spPr>
+            <a:xfrm>
+              <a:off x="4356895" y="3334651"/>
+              <a:ext cx="295722" cy="230832"/>
+            </a:xfrm>
+            <a:prstGeom prst="rect">
+              <a:avLst/>
+            </a:prstGeom>
+            <a:noFill/>
+          </p:spPr>
+          <p:txBody>
+            <a:bodyPr wrap="none" lIns="164592" tIns="18288" rIns="45720" bIns="27432" rtlCol="0" anchor="ctr" anchorCtr="0">
+              <a:spAutoFit/>
+            </a:bodyPr>
+            <a:lstStyle/>
+            <a:p>
+              <a:r>
+                <a:rPr lang="en-US" sz="1200" dirty="0" smtClean="0">
+                  <a:latin typeface="Segoe UI" pitchFamily="34" charset="0"/>
+                  <a:ea typeface="Segoe UI" pitchFamily="34" charset="0"/>
+                  <a:cs typeface="Segoe UI" pitchFamily="34" charset="0"/>
+                </a:rPr>
+                <a:t>3</a:t>
+              </a:r>
+              <a:endParaRPr lang="en-US" sz="1200" dirty="0">
+                <a:latin typeface="Segoe UI" pitchFamily="34" charset="0"/>
+                <a:ea typeface="Segoe UI" pitchFamily="34" charset="0"/>
+                <a:cs typeface="Segoe UI" pitchFamily="34" charset="0"/>
+              </a:endParaRPr>
+            </a:p>
+          </p:txBody>
+        </p:sp>
+        <p:grpSp>
+          <p:nvGrpSpPr>
+            <p:cNvPr id="71" name="Group 70"/>
+            <p:cNvGrpSpPr/>
+            <p:nvPr/>
+          </p:nvGrpSpPr>
+          <p:grpSpPr>
+            <a:xfrm>
+              <a:off x="4356895" y="3374807"/>
+              <a:ext cx="119960" cy="119922"/>
+              <a:chOff x="4356895" y="3374807"/>
+              <a:chExt cx="119960" cy="119922"/>
+            </a:xfrm>
+          </p:grpSpPr>
+          <p:sp>
+            <p:nvSpPr>
+              <p:cNvPr id="72" name="Circle"/>
+              <p:cNvSpPr/>
+              <p:nvPr/>
+            </p:nvSpPr>
+            <p:spPr>
+              <a:xfrm>
+                <a:off x="4356895" y="3374807"/>
+                <a:ext cx="119960" cy="119922"/>
+              </a:xfrm>
+              <a:prstGeom prst="ellipse">
+                <a:avLst/>
+              </a:prstGeom>
+              <a:solidFill>
+                <a:srgbClr val="FFFFFF"/>
+              </a:solidFill>
+              <a:ln w="3175">
+                <a:solidFill>
+                  <a:srgbClr val="FFFFFF">
+                    <a:lumMod val="50000"/>
+                  </a:srgbClr>
+                </a:solidFill>
+              </a:ln>
+              <a:effectLst/>
+            </p:spPr>
+            <p:style>
+              <a:lnRef idx="2">
+                <a:srgbClr val="4F81BD">
+                  <a:shade val="50000"/>
+                </a:srgbClr>
+              </a:lnRef>
+              <a:fillRef idx="1">
+                <a:srgbClr val="4F81BD"/>
+              </a:fillRef>
+              <a:effectRef idx="0">
+                <a:srgbClr val="4F81BD"/>
+              </a:effectRef>
+              <a:fontRef idx="minor">
+                <a:srgbClr val="000000"/>
+              </a:fontRef>
+            </p:style>
+            <p:txBody>
+              <a:bodyPr rtlCol="0" anchor="ctr"/>
+              <a:lstStyle/>
+              <a:p>
+                <a:pPr algn="ctr"/>
+                <a:endParaRPr lang="en-US" dirty="0"/>
+              </a:p>
+            </p:txBody>
+          </p:sp>
+          <p:sp>
+            <p:nvSpPr>
+              <p:cNvPr id="73" name="InnerCircle"/>
+              <p:cNvSpPr/>
+              <p:nvPr/>
+            </p:nvSpPr>
+            <p:spPr>
+              <a:xfrm>
+                <a:off x="4390432" y="3407093"/>
+                <a:ext cx="58189" cy="58190"/>
+              </a:xfrm>
+              <a:prstGeom prst="ellipse">
+                <a:avLst/>
+              </a:prstGeom>
+              <a:solidFill>
+                <a:srgbClr val="FFFFFF">
+                  <a:lumMod val="50000"/>
+                </a:srgbClr>
+              </a:solidFill>
+              <a:ln>
+                <a:noFill/>
+              </a:ln>
+            </p:spPr>
+            <p:style>
+              <a:lnRef idx="2">
+                <a:srgbClr val="4F81BD">
+                  <a:shade val="50000"/>
+                </a:srgbClr>
+              </a:lnRef>
+              <a:fillRef idx="1">
+                <a:srgbClr val="4F81BD"/>
+              </a:fillRef>
+              <a:effectRef idx="0">
+                <a:srgbClr val="4F81BD"/>
+              </a:effectRef>
+              <a:fontRef idx="minor">
+                <a:srgbClr val="000000"/>
+              </a:fontRef>
+            </p:style>
+            <p:txBody>
+              <a:bodyPr rtlCol="0" anchor="ctr"/>
+              <a:lstStyle/>
+              <a:p>
+                <a:pPr algn="ctr"/>
+                <a:endParaRPr lang="en-US" dirty="0"/>
+              </a:p>
+            </p:txBody>
+          </p:sp>
+        </p:grpSp>
+      </p:grpSp>
+      <p:grpSp>
+        <p:nvGrpSpPr>
+          <p:cNvPr id="74" name="RadioButtonUnselected"/>
+          <p:cNvGrpSpPr/>
+          <p:nvPr>
+            <p:custDataLst>
+              <p:custData r:id="rId28"/>
+            </p:custDataLst>
+          </p:nvPr>
+        </p:nvGrpSpPr>
+        <p:grpSpPr>
+          <a:xfrm>
+            <a:off x="6061007" y="3370530"/>
+            <a:ext cx="295722" cy="230832"/>
+            <a:chOff x="4356895" y="3334651"/>
+            <a:chExt cx="295722" cy="230832"/>
+          </a:xfrm>
+        </p:grpSpPr>
+        <p:sp>
+          <p:nvSpPr>
+            <p:cNvPr id="75" name="Content"/>
+            <p:cNvSpPr txBox="1"/>
+            <p:nvPr/>
+          </p:nvSpPr>
+          <p:spPr>
+            <a:xfrm>
+              <a:off x="4356895" y="3334651"/>
+              <a:ext cx="295722" cy="230832"/>
+            </a:xfrm>
+            <a:prstGeom prst="rect">
+              <a:avLst/>
+            </a:prstGeom>
+            <a:noFill/>
+          </p:spPr>
+          <p:txBody>
+            <a:bodyPr wrap="none" lIns="164592" tIns="18288" rIns="45720" bIns="27432" rtlCol="0" anchor="ctr" anchorCtr="0">
+              <a:spAutoFit/>
+            </a:bodyPr>
+            <a:lstStyle/>
+            <a:p>
+              <a:r>
+                <a:rPr lang="en-US" sz="1200" dirty="0" smtClean="0">
+                  <a:latin typeface="Segoe UI" pitchFamily="34" charset="0"/>
+                  <a:ea typeface="Segoe UI" pitchFamily="34" charset="0"/>
+                  <a:cs typeface="Segoe UI" pitchFamily="34" charset="0"/>
+                </a:rPr>
+                <a:t>4</a:t>
+              </a:r>
+              <a:endParaRPr lang="en-US" sz="1200" dirty="0">
+                <a:latin typeface="Segoe UI" pitchFamily="34" charset="0"/>
+                <a:ea typeface="Segoe UI" pitchFamily="34" charset="0"/>
+                <a:cs typeface="Segoe UI" pitchFamily="34" charset="0"/>
+              </a:endParaRPr>
+            </a:p>
+          </p:txBody>
+        </p:sp>
+        <p:sp>
+          <p:nvSpPr>
+            <p:cNvPr id="76" name="Circle"/>
+            <p:cNvSpPr/>
+            <p:nvPr/>
+          </p:nvSpPr>
+          <p:spPr>
+            <a:xfrm>
+              <a:off x="4356895" y="3374807"/>
+              <a:ext cx="119960" cy="119922"/>
+            </a:xfrm>
+            <a:prstGeom prst="ellipse">
+              <a:avLst/>
+            </a:prstGeom>
+            <a:solidFill>
+              <a:srgbClr val="FFFFFF"/>
+            </a:solidFill>
+            <a:ln w="3175">
+              <a:solidFill>
+                <a:srgbClr val="FFFFFF">
+                  <a:lumMod val="50000"/>
+                </a:srgbClr>
+              </a:solidFill>
+            </a:ln>
+            <a:effectLst/>
+          </p:spPr>
+          <p:style>
+            <a:lnRef idx="2">
+              <a:srgbClr val="4F81BD">
+                <a:shade val="50000"/>
+              </a:srgbClr>
+            </a:lnRef>
+            <a:fillRef idx="1">
+              <a:srgbClr val="4F81BD"/>
+            </a:fillRef>
+            <a:effectRef idx="0">
+              <a:srgbClr val="4F81BD"/>
+            </a:effectRef>
+            <a:fontRef idx="minor">
+              <a:srgbClr val="000000"/>
+            </a:fontRef>
+          </p:style>
+          <p:txBody>
+            <a:bodyPr rtlCol="0" anchor="ctr"/>
+            <a:lstStyle/>
+            <a:p>
+              <a:pPr algn="ctr"/>
+              <a:endParaRPr lang="en-US" dirty="0"/>
+            </a:p>
+          </p:txBody>
+        </p:sp>
+      </p:grpSp>
+      <p:grpSp>
+        <p:nvGrpSpPr>
+          <p:cNvPr id="77" name="RadioButtonUnselected"/>
+          <p:cNvGrpSpPr/>
+          <p:nvPr>
+            <p:custDataLst>
+              <p:custData r:id="rId29"/>
+            </p:custDataLst>
+          </p:nvPr>
+        </p:nvGrpSpPr>
+        <p:grpSpPr>
+          <a:xfrm>
+            <a:off x="6464307" y="3370530"/>
+            <a:ext cx="295722" cy="230832"/>
+            <a:chOff x="4356895" y="3334651"/>
+            <a:chExt cx="295722" cy="230832"/>
+          </a:xfrm>
+        </p:grpSpPr>
+        <p:sp>
+          <p:nvSpPr>
+            <p:cNvPr id="78" name="Content"/>
+            <p:cNvSpPr txBox="1"/>
+            <p:nvPr/>
+          </p:nvSpPr>
+          <p:spPr>
+            <a:xfrm>
+              <a:off x="4356895" y="3334651"/>
+              <a:ext cx="295722" cy="230832"/>
+            </a:xfrm>
+            <a:prstGeom prst="rect">
+              <a:avLst/>
+            </a:prstGeom>
+            <a:noFill/>
+          </p:spPr>
+          <p:txBody>
+            <a:bodyPr wrap="none" lIns="164592" tIns="18288" rIns="45720" bIns="27432" rtlCol="0" anchor="ctr" anchorCtr="0">
+              <a:spAutoFit/>
+            </a:bodyPr>
+            <a:lstStyle/>
+            <a:p>
+              <a:r>
+                <a:rPr lang="en-US" sz="1200" dirty="0" smtClean="0">
+                  <a:latin typeface="Segoe UI" pitchFamily="34" charset="0"/>
+                  <a:ea typeface="Segoe UI" pitchFamily="34" charset="0"/>
+                  <a:cs typeface="Segoe UI" pitchFamily="34" charset="0"/>
+                </a:rPr>
+                <a:t>5</a:t>
+              </a:r>
+              <a:endParaRPr lang="en-US" sz="1200" dirty="0">
+                <a:latin typeface="Segoe UI" pitchFamily="34" charset="0"/>
+                <a:ea typeface="Segoe UI" pitchFamily="34" charset="0"/>
+                <a:cs typeface="Segoe UI" pitchFamily="34" charset="0"/>
+              </a:endParaRPr>
+            </a:p>
+          </p:txBody>
+        </p:sp>
+        <p:sp>
+          <p:nvSpPr>
+            <p:cNvPr id="79" name="Circle"/>
+            <p:cNvSpPr/>
+            <p:nvPr/>
+          </p:nvSpPr>
+          <p:spPr>
+            <a:xfrm>
+              <a:off x="4356895" y="3374807"/>
+              <a:ext cx="119960" cy="119922"/>
+            </a:xfrm>
+            <a:prstGeom prst="ellipse">
+              <a:avLst/>
+            </a:prstGeom>
+            <a:solidFill>
+              <a:srgbClr val="FFFFFF"/>
+            </a:solidFill>
+            <a:ln w="3175">
+              <a:solidFill>
+                <a:srgbClr val="FFFFFF">
+                  <a:lumMod val="50000"/>
+                </a:srgbClr>
+              </a:solidFill>
+            </a:ln>
+            <a:effectLst/>
+          </p:spPr>
+          <p:style>
+            <a:lnRef idx="2">
+              <a:srgbClr val="4F81BD">
+                <a:shade val="50000"/>
+              </a:srgbClr>
+            </a:lnRef>
+            <a:fillRef idx="1">
+              <a:srgbClr val="4F81BD"/>
+            </a:fillRef>
+            <a:effectRef idx="0">
+              <a:srgbClr val="4F81BD"/>
+            </a:effectRef>
+            <a:fontRef idx="minor">
+              <a:srgbClr val="000000"/>
+            </a:fontRef>
+          </p:style>
+          <p:txBody>
+            <a:bodyPr rtlCol="0" anchor="ctr"/>
+            <a:lstStyle/>
+            <a:p>
+              <a:pPr algn="ctr"/>
+              <a:endParaRPr lang="en-US" dirty="0"/>
+            </a:p>
+          </p:txBody>
+        </p:sp>
+      </p:grpSp>
+      <p:sp>
+        <p:nvSpPr>
+          <p:cNvPr id="80" name="Content"/>
+          <p:cNvSpPr txBox="1"/>
+          <p:nvPr>
+            <p:custDataLst>
+              <p:custData r:id="rId30"/>
+            </p:custDataLst>
+          </p:nvPr>
+        </p:nvSpPr>
+        <p:spPr>
+          <a:xfrm>
+            <a:off x="827315" y="3837520"/>
+            <a:ext cx="2054986" cy="230832"/>
+          </a:xfrm>
+          <a:prstGeom prst="rect">
+            <a:avLst/>
+          </a:prstGeom>
+          <a:noFill/>
+        </p:spPr>
+        <p:txBody>
+          <a:bodyPr wrap="none" lIns="91440" tIns="18288" rIns="91440" bIns="27432" rtlCol="0" anchor="ctr" anchorCtr="0">
+            <a:spAutoFit/>
+          </a:bodyPr>
+          <a:lstStyle/>
+          <a:p>
+            <a:r>
+              <a:rPr lang="en-US" sz="1200" dirty="0" smtClean="0">
+                <a:solidFill>
+                  <a:srgbClr val="000000"/>
+                </a:solidFill>
+                <a:latin typeface="Segoe UI" pitchFamily="34" charset="0"/>
+                <a:ea typeface="Segoe UI" pitchFamily="34" charset="0"/>
+                <a:cs typeface="Segoe UI" pitchFamily="34" charset="0"/>
+              </a:rPr>
+              <a:t>Is Green your favorite color:</a:t>
+            </a:r>
+            <a:endParaRPr lang="en-US" sz="1200" dirty="0" smtClean="0">
+              <a:solidFill>
+                <a:srgbClr val="000000"/>
+              </a:solidFill>
+              <a:latin typeface="Segoe UI" pitchFamily="34" charset="0"/>
+              <a:ea typeface="Segoe UI" pitchFamily="34" charset="0"/>
+              <a:cs typeface="Segoe UI" pitchFamily="34" charset="0"/>
+            </a:endParaRPr>
+          </a:p>
+        </p:txBody>
+      </p:sp>
+      <p:sp>
+        <p:nvSpPr>
+          <p:cNvPr id="81" name="Content"/>
+          <p:cNvSpPr/>
+          <p:nvPr>
+            <p:custDataLst>
+              <p:custData r:id="rId31"/>
+            </p:custDataLst>
+          </p:nvPr>
+        </p:nvSpPr>
+        <p:spPr>
+          <a:xfrm>
+            <a:off x="4295585" y="3839752"/>
+            <a:ext cx="265530" cy="228600"/>
+          </a:xfrm>
+          <a:prstGeom prst="rect">
+            <a:avLst/>
+          </a:prstGeom>
+          <a:solidFill>
+            <a:sysClr val="window" lastClr="FFFFFF"/>
+          </a:solidFill>
+          <a:ln w="3175">
+            <a:solidFill>
+              <a:srgbClr val="000000">
+                <a:lumMod val="50000"/>
+                <a:lumOff val="50000"/>
+              </a:srgbClr>
+            </a:solidFill>
+          </a:ln>
+          <a:effectLst/>
+        </p:spPr>
+        <p:style>
+          <a:lnRef idx="2">
+            <a:srgbClr val="4F81BD">
+              <a:shade val="50000"/>
+            </a:srgbClr>
+          </a:lnRef>
+          <a:fillRef idx="1">
+            <a:srgbClr val="4F81BD"/>
+          </a:fillRef>
+          <a:effectRef idx="0">
+            <a:srgbClr val="4F81BD"/>
+          </a:effectRef>
+          <a:fontRef idx="minor">
+            <a:srgbClr val="000000"/>
+          </a:fontRef>
+        </p:style>
+        <p:txBody>
+          <a:bodyPr wrap="none" lIns="45720" tIns="18288" rIns="45720" bIns="18288" rtlCol="0" anchor="ctr">
+            <a:noAutofit/>
+          </a:bodyPr>
+          <a:lstStyle/>
+          <a:p>
+            <a:r>
+              <a:rPr lang="en-US" sz="1200" dirty="0" smtClean="0">
+                <a:solidFill>
+                  <a:srgbClr val="000000"/>
+                </a:solidFill>
+                <a:latin typeface="Segoe UI" pitchFamily="34" charset="0"/>
+                <a:cs typeface="Segoe UI" pitchFamily="34" charset="0"/>
+              </a:rPr>
+              <a:t>3</a:t>
+            </a:r>
+            <a:endParaRPr lang="en-US" sz="1200" dirty="0">
+              <a:solidFill>
+                <a:srgbClr val="000000"/>
+              </a:solidFill>
+              <a:latin typeface="Segoe UI" pitchFamily="34" charset="0"/>
+              <a:cs typeface="Segoe UI" pitchFamily="34" charset="0"/>
+            </a:endParaRPr>
+          </a:p>
+        </p:txBody>
+      </p:sp>
+      <p:grpSp>
+        <p:nvGrpSpPr>
+          <p:cNvPr id="82" name="RadioButtonUnselected"/>
+          <p:cNvGrpSpPr/>
+          <p:nvPr>
+            <p:custDataLst>
+              <p:custData r:id="rId32"/>
+            </p:custDataLst>
+          </p:nvPr>
+        </p:nvGrpSpPr>
+        <p:grpSpPr>
+          <a:xfrm>
+            <a:off x="4942115" y="3839752"/>
+            <a:ext cx="295722" cy="230832"/>
+            <a:chOff x="4356895" y="3334651"/>
+            <a:chExt cx="295722" cy="230832"/>
+          </a:xfrm>
+        </p:grpSpPr>
+        <p:sp>
+          <p:nvSpPr>
+            <p:cNvPr id="83" name="Content"/>
+            <p:cNvSpPr txBox="1"/>
+            <p:nvPr/>
+          </p:nvSpPr>
+          <p:spPr>
+            <a:xfrm>
+              <a:off x="4356895" y="3334651"/>
+              <a:ext cx="295722" cy="230832"/>
+            </a:xfrm>
+            <a:prstGeom prst="rect">
+              <a:avLst/>
+            </a:prstGeom>
+            <a:noFill/>
+          </p:spPr>
+          <p:txBody>
+            <a:bodyPr wrap="none" lIns="164592" tIns="18288" rIns="45720" bIns="27432" rtlCol="0" anchor="ctr" anchorCtr="0">
+              <a:spAutoFit/>
+            </a:bodyPr>
+            <a:lstStyle/>
+            <a:p>
+              <a:r>
+                <a:rPr lang="en-US" sz="1200" dirty="0" smtClean="0">
+                  <a:latin typeface="Segoe UI" pitchFamily="34" charset="0"/>
+                  <a:ea typeface="Segoe UI" pitchFamily="34" charset="0"/>
+                  <a:cs typeface="Segoe UI" pitchFamily="34" charset="0"/>
+                </a:rPr>
+                <a:t>1</a:t>
+              </a:r>
+              <a:endParaRPr lang="en-US" sz="1200" dirty="0">
+                <a:latin typeface="Segoe UI" pitchFamily="34" charset="0"/>
+                <a:ea typeface="Segoe UI" pitchFamily="34" charset="0"/>
+                <a:cs typeface="Segoe UI" pitchFamily="34" charset="0"/>
+              </a:endParaRPr>
+            </a:p>
+          </p:txBody>
+        </p:sp>
+        <p:sp>
+          <p:nvSpPr>
+            <p:cNvPr id="84" name="Circle"/>
+            <p:cNvSpPr/>
+            <p:nvPr/>
+          </p:nvSpPr>
+          <p:spPr>
+            <a:xfrm>
+              <a:off x="4356895" y="3374807"/>
+              <a:ext cx="119960" cy="119922"/>
+            </a:xfrm>
+            <a:prstGeom prst="ellipse">
+              <a:avLst/>
+            </a:prstGeom>
+            <a:solidFill>
+              <a:srgbClr val="FFFFFF"/>
+            </a:solidFill>
+            <a:ln w="3175">
+              <a:solidFill>
+                <a:srgbClr val="FFFFFF">
+                  <a:lumMod val="50000"/>
+                </a:srgbClr>
+              </a:solidFill>
+            </a:ln>
+            <a:effectLst/>
+          </p:spPr>
+          <p:style>
+            <a:lnRef idx="2">
+              <a:srgbClr val="4F81BD">
+                <a:shade val="50000"/>
+              </a:srgbClr>
+            </a:lnRef>
+            <a:fillRef idx="1">
+              <a:srgbClr val="4F81BD"/>
+            </a:fillRef>
+            <a:effectRef idx="0">
+              <a:srgbClr val="4F81BD"/>
+            </a:effectRef>
+            <a:fontRef idx="minor">
+              <a:srgbClr val="000000"/>
+            </a:fontRef>
+          </p:style>
+          <p:txBody>
+            <a:bodyPr rtlCol="0" anchor="ctr"/>
+            <a:lstStyle/>
+            <a:p>
+              <a:pPr algn="ctr"/>
+              <a:endParaRPr lang="en-US" dirty="0"/>
+            </a:p>
+          </p:txBody>
+        </p:sp>
+      </p:grpSp>
+      <p:grpSp>
+        <p:nvGrpSpPr>
+          <p:cNvPr id="85" name="RadioButtonUnselected"/>
+          <p:cNvGrpSpPr/>
+          <p:nvPr>
+            <p:custDataLst>
+              <p:custData r:id="rId33"/>
+            </p:custDataLst>
+          </p:nvPr>
+        </p:nvGrpSpPr>
+        <p:grpSpPr>
+          <a:xfrm>
+            <a:off x="5321859" y="3848406"/>
+            <a:ext cx="295722" cy="230832"/>
+            <a:chOff x="4356895" y="3334651"/>
+            <a:chExt cx="295722" cy="230832"/>
+          </a:xfrm>
+        </p:grpSpPr>
+        <p:sp>
+          <p:nvSpPr>
+            <p:cNvPr id="86" name="Content"/>
+            <p:cNvSpPr txBox="1"/>
+            <p:nvPr/>
+          </p:nvSpPr>
+          <p:spPr>
+            <a:xfrm>
+              <a:off x="4356895" y="3334651"/>
+              <a:ext cx="295722" cy="230832"/>
+            </a:xfrm>
+            <a:prstGeom prst="rect">
+              <a:avLst/>
+            </a:prstGeom>
+            <a:noFill/>
+          </p:spPr>
+          <p:txBody>
+            <a:bodyPr wrap="none" lIns="164592" tIns="18288" rIns="45720" bIns="27432" rtlCol="0" anchor="ctr" anchorCtr="0">
+              <a:spAutoFit/>
+            </a:bodyPr>
+            <a:lstStyle/>
+            <a:p>
+              <a:r>
+                <a:rPr lang="en-US" sz="1200" dirty="0" smtClean="0">
+                  <a:latin typeface="Segoe UI" pitchFamily="34" charset="0"/>
+                  <a:ea typeface="Segoe UI" pitchFamily="34" charset="0"/>
+                  <a:cs typeface="Segoe UI" pitchFamily="34" charset="0"/>
+                </a:rPr>
+                <a:t>2</a:t>
+              </a:r>
+              <a:endParaRPr lang="en-US" sz="1200" dirty="0">
+                <a:latin typeface="Segoe UI" pitchFamily="34" charset="0"/>
+                <a:ea typeface="Segoe UI" pitchFamily="34" charset="0"/>
+                <a:cs typeface="Segoe UI" pitchFamily="34" charset="0"/>
+              </a:endParaRPr>
+            </a:p>
+          </p:txBody>
+        </p:sp>
+        <p:sp>
+          <p:nvSpPr>
+            <p:cNvPr id="87" name="Circle"/>
+            <p:cNvSpPr/>
+            <p:nvPr/>
+          </p:nvSpPr>
+          <p:spPr>
+            <a:xfrm>
+              <a:off x="4356895" y="3374807"/>
+              <a:ext cx="119960" cy="119922"/>
+            </a:xfrm>
+            <a:prstGeom prst="ellipse">
+              <a:avLst/>
+            </a:prstGeom>
+            <a:solidFill>
+              <a:srgbClr val="FFFFFF"/>
+            </a:solidFill>
+            <a:ln w="3175">
+              <a:solidFill>
+                <a:srgbClr val="FFFFFF">
+                  <a:lumMod val="50000"/>
+                </a:srgbClr>
+              </a:solidFill>
+            </a:ln>
+            <a:effectLst/>
+          </p:spPr>
+          <p:style>
+            <a:lnRef idx="2">
+              <a:srgbClr val="4F81BD">
+                <a:shade val="50000"/>
+              </a:srgbClr>
+            </a:lnRef>
+            <a:fillRef idx="1">
+              <a:srgbClr val="4F81BD"/>
+            </a:fillRef>
+            <a:effectRef idx="0">
+              <a:srgbClr val="4F81BD"/>
+            </a:effectRef>
+            <a:fontRef idx="minor">
+              <a:srgbClr val="000000"/>
+            </a:fontRef>
+          </p:style>
+          <p:txBody>
+            <a:bodyPr rtlCol="0" anchor="ctr"/>
+            <a:lstStyle/>
+            <a:p>
+              <a:pPr algn="ctr"/>
+              <a:endParaRPr lang="en-US" dirty="0"/>
+            </a:p>
+          </p:txBody>
+        </p:sp>
+      </p:grpSp>
+      <p:grpSp>
+        <p:nvGrpSpPr>
+          <p:cNvPr id="88" name="RadioButtonSelected"/>
+          <p:cNvGrpSpPr/>
+          <p:nvPr>
+            <p:custDataLst>
+              <p:custData r:id="rId34"/>
+            </p:custDataLst>
+          </p:nvPr>
+        </p:nvGrpSpPr>
+        <p:grpSpPr>
+          <a:xfrm>
+            <a:off x="5704115" y="3837520"/>
+            <a:ext cx="295722" cy="230832"/>
+            <a:chOff x="4356895" y="3334651"/>
+            <a:chExt cx="295722" cy="230832"/>
+          </a:xfrm>
+        </p:grpSpPr>
+        <p:sp>
+          <p:nvSpPr>
+            <p:cNvPr id="89" name="Content"/>
+            <p:cNvSpPr txBox="1"/>
+            <p:nvPr/>
+          </p:nvSpPr>
+          <p:spPr>
+            <a:xfrm>
+              <a:off x="4356895" y="3334651"/>
+              <a:ext cx="295722" cy="230832"/>
+            </a:xfrm>
+            <a:prstGeom prst="rect">
+              <a:avLst/>
+            </a:prstGeom>
+            <a:noFill/>
+          </p:spPr>
+          <p:txBody>
+            <a:bodyPr wrap="none" lIns="164592" tIns="18288" rIns="45720" bIns="27432" rtlCol="0" anchor="ctr" anchorCtr="0">
+              <a:spAutoFit/>
+            </a:bodyPr>
+            <a:lstStyle/>
+            <a:p>
+              <a:r>
+                <a:rPr lang="en-US" sz="1200" dirty="0" smtClean="0">
+                  <a:latin typeface="Segoe UI" pitchFamily="34" charset="0"/>
+                  <a:ea typeface="Segoe UI" pitchFamily="34" charset="0"/>
+                  <a:cs typeface="Segoe UI" pitchFamily="34" charset="0"/>
+                </a:rPr>
+                <a:t>3</a:t>
+              </a:r>
+              <a:endParaRPr lang="en-US" sz="1200" dirty="0">
+                <a:latin typeface="Segoe UI" pitchFamily="34" charset="0"/>
+                <a:ea typeface="Segoe UI" pitchFamily="34" charset="0"/>
+                <a:cs typeface="Segoe UI" pitchFamily="34" charset="0"/>
+              </a:endParaRPr>
+            </a:p>
+          </p:txBody>
+        </p:sp>
+        <p:grpSp>
+          <p:nvGrpSpPr>
+            <p:cNvPr id="90" name="Group 89"/>
+            <p:cNvGrpSpPr/>
+            <p:nvPr/>
+          </p:nvGrpSpPr>
+          <p:grpSpPr>
+            <a:xfrm>
+              <a:off x="4356895" y="3374807"/>
+              <a:ext cx="119960" cy="119922"/>
+              <a:chOff x="4356895" y="3374807"/>
+              <a:chExt cx="119960" cy="119922"/>
+            </a:xfrm>
+          </p:grpSpPr>
+          <p:sp>
+            <p:nvSpPr>
+              <p:cNvPr id="91" name="Circle"/>
+              <p:cNvSpPr/>
+              <p:nvPr/>
+            </p:nvSpPr>
+            <p:spPr>
+              <a:xfrm>
+                <a:off x="4356895" y="3374807"/>
+                <a:ext cx="119960" cy="119922"/>
+              </a:xfrm>
+              <a:prstGeom prst="ellipse">
+                <a:avLst/>
+              </a:prstGeom>
+              <a:solidFill>
+                <a:srgbClr val="FFFFFF"/>
+              </a:solidFill>
+              <a:ln w="3175">
+                <a:solidFill>
+                  <a:srgbClr val="FFFFFF">
+                    <a:lumMod val="50000"/>
+                  </a:srgbClr>
+                </a:solidFill>
+              </a:ln>
+              <a:effectLst/>
+            </p:spPr>
+            <p:style>
+              <a:lnRef idx="2">
+                <a:srgbClr val="4F81BD">
+                  <a:shade val="50000"/>
+                </a:srgbClr>
+              </a:lnRef>
+              <a:fillRef idx="1">
+                <a:srgbClr val="4F81BD"/>
+              </a:fillRef>
+              <a:effectRef idx="0">
+                <a:srgbClr val="4F81BD"/>
+              </a:effectRef>
+              <a:fontRef idx="minor">
+                <a:srgbClr val="000000"/>
+              </a:fontRef>
+            </p:style>
+            <p:txBody>
+              <a:bodyPr rtlCol="0" anchor="ctr"/>
+              <a:lstStyle/>
+              <a:p>
+                <a:pPr algn="ctr"/>
+                <a:endParaRPr lang="en-US" dirty="0"/>
+              </a:p>
+            </p:txBody>
+          </p:sp>
+          <p:sp>
+            <p:nvSpPr>
+              <p:cNvPr id="92" name="InnerCircle"/>
+              <p:cNvSpPr/>
+              <p:nvPr/>
+            </p:nvSpPr>
+            <p:spPr>
+              <a:xfrm>
+                <a:off x="4390432" y="3407093"/>
+                <a:ext cx="58189" cy="58190"/>
+              </a:xfrm>
+              <a:prstGeom prst="ellipse">
+                <a:avLst/>
+              </a:prstGeom>
+              <a:solidFill>
+                <a:srgbClr val="FFFFFF">
+                  <a:lumMod val="50000"/>
+                </a:srgbClr>
+              </a:solidFill>
+              <a:ln>
+                <a:noFill/>
+              </a:ln>
+            </p:spPr>
+            <p:style>
+              <a:lnRef idx="2">
+                <a:srgbClr val="4F81BD">
+                  <a:shade val="50000"/>
+                </a:srgbClr>
+              </a:lnRef>
+              <a:fillRef idx="1">
+                <a:srgbClr val="4F81BD"/>
+              </a:fillRef>
+              <a:effectRef idx="0">
+                <a:srgbClr val="4F81BD"/>
+              </a:effectRef>
+              <a:fontRef idx="minor">
+                <a:srgbClr val="000000"/>
+              </a:fontRef>
+            </p:style>
+            <p:txBody>
+              <a:bodyPr rtlCol="0" anchor="ctr"/>
+              <a:lstStyle/>
+              <a:p>
+                <a:pPr algn="ctr"/>
+                <a:endParaRPr lang="en-US" dirty="0"/>
+              </a:p>
+            </p:txBody>
+          </p:sp>
+        </p:grpSp>
+      </p:grpSp>
+      <p:grpSp>
+        <p:nvGrpSpPr>
+          <p:cNvPr id="93" name="RadioButtonUnselected"/>
+          <p:cNvGrpSpPr/>
+          <p:nvPr>
+            <p:custDataLst>
+              <p:custData r:id="rId35"/>
+            </p:custDataLst>
+          </p:nvPr>
+        </p:nvGrpSpPr>
+        <p:grpSpPr>
+          <a:xfrm>
+            <a:off x="6071893" y="3838090"/>
+            <a:ext cx="295722" cy="230832"/>
+            <a:chOff x="4356895" y="3334651"/>
+            <a:chExt cx="295722" cy="230832"/>
+          </a:xfrm>
+        </p:grpSpPr>
+        <p:sp>
+          <p:nvSpPr>
+            <p:cNvPr id="94" name="Content"/>
+            <p:cNvSpPr txBox="1"/>
+            <p:nvPr/>
+          </p:nvSpPr>
+          <p:spPr>
+            <a:xfrm>
+              <a:off x="4356895" y="3334651"/>
+              <a:ext cx="295722" cy="230832"/>
+            </a:xfrm>
+            <a:prstGeom prst="rect">
+              <a:avLst/>
+            </a:prstGeom>
+            <a:noFill/>
+          </p:spPr>
+          <p:txBody>
+            <a:bodyPr wrap="none" lIns="164592" tIns="18288" rIns="45720" bIns="27432" rtlCol="0" anchor="ctr" anchorCtr="0">
+              <a:spAutoFit/>
+            </a:bodyPr>
+            <a:lstStyle/>
+            <a:p>
+              <a:r>
+                <a:rPr lang="en-US" sz="1200" dirty="0" smtClean="0">
+                  <a:latin typeface="Segoe UI" pitchFamily="34" charset="0"/>
+                  <a:ea typeface="Segoe UI" pitchFamily="34" charset="0"/>
+                  <a:cs typeface="Segoe UI" pitchFamily="34" charset="0"/>
+                </a:rPr>
+                <a:t>4</a:t>
+              </a:r>
+              <a:endParaRPr lang="en-US" sz="1200" dirty="0">
+                <a:latin typeface="Segoe UI" pitchFamily="34" charset="0"/>
+                <a:ea typeface="Segoe UI" pitchFamily="34" charset="0"/>
+                <a:cs typeface="Segoe UI" pitchFamily="34" charset="0"/>
+              </a:endParaRPr>
+            </a:p>
+          </p:txBody>
+        </p:sp>
+        <p:sp>
+          <p:nvSpPr>
+            <p:cNvPr id="95" name="Circle"/>
+            <p:cNvSpPr/>
+            <p:nvPr/>
+          </p:nvSpPr>
+          <p:spPr>
+            <a:xfrm>
+              <a:off x="4356895" y="3374807"/>
+              <a:ext cx="119960" cy="119922"/>
+            </a:xfrm>
+            <a:prstGeom prst="ellipse">
+              <a:avLst/>
+            </a:prstGeom>
+            <a:solidFill>
+              <a:srgbClr val="FFFFFF"/>
+            </a:solidFill>
+            <a:ln w="3175">
+              <a:solidFill>
+                <a:srgbClr val="FFFFFF">
+                  <a:lumMod val="50000"/>
+                </a:srgbClr>
+              </a:solidFill>
+            </a:ln>
+            <a:effectLst/>
+          </p:spPr>
+          <p:style>
+            <a:lnRef idx="2">
+              <a:srgbClr val="4F81BD">
+                <a:shade val="50000"/>
+              </a:srgbClr>
+            </a:lnRef>
+            <a:fillRef idx="1">
+              <a:srgbClr val="4F81BD"/>
+            </a:fillRef>
+            <a:effectRef idx="0">
+              <a:srgbClr val="4F81BD"/>
+            </a:effectRef>
+            <a:fontRef idx="minor">
+              <a:srgbClr val="000000"/>
+            </a:fontRef>
+          </p:style>
+          <p:txBody>
+            <a:bodyPr rtlCol="0" anchor="ctr"/>
+            <a:lstStyle/>
+            <a:p>
+              <a:pPr algn="ctr"/>
+              <a:endParaRPr lang="en-US" dirty="0"/>
+            </a:p>
+          </p:txBody>
+        </p:sp>
+      </p:grpSp>
+      <p:grpSp>
+        <p:nvGrpSpPr>
+          <p:cNvPr id="96" name="RadioButtonUnselected"/>
+          <p:cNvGrpSpPr/>
+          <p:nvPr>
+            <p:custDataLst>
+              <p:custData r:id="rId36"/>
+            </p:custDataLst>
+          </p:nvPr>
+        </p:nvGrpSpPr>
+        <p:grpSpPr>
+          <a:xfrm>
+            <a:off x="6475193" y="3838090"/>
+            <a:ext cx="295722" cy="230832"/>
+            <a:chOff x="4356895" y="3334651"/>
+            <a:chExt cx="295722" cy="230832"/>
+          </a:xfrm>
+        </p:grpSpPr>
+        <p:sp>
+          <p:nvSpPr>
+            <p:cNvPr id="97" name="Content"/>
+            <p:cNvSpPr txBox="1"/>
+            <p:nvPr/>
+          </p:nvSpPr>
+          <p:spPr>
+            <a:xfrm>
+              <a:off x="4356895" y="3334651"/>
+              <a:ext cx="295722" cy="230832"/>
+            </a:xfrm>
+            <a:prstGeom prst="rect">
+              <a:avLst/>
+            </a:prstGeom>
+            <a:noFill/>
+          </p:spPr>
+          <p:txBody>
+            <a:bodyPr wrap="none" lIns="164592" tIns="18288" rIns="45720" bIns="27432" rtlCol="0" anchor="ctr" anchorCtr="0">
+              <a:spAutoFit/>
+            </a:bodyPr>
+            <a:lstStyle/>
+            <a:p>
+              <a:r>
+                <a:rPr lang="en-US" sz="1200" dirty="0" smtClean="0">
+                  <a:latin typeface="Segoe UI" pitchFamily="34" charset="0"/>
+                  <a:ea typeface="Segoe UI" pitchFamily="34" charset="0"/>
+                  <a:cs typeface="Segoe UI" pitchFamily="34" charset="0"/>
+                </a:rPr>
+                <a:t>5</a:t>
+              </a:r>
+              <a:endParaRPr lang="en-US" sz="1200" dirty="0">
+                <a:latin typeface="Segoe UI" pitchFamily="34" charset="0"/>
+                <a:ea typeface="Segoe UI" pitchFamily="34" charset="0"/>
+                <a:cs typeface="Segoe UI" pitchFamily="34" charset="0"/>
+              </a:endParaRPr>
+            </a:p>
+          </p:txBody>
+        </p:sp>
+        <p:sp>
+          <p:nvSpPr>
+            <p:cNvPr id="98" name="Circle"/>
+            <p:cNvSpPr/>
+            <p:nvPr/>
+          </p:nvSpPr>
+          <p:spPr>
+            <a:xfrm>
+              <a:off x="4356895" y="3374807"/>
+              <a:ext cx="119960" cy="119922"/>
+            </a:xfrm>
+            <a:prstGeom prst="ellipse">
+              <a:avLst/>
+            </a:prstGeom>
+            <a:solidFill>
+              <a:srgbClr val="FFFFFF"/>
+            </a:solidFill>
+            <a:ln w="3175">
+              <a:solidFill>
+                <a:srgbClr val="FFFFFF">
+                  <a:lumMod val="50000"/>
+                </a:srgbClr>
+              </a:solidFill>
+            </a:ln>
+            <a:effectLst/>
+          </p:spPr>
+          <p:style>
+            <a:lnRef idx="2">
+              <a:srgbClr val="4F81BD">
+                <a:shade val="50000"/>
+              </a:srgbClr>
+            </a:lnRef>
+            <a:fillRef idx="1">
+              <a:srgbClr val="4F81BD"/>
+            </a:fillRef>
+            <a:effectRef idx="0">
+              <a:srgbClr val="4F81BD"/>
+            </a:effectRef>
+            <a:fontRef idx="minor">
+              <a:srgbClr val="000000"/>
+            </a:fontRef>
+          </p:style>
+          <p:txBody>
+            <a:bodyPr rtlCol="0" anchor="ctr"/>
+            <a:lstStyle/>
+            <a:p>
+              <a:pPr algn="ctr"/>
+              <a:endParaRPr lang="en-US" dirty="0"/>
+            </a:p>
+          </p:txBody>
+        </p:sp>
+      </p:grpSp>
+      <p:sp>
+        <p:nvSpPr>
+          <p:cNvPr id="99" name="Content"/>
+          <p:cNvSpPr txBox="1"/>
+          <p:nvPr>
+            <p:custDataLst>
+              <p:custData r:id="rId37"/>
+            </p:custDataLst>
+          </p:nvPr>
+        </p:nvSpPr>
+        <p:spPr>
+          <a:xfrm>
+            <a:off x="827316" y="4311310"/>
+            <a:ext cx="2077172" cy="230832"/>
+          </a:xfrm>
+          <a:prstGeom prst="rect">
+            <a:avLst/>
+          </a:prstGeom>
+          <a:noFill/>
+        </p:spPr>
+        <p:txBody>
+          <a:bodyPr wrap="none" lIns="91440" tIns="18288" rIns="91440" bIns="27432" rtlCol="0" anchor="ctr" anchorCtr="0">
+            <a:spAutoFit/>
+          </a:bodyPr>
+          <a:lstStyle/>
+          <a:p>
+            <a:r>
+              <a:rPr lang="en-US" sz="1200" dirty="0" smtClean="0">
+                <a:solidFill>
+                  <a:srgbClr val="000000"/>
+                </a:solidFill>
+                <a:latin typeface="Segoe UI" pitchFamily="34" charset="0"/>
+                <a:ea typeface="Segoe UI" pitchFamily="34" charset="0"/>
+                <a:cs typeface="Segoe UI" pitchFamily="34" charset="0"/>
+              </a:rPr>
+              <a:t>Is Yellow your favorite color:</a:t>
+            </a:r>
+            <a:endParaRPr lang="en-US" sz="1200" dirty="0" smtClean="0">
+              <a:solidFill>
+                <a:srgbClr val="000000"/>
+              </a:solidFill>
+              <a:latin typeface="Segoe UI" pitchFamily="34" charset="0"/>
+              <a:ea typeface="Segoe UI" pitchFamily="34" charset="0"/>
+              <a:cs typeface="Segoe UI" pitchFamily="34" charset="0"/>
+            </a:endParaRPr>
+          </a:p>
+        </p:txBody>
+      </p:sp>
+      <p:sp>
+        <p:nvSpPr>
+          <p:cNvPr id="100" name="Content"/>
+          <p:cNvSpPr/>
+          <p:nvPr>
+            <p:custDataLst>
+              <p:custData r:id="rId38"/>
+            </p:custDataLst>
+          </p:nvPr>
+        </p:nvSpPr>
+        <p:spPr>
+          <a:xfrm>
+            <a:off x="4295586" y="4313542"/>
+            <a:ext cx="265530" cy="228600"/>
+          </a:xfrm>
+          <a:prstGeom prst="rect">
+            <a:avLst/>
+          </a:prstGeom>
+          <a:solidFill>
+            <a:sysClr val="window" lastClr="FFFFFF"/>
+          </a:solidFill>
+          <a:ln w="3175">
+            <a:solidFill>
+              <a:srgbClr val="000000">
+                <a:lumMod val="50000"/>
+                <a:lumOff val="50000"/>
+              </a:srgbClr>
+            </a:solidFill>
+          </a:ln>
+          <a:effectLst/>
+        </p:spPr>
+        <p:style>
+          <a:lnRef idx="2">
+            <a:srgbClr val="4F81BD">
+              <a:shade val="50000"/>
+            </a:srgbClr>
+          </a:lnRef>
+          <a:fillRef idx="1">
+            <a:srgbClr val="4F81BD"/>
+          </a:fillRef>
+          <a:effectRef idx="0">
+            <a:srgbClr val="4F81BD"/>
+          </a:effectRef>
+          <a:fontRef idx="minor">
+            <a:srgbClr val="000000"/>
+          </a:fontRef>
+        </p:style>
+        <p:txBody>
+          <a:bodyPr wrap="none" lIns="45720" tIns="18288" rIns="45720" bIns="18288" rtlCol="0" anchor="ctr">
+            <a:noAutofit/>
+          </a:bodyPr>
+          <a:lstStyle/>
+          <a:p>
+            <a:r>
+              <a:rPr lang="en-US" sz="1200" dirty="0" smtClean="0">
+                <a:solidFill>
+                  <a:srgbClr val="000000"/>
+                </a:solidFill>
+                <a:latin typeface="Segoe UI" pitchFamily="34" charset="0"/>
+                <a:cs typeface="Segoe UI" pitchFamily="34" charset="0"/>
+              </a:rPr>
+              <a:t>3</a:t>
+            </a:r>
+            <a:endParaRPr lang="en-US" sz="1200" dirty="0">
+              <a:solidFill>
+                <a:srgbClr val="000000"/>
+              </a:solidFill>
+              <a:latin typeface="Segoe UI" pitchFamily="34" charset="0"/>
+              <a:cs typeface="Segoe UI" pitchFamily="34" charset="0"/>
+            </a:endParaRPr>
+          </a:p>
+        </p:txBody>
+      </p:sp>
+      <p:grpSp>
+        <p:nvGrpSpPr>
+          <p:cNvPr id="101" name="RadioButtonUnselected"/>
+          <p:cNvGrpSpPr/>
+          <p:nvPr>
+            <p:custDataLst>
+              <p:custData r:id="rId39"/>
+            </p:custDataLst>
+          </p:nvPr>
+        </p:nvGrpSpPr>
+        <p:grpSpPr>
+          <a:xfrm>
+            <a:off x="4942116" y="4313542"/>
+            <a:ext cx="295722" cy="230832"/>
+            <a:chOff x="4356895" y="3334651"/>
+            <a:chExt cx="295722" cy="230832"/>
+          </a:xfrm>
+        </p:grpSpPr>
+        <p:sp>
+          <p:nvSpPr>
+            <p:cNvPr id="102" name="Content"/>
+            <p:cNvSpPr txBox="1"/>
+            <p:nvPr/>
+          </p:nvSpPr>
+          <p:spPr>
+            <a:xfrm>
+              <a:off x="4356895" y="3334651"/>
+              <a:ext cx="295722" cy="230832"/>
+            </a:xfrm>
+            <a:prstGeom prst="rect">
+              <a:avLst/>
+            </a:prstGeom>
+            <a:noFill/>
+          </p:spPr>
+          <p:txBody>
+            <a:bodyPr wrap="none" lIns="164592" tIns="18288" rIns="45720" bIns="27432" rtlCol="0" anchor="ctr" anchorCtr="0">
+              <a:spAutoFit/>
+            </a:bodyPr>
+            <a:lstStyle/>
+            <a:p>
+              <a:r>
+                <a:rPr lang="en-US" sz="1200" dirty="0" smtClean="0">
+                  <a:latin typeface="Segoe UI" pitchFamily="34" charset="0"/>
+                  <a:ea typeface="Segoe UI" pitchFamily="34" charset="0"/>
+                  <a:cs typeface="Segoe UI" pitchFamily="34" charset="0"/>
+                </a:rPr>
+                <a:t>1</a:t>
+              </a:r>
+              <a:endParaRPr lang="en-US" sz="1200" dirty="0">
+                <a:latin typeface="Segoe UI" pitchFamily="34" charset="0"/>
+                <a:ea typeface="Segoe UI" pitchFamily="34" charset="0"/>
+                <a:cs typeface="Segoe UI" pitchFamily="34" charset="0"/>
+              </a:endParaRPr>
+            </a:p>
+          </p:txBody>
+        </p:sp>
+        <p:sp>
+          <p:nvSpPr>
+            <p:cNvPr id="103" name="Circle"/>
+            <p:cNvSpPr/>
+            <p:nvPr/>
+          </p:nvSpPr>
+          <p:spPr>
+            <a:xfrm>
+              <a:off x="4356895" y="3374807"/>
+              <a:ext cx="119960" cy="119922"/>
+            </a:xfrm>
+            <a:prstGeom prst="ellipse">
+              <a:avLst/>
+            </a:prstGeom>
+            <a:solidFill>
+              <a:srgbClr val="FFFFFF"/>
+            </a:solidFill>
+            <a:ln w="3175">
+              <a:solidFill>
+                <a:srgbClr val="FFFFFF">
+                  <a:lumMod val="50000"/>
+                </a:srgbClr>
+              </a:solidFill>
+            </a:ln>
+            <a:effectLst/>
+          </p:spPr>
+          <p:style>
+            <a:lnRef idx="2">
+              <a:srgbClr val="4F81BD">
+                <a:shade val="50000"/>
+              </a:srgbClr>
+            </a:lnRef>
+            <a:fillRef idx="1">
+              <a:srgbClr val="4F81BD"/>
+            </a:fillRef>
+            <a:effectRef idx="0">
+              <a:srgbClr val="4F81BD"/>
+            </a:effectRef>
+            <a:fontRef idx="minor">
+              <a:srgbClr val="000000"/>
+            </a:fontRef>
+          </p:style>
+          <p:txBody>
+            <a:bodyPr rtlCol="0" anchor="ctr"/>
+            <a:lstStyle/>
+            <a:p>
+              <a:pPr algn="ctr"/>
+              <a:endParaRPr lang="en-US" dirty="0"/>
+            </a:p>
+          </p:txBody>
+        </p:sp>
+      </p:grpSp>
+      <p:grpSp>
+        <p:nvGrpSpPr>
+          <p:cNvPr id="104" name="RadioButtonUnselected"/>
+          <p:cNvGrpSpPr/>
+          <p:nvPr>
+            <p:custDataLst>
+              <p:custData r:id="rId40"/>
+            </p:custDataLst>
+          </p:nvPr>
+        </p:nvGrpSpPr>
+        <p:grpSpPr>
+          <a:xfrm>
+            <a:off x="5321860" y="4322196"/>
+            <a:ext cx="295722" cy="230832"/>
+            <a:chOff x="4356895" y="3334651"/>
+            <a:chExt cx="295722" cy="230832"/>
+          </a:xfrm>
+        </p:grpSpPr>
+        <p:sp>
+          <p:nvSpPr>
+            <p:cNvPr id="105" name="Content"/>
+            <p:cNvSpPr txBox="1"/>
+            <p:nvPr/>
+          </p:nvSpPr>
+          <p:spPr>
+            <a:xfrm>
+              <a:off x="4356895" y="3334651"/>
+              <a:ext cx="295722" cy="230832"/>
+            </a:xfrm>
+            <a:prstGeom prst="rect">
+              <a:avLst/>
+            </a:prstGeom>
+            <a:noFill/>
+          </p:spPr>
+          <p:txBody>
+            <a:bodyPr wrap="none" lIns="164592" tIns="18288" rIns="45720" bIns="27432" rtlCol="0" anchor="ctr" anchorCtr="0">
+              <a:spAutoFit/>
+            </a:bodyPr>
+            <a:lstStyle/>
+            <a:p>
+              <a:r>
+                <a:rPr lang="en-US" sz="1200" dirty="0" smtClean="0">
+                  <a:latin typeface="Segoe UI" pitchFamily="34" charset="0"/>
+                  <a:ea typeface="Segoe UI" pitchFamily="34" charset="0"/>
+                  <a:cs typeface="Segoe UI" pitchFamily="34" charset="0"/>
+                </a:rPr>
+                <a:t>2</a:t>
+              </a:r>
+              <a:endParaRPr lang="en-US" sz="1200" dirty="0">
+                <a:latin typeface="Segoe UI" pitchFamily="34" charset="0"/>
+                <a:ea typeface="Segoe UI" pitchFamily="34" charset="0"/>
+                <a:cs typeface="Segoe UI" pitchFamily="34" charset="0"/>
+              </a:endParaRPr>
+            </a:p>
+          </p:txBody>
+        </p:sp>
+        <p:sp>
+          <p:nvSpPr>
+            <p:cNvPr id="106" name="Circle"/>
+            <p:cNvSpPr/>
+            <p:nvPr/>
+          </p:nvSpPr>
+          <p:spPr>
+            <a:xfrm>
+              <a:off x="4356895" y="3374807"/>
+              <a:ext cx="119960" cy="119922"/>
+            </a:xfrm>
+            <a:prstGeom prst="ellipse">
+              <a:avLst/>
+            </a:prstGeom>
+            <a:solidFill>
+              <a:srgbClr val="FFFFFF"/>
+            </a:solidFill>
+            <a:ln w="3175">
+              <a:solidFill>
+                <a:srgbClr val="FFFFFF">
+                  <a:lumMod val="50000"/>
+                </a:srgbClr>
+              </a:solidFill>
+            </a:ln>
+            <a:effectLst/>
+          </p:spPr>
+          <p:style>
+            <a:lnRef idx="2">
+              <a:srgbClr val="4F81BD">
+                <a:shade val="50000"/>
+              </a:srgbClr>
+            </a:lnRef>
+            <a:fillRef idx="1">
+              <a:srgbClr val="4F81BD"/>
+            </a:fillRef>
+            <a:effectRef idx="0">
+              <a:srgbClr val="4F81BD"/>
+            </a:effectRef>
+            <a:fontRef idx="minor">
+              <a:srgbClr val="000000"/>
+            </a:fontRef>
+          </p:style>
+          <p:txBody>
+            <a:bodyPr rtlCol="0" anchor="ctr"/>
+            <a:lstStyle/>
+            <a:p>
+              <a:pPr algn="ctr"/>
+              <a:endParaRPr lang="en-US" dirty="0"/>
+            </a:p>
+          </p:txBody>
+        </p:sp>
+      </p:grpSp>
+      <p:grpSp>
+        <p:nvGrpSpPr>
+          <p:cNvPr id="107" name="RadioButtonSelected"/>
+          <p:cNvGrpSpPr/>
+          <p:nvPr>
+            <p:custDataLst>
+              <p:custData r:id="rId41"/>
+            </p:custDataLst>
+          </p:nvPr>
+        </p:nvGrpSpPr>
+        <p:grpSpPr>
+          <a:xfrm>
+            <a:off x="5704116" y="4311310"/>
+            <a:ext cx="295722" cy="230832"/>
+            <a:chOff x="4356895" y="3334651"/>
+            <a:chExt cx="295722" cy="230832"/>
+          </a:xfrm>
+        </p:grpSpPr>
+        <p:sp>
+          <p:nvSpPr>
+            <p:cNvPr id="108" name="Content"/>
+            <p:cNvSpPr txBox="1"/>
+            <p:nvPr/>
+          </p:nvSpPr>
+          <p:spPr>
+            <a:xfrm>
+              <a:off x="4356895" y="3334651"/>
+              <a:ext cx="295722" cy="230832"/>
+            </a:xfrm>
+            <a:prstGeom prst="rect">
+              <a:avLst/>
+            </a:prstGeom>
+            <a:noFill/>
+          </p:spPr>
+          <p:txBody>
+            <a:bodyPr wrap="none" lIns="164592" tIns="18288" rIns="45720" bIns="27432" rtlCol="0" anchor="ctr" anchorCtr="0">
+              <a:spAutoFit/>
+            </a:bodyPr>
+            <a:lstStyle/>
+            <a:p>
+              <a:r>
+                <a:rPr lang="en-US" sz="1200" dirty="0" smtClean="0">
+                  <a:latin typeface="Segoe UI" pitchFamily="34" charset="0"/>
+                  <a:ea typeface="Segoe UI" pitchFamily="34" charset="0"/>
+                  <a:cs typeface="Segoe UI" pitchFamily="34" charset="0"/>
+                </a:rPr>
+                <a:t>3</a:t>
+              </a:r>
+              <a:endParaRPr lang="en-US" sz="1200" dirty="0">
+                <a:latin typeface="Segoe UI" pitchFamily="34" charset="0"/>
+                <a:ea typeface="Segoe UI" pitchFamily="34" charset="0"/>
+                <a:cs typeface="Segoe UI" pitchFamily="34" charset="0"/>
+              </a:endParaRPr>
+            </a:p>
+          </p:txBody>
+        </p:sp>
+        <p:grpSp>
+          <p:nvGrpSpPr>
+            <p:cNvPr id="109" name="Group 108"/>
+            <p:cNvGrpSpPr/>
+            <p:nvPr/>
+          </p:nvGrpSpPr>
+          <p:grpSpPr>
+            <a:xfrm>
+              <a:off x="4356895" y="3374807"/>
+              <a:ext cx="119960" cy="119922"/>
+              <a:chOff x="4356895" y="3374807"/>
+              <a:chExt cx="119960" cy="119922"/>
+            </a:xfrm>
+          </p:grpSpPr>
+          <p:sp>
+            <p:nvSpPr>
+              <p:cNvPr id="110" name="Circle"/>
+              <p:cNvSpPr/>
+              <p:nvPr/>
+            </p:nvSpPr>
+            <p:spPr>
+              <a:xfrm>
+                <a:off x="4356895" y="3374807"/>
+                <a:ext cx="119960" cy="119922"/>
+              </a:xfrm>
+              <a:prstGeom prst="ellipse">
+                <a:avLst/>
+              </a:prstGeom>
+              <a:solidFill>
+                <a:srgbClr val="FFFFFF"/>
+              </a:solidFill>
+              <a:ln w="3175">
+                <a:solidFill>
+                  <a:srgbClr val="FFFFFF">
+                    <a:lumMod val="50000"/>
+                  </a:srgbClr>
+                </a:solidFill>
+              </a:ln>
+              <a:effectLst/>
+            </p:spPr>
+            <p:style>
+              <a:lnRef idx="2">
+                <a:srgbClr val="4F81BD">
+                  <a:shade val="50000"/>
+                </a:srgbClr>
+              </a:lnRef>
+              <a:fillRef idx="1">
+                <a:srgbClr val="4F81BD"/>
+              </a:fillRef>
+              <a:effectRef idx="0">
+                <a:srgbClr val="4F81BD"/>
+              </a:effectRef>
+              <a:fontRef idx="minor">
+                <a:srgbClr val="000000"/>
+              </a:fontRef>
+            </p:style>
+            <p:txBody>
+              <a:bodyPr rtlCol="0" anchor="ctr"/>
+              <a:lstStyle/>
+              <a:p>
+                <a:pPr algn="ctr"/>
+                <a:endParaRPr lang="en-US" dirty="0"/>
+              </a:p>
+            </p:txBody>
+          </p:sp>
+          <p:sp>
+            <p:nvSpPr>
+              <p:cNvPr id="111" name="InnerCircle"/>
+              <p:cNvSpPr/>
+              <p:nvPr/>
+            </p:nvSpPr>
+            <p:spPr>
+              <a:xfrm>
+                <a:off x="4390432" y="3407093"/>
+                <a:ext cx="58189" cy="58190"/>
+              </a:xfrm>
+              <a:prstGeom prst="ellipse">
+                <a:avLst/>
+              </a:prstGeom>
+              <a:solidFill>
+                <a:srgbClr val="FFFFFF">
+                  <a:lumMod val="50000"/>
+                </a:srgbClr>
+              </a:solidFill>
+              <a:ln>
+                <a:noFill/>
+              </a:ln>
+            </p:spPr>
+            <p:style>
+              <a:lnRef idx="2">
+                <a:srgbClr val="4F81BD">
+                  <a:shade val="50000"/>
+                </a:srgbClr>
+              </a:lnRef>
+              <a:fillRef idx="1">
+                <a:srgbClr val="4F81BD"/>
+              </a:fillRef>
+              <a:effectRef idx="0">
+                <a:srgbClr val="4F81BD"/>
+              </a:effectRef>
+              <a:fontRef idx="minor">
+                <a:srgbClr val="000000"/>
+              </a:fontRef>
+            </p:style>
+            <p:txBody>
+              <a:bodyPr rtlCol="0" anchor="ctr"/>
+              <a:lstStyle/>
+              <a:p>
+                <a:pPr algn="ctr"/>
+                <a:endParaRPr lang="en-US" dirty="0"/>
+              </a:p>
+            </p:txBody>
+          </p:sp>
+        </p:grpSp>
+      </p:grpSp>
+      <p:grpSp>
+        <p:nvGrpSpPr>
+          <p:cNvPr id="112" name="RadioButtonUnselected"/>
+          <p:cNvGrpSpPr/>
+          <p:nvPr>
+            <p:custDataLst>
+              <p:custData r:id="rId42"/>
+            </p:custDataLst>
+          </p:nvPr>
+        </p:nvGrpSpPr>
+        <p:grpSpPr>
+          <a:xfrm>
+            <a:off x="6071894" y="4311880"/>
+            <a:ext cx="295722" cy="230832"/>
+            <a:chOff x="4356895" y="3334651"/>
+            <a:chExt cx="295722" cy="230832"/>
+          </a:xfrm>
+        </p:grpSpPr>
+        <p:sp>
+          <p:nvSpPr>
+            <p:cNvPr id="113" name="Content"/>
+            <p:cNvSpPr txBox="1"/>
+            <p:nvPr/>
+          </p:nvSpPr>
+          <p:spPr>
+            <a:xfrm>
+              <a:off x="4356895" y="3334651"/>
+              <a:ext cx="295722" cy="230832"/>
+            </a:xfrm>
+            <a:prstGeom prst="rect">
+              <a:avLst/>
+            </a:prstGeom>
+            <a:noFill/>
+          </p:spPr>
+          <p:txBody>
+            <a:bodyPr wrap="none" lIns="164592" tIns="18288" rIns="45720" bIns="27432" rtlCol="0" anchor="ctr" anchorCtr="0">
+              <a:spAutoFit/>
+            </a:bodyPr>
+            <a:lstStyle/>
+            <a:p>
+              <a:r>
+                <a:rPr lang="en-US" sz="1200" dirty="0" smtClean="0">
+                  <a:latin typeface="Segoe UI" pitchFamily="34" charset="0"/>
+                  <a:ea typeface="Segoe UI" pitchFamily="34" charset="0"/>
+                  <a:cs typeface="Segoe UI" pitchFamily="34" charset="0"/>
+                </a:rPr>
+                <a:t>4</a:t>
+              </a:r>
+              <a:endParaRPr lang="en-US" sz="1200" dirty="0">
+                <a:latin typeface="Segoe UI" pitchFamily="34" charset="0"/>
+                <a:ea typeface="Segoe UI" pitchFamily="34" charset="0"/>
+                <a:cs typeface="Segoe UI" pitchFamily="34" charset="0"/>
+              </a:endParaRPr>
+            </a:p>
+          </p:txBody>
+        </p:sp>
+        <p:sp>
+          <p:nvSpPr>
+            <p:cNvPr id="114" name="Circle"/>
+            <p:cNvSpPr/>
+            <p:nvPr/>
+          </p:nvSpPr>
+          <p:spPr>
+            <a:xfrm>
+              <a:off x="4356895" y="3374807"/>
+              <a:ext cx="119960" cy="119922"/>
+            </a:xfrm>
+            <a:prstGeom prst="ellipse">
+              <a:avLst/>
+            </a:prstGeom>
+            <a:solidFill>
+              <a:srgbClr val="FFFFFF"/>
+            </a:solidFill>
+            <a:ln w="3175">
+              <a:solidFill>
+                <a:srgbClr val="FFFFFF">
+                  <a:lumMod val="50000"/>
+                </a:srgbClr>
+              </a:solidFill>
+            </a:ln>
+            <a:effectLst/>
+          </p:spPr>
+          <p:style>
+            <a:lnRef idx="2">
+              <a:srgbClr val="4F81BD">
+                <a:shade val="50000"/>
+              </a:srgbClr>
+            </a:lnRef>
+            <a:fillRef idx="1">
+              <a:srgbClr val="4F81BD"/>
+            </a:fillRef>
+            <a:effectRef idx="0">
+              <a:srgbClr val="4F81BD"/>
+            </a:effectRef>
+            <a:fontRef idx="minor">
+              <a:srgbClr val="000000"/>
+            </a:fontRef>
+          </p:style>
+          <p:txBody>
+            <a:bodyPr rtlCol="0" anchor="ctr"/>
+            <a:lstStyle/>
+            <a:p>
+              <a:pPr algn="ctr"/>
+              <a:endParaRPr lang="en-US" dirty="0"/>
+            </a:p>
+          </p:txBody>
+        </p:sp>
+      </p:grpSp>
+      <p:grpSp>
+        <p:nvGrpSpPr>
+          <p:cNvPr id="115" name="RadioButtonUnselected"/>
+          <p:cNvGrpSpPr/>
+          <p:nvPr>
+            <p:custDataLst>
+              <p:custData r:id="rId43"/>
+            </p:custDataLst>
+          </p:nvPr>
+        </p:nvGrpSpPr>
+        <p:grpSpPr>
+          <a:xfrm>
+            <a:off x="6475194" y="4311880"/>
+            <a:ext cx="295722" cy="230832"/>
+            <a:chOff x="4356895" y="3334651"/>
+            <a:chExt cx="295722" cy="230832"/>
+          </a:xfrm>
+        </p:grpSpPr>
+        <p:sp>
+          <p:nvSpPr>
+            <p:cNvPr id="116" name="Content"/>
+            <p:cNvSpPr txBox="1"/>
+            <p:nvPr/>
+          </p:nvSpPr>
+          <p:spPr>
+            <a:xfrm>
+              <a:off x="4356895" y="3334651"/>
+              <a:ext cx="295722" cy="230832"/>
+            </a:xfrm>
+            <a:prstGeom prst="rect">
+              <a:avLst/>
+            </a:prstGeom>
+            <a:noFill/>
+          </p:spPr>
+          <p:txBody>
+            <a:bodyPr wrap="none" lIns="164592" tIns="18288" rIns="45720" bIns="27432" rtlCol="0" anchor="ctr" anchorCtr="0">
+              <a:spAutoFit/>
+            </a:bodyPr>
+            <a:lstStyle/>
+            <a:p>
+              <a:r>
+                <a:rPr lang="en-US" sz="1200" dirty="0" smtClean="0">
+                  <a:latin typeface="Segoe UI" pitchFamily="34" charset="0"/>
+                  <a:ea typeface="Segoe UI" pitchFamily="34" charset="0"/>
+                  <a:cs typeface="Segoe UI" pitchFamily="34" charset="0"/>
+                </a:rPr>
+                <a:t>5</a:t>
+              </a:r>
+              <a:endParaRPr lang="en-US" sz="1200" dirty="0">
+                <a:latin typeface="Segoe UI" pitchFamily="34" charset="0"/>
+                <a:ea typeface="Segoe UI" pitchFamily="34" charset="0"/>
+                <a:cs typeface="Segoe UI" pitchFamily="34" charset="0"/>
+              </a:endParaRPr>
+            </a:p>
+          </p:txBody>
+        </p:sp>
+        <p:sp>
+          <p:nvSpPr>
+            <p:cNvPr id="117" name="Circle"/>
+            <p:cNvSpPr/>
+            <p:nvPr/>
+          </p:nvSpPr>
+          <p:spPr>
+            <a:xfrm>
+              <a:off x="4356895" y="3374807"/>
+              <a:ext cx="119960" cy="119922"/>
+            </a:xfrm>
+            <a:prstGeom prst="ellipse">
+              <a:avLst/>
+            </a:prstGeom>
+            <a:solidFill>
+              <a:srgbClr val="FFFFFF"/>
+            </a:solidFill>
+            <a:ln w="3175">
+              <a:solidFill>
+                <a:srgbClr val="FFFFFF">
+                  <a:lumMod val="50000"/>
+                </a:srgbClr>
+              </a:solidFill>
+            </a:ln>
+            <a:effectLst/>
+          </p:spPr>
+          <p:style>
+            <a:lnRef idx="2">
+              <a:srgbClr val="4F81BD">
+                <a:shade val="50000"/>
+              </a:srgbClr>
+            </a:lnRef>
+            <a:fillRef idx="1">
+              <a:srgbClr val="4F81BD"/>
+            </a:fillRef>
+            <a:effectRef idx="0">
+              <a:srgbClr val="4F81BD"/>
+            </a:effectRef>
+            <a:fontRef idx="minor">
+              <a:srgbClr val="000000"/>
+            </a:fontRef>
+          </p:style>
+          <p:txBody>
+            <a:bodyPr rtlCol="0" anchor="ctr"/>
+            <a:lstStyle/>
+            <a:p>
+              <a:pPr algn="ctr"/>
+              <a:endParaRPr lang="en-US" dirty="0"/>
+            </a:p>
+          </p:txBody>
+        </p:sp>
+      </p:grpSp>
+      <p:sp>
+        <p:nvSpPr>
+          <p:cNvPr id="118" name="Content"/>
+          <p:cNvSpPr txBox="1"/>
+          <p:nvPr>
+            <p:custDataLst>
+              <p:custData r:id="rId44"/>
+            </p:custDataLst>
+          </p:nvPr>
+        </p:nvSpPr>
+        <p:spPr>
+          <a:xfrm>
+            <a:off x="831856" y="4768510"/>
+            <a:ext cx="2051011" cy="230832"/>
+          </a:xfrm>
+          <a:prstGeom prst="rect">
+            <a:avLst/>
+          </a:prstGeom>
+          <a:noFill/>
+        </p:spPr>
+        <p:txBody>
+          <a:bodyPr wrap="none" lIns="91440" tIns="18288" rIns="91440" bIns="27432" rtlCol="0" anchor="ctr" anchorCtr="0">
+            <a:spAutoFit/>
+          </a:bodyPr>
+          <a:lstStyle/>
+          <a:p>
+            <a:r>
+              <a:rPr lang="en-US" sz="1200" dirty="0" smtClean="0">
+                <a:solidFill>
+                  <a:srgbClr val="000000"/>
+                </a:solidFill>
+                <a:latin typeface="Segoe UI" pitchFamily="34" charset="0"/>
+                <a:ea typeface="Segoe UI" pitchFamily="34" charset="0"/>
+                <a:cs typeface="Segoe UI" pitchFamily="34" charset="0"/>
+              </a:rPr>
+              <a:t>Is White your favorite color:</a:t>
+            </a:r>
+            <a:endParaRPr lang="en-US" sz="1200" dirty="0" smtClean="0">
+              <a:solidFill>
+                <a:srgbClr val="000000"/>
+              </a:solidFill>
+              <a:latin typeface="Segoe UI" pitchFamily="34" charset="0"/>
+              <a:ea typeface="Segoe UI" pitchFamily="34" charset="0"/>
+              <a:cs typeface="Segoe UI" pitchFamily="34" charset="0"/>
+            </a:endParaRPr>
+          </a:p>
+        </p:txBody>
+      </p:sp>
+      <p:sp>
+        <p:nvSpPr>
+          <p:cNvPr id="119" name="Content"/>
+          <p:cNvSpPr/>
+          <p:nvPr>
+            <p:custDataLst>
+              <p:custData r:id="rId45"/>
+            </p:custDataLst>
+          </p:nvPr>
+        </p:nvSpPr>
+        <p:spPr>
+          <a:xfrm>
+            <a:off x="4300126" y="4770742"/>
+            <a:ext cx="265530" cy="228600"/>
+          </a:xfrm>
+          <a:prstGeom prst="rect">
+            <a:avLst/>
+          </a:prstGeom>
+          <a:solidFill>
+            <a:sysClr val="window" lastClr="FFFFFF"/>
+          </a:solidFill>
+          <a:ln w="3175">
+            <a:solidFill>
+              <a:srgbClr val="000000">
+                <a:lumMod val="50000"/>
+                <a:lumOff val="50000"/>
+              </a:srgbClr>
+            </a:solidFill>
+          </a:ln>
+          <a:effectLst/>
+        </p:spPr>
+        <p:style>
+          <a:lnRef idx="2">
+            <a:srgbClr val="4F81BD">
+              <a:shade val="50000"/>
+            </a:srgbClr>
+          </a:lnRef>
+          <a:fillRef idx="1">
+            <a:srgbClr val="4F81BD"/>
+          </a:fillRef>
+          <a:effectRef idx="0">
+            <a:srgbClr val="4F81BD"/>
+          </a:effectRef>
+          <a:fontRef idx="minor">
+            <a:srgbClr val="000000"/>
+          </a:fontRef>
+        </p:style>
+        <p:txBody>
+          <a:bodyPr wrap="none" lIns="45720" tIns="18288" rIns="45720" bIns="18288" rtlCol="0" anchor="ctr">
+            <a:noAutofit/>
+          </a:bodyPr>
+          <a:lstStyle/>
+          <a:p>
+            <a:r>
+              <a:rPr lang="en-US" sz="1200" dirty="0" smtClean="0">
+                <a:solidFill>
+                  <a:srgbClr val="000000"/>
+                </a:solidFill>
+                <a:latin typeface="Segoe UI" pitchFamily="34" charset="0"/>
+                <a:cs typeface="Segoe UI" pitchFamily="34" charset="0"/>
+              </a:rPr>
+              <a:t>3</a:t>
+            </a:r>
+            <a:endParaRPr lang="en-US" sz="1200" dirty="0">
+              <a:solidFill>
+                <a:srgbClr val="000000"/>
+              </a:solidFill>
+              <a:latin typeface="Segoe UI" pitchFamily="34" charset="0"/>
+              <a:cs typeface="Segoe UI" pitchFamily="34" charset="0"/>
+            </a:endParaRPr>
+          </a:p>
+        </p:txBody>
+      </p:sp>
+      <p:grpSp>
+        <p:nvGrpSpPr>
+          <p:cNvPr id="120" name="RadioButtonUnselected"/>
+          <p:cNvGrpSpPr/>
+          <p:nvPr>
+            <p:custDataLst>
+              <p:custData r:id="rId46"/>
+            </p:custDataLst>
+          </p:nvPr>
+        </p:nvGrpSpPr>
+        <p:grpSpPr>
+          <a:xfrm>
+            <a:off x="4946656" y="4770742"/>
+            <a:ext cx="295722" cy="230832"/>
+            <a:chOff x="4356895" y="3334651"/>
+            <a:chExt cx="295722" cy="230832"/>
+          </a:xfrm>
+        </p:grpSpPr>
+        <p:sp>
+          <p:nvSpPr>
+            <p:cNvPr id="121" name="Content"/>
+            <p:cNvSpPr txBox="1"/>
+            <p:nvPr/>
+          </p:nvSpPr>
+          <p:spPr>
+            <a:xfrm>
+              <a:off x="4356895" y="3334651"/>
+              <a:ext cx="295722" cy="230832"/>
+            </a:xfrm>
+            <a:prstGeom prst="rect">
+              <a:avLst/>
+            </a:prstGeom>
+            <a:noFill/>
+          </p:spPr>
+          <p:txBody>
+            <a:bodyPr wrap="none" lIns="164592" tIns="18288" rIns="45720" bIns="27432" rtlCol="0" anchor="ctr" anchorCtr="0">
+              <a:spAutoFit/>
+            </a:bodyPr>
+            <a:lstStyle/>
+            <a:p>
+              <a:r>
+                <a:rPr lang="en-US" sz="1200" dirty="0" smtClean="0">
+                  <a:latin typeface="Segoe UI" pitchFamily="34" charset="0"/>
+                  <a:ea typeface="Segoe UI" pitchFamily="34" charset="0"/>
+                  <a:cs typeface="Segoe UI" pitchFamily="34" charset="0"/>
+                </a:rPr>
+                <a:t>1</a:t>
+              </a:r>
+              <a:endParaRPr lang="en-US" sz="1200" dirty="0">
+                <a:latin typeface="Segoe UI" pitchFamily="34" charset="0"/>
+                <a:ea typeface="Segoe UI" pitchFamily="34" charset="0"/>
+                <a:cs typeface="Segoe UI" pitchFamily="34" charset="0"/>
+              </a:endParaRPr>
+            </a:p>
+          </p:txBody>
+        </p:sp>
+        <p:sp>
+          <p:nvSpPr>
+            <p:cNvPr id="122" name="Circle"/>
+            <p:cNvSpPr/>
+            <p:nvPr/>
+          </p:nvSpPr>
+          <p:spPr>
+            <a:xfrm>
+              <a:off x="4356895" y="3374807"/>
+              <a:ext cx="119960" cy="119922"/>
+            </a:xfrm>
+            <a:prstGeom prst="ellipse">
+              <a:avLst/>
+            </a:prstGeom>
+            <a:solidFill>
+              <a:srgbClr val="FFFFFF"/>
+            </a:solidFill>
+            <a:ln w="3175">
+              <a:solidFill>
+                <a:srgbClr val="FFFFFF">
+                  <a:lumMod val="50000"/>
+                </a:srgbClr>
+              </a:solidFill>
+            </a:ln>
+            <a:effectLst/>
+          </p:spPr>
+          <p:style>
+            <a:lnRef idx="2">
+              <a:srgbClr val="4F81BD">
+                <a:shade val="50000"/>
+              </a:srgbClr>
+            </a:lnRef>
+            <a:fillRef idx="1">
+              <a:srgbClr val="4F81BD"/>
+            </a:fillRef>
+            <a:effectRef idx="0">
+              <a:srgbClr val="4F81BD"/>
+            </a:effectRef>
+            <a:fontRef idx="minor">
+              <a:srgbClr val="000000"/>
+            </a:fontRef>
+          </p:style>
+          <p:txBody>
+            <a:bodyPr rtlCol="0" anchor="ctr"/>
+            <a:lstStyle/>
+            <a:p>
+              <a:pPr algn="ctr"/>
+              <a:endParaRPr lang="en-US" dirty="0"/>
+            </a:p>
+          </p:txBody>
+        </p:sp>
+      </p:grpSp>
+      <p:grpSp>
+        <p:nvGrpSpPr>
+          <p:cNvPr id="123" name="RadioButtonUnselected"/>
+          <p:cNvGrpSpPr/>
+          <p:nvPr>
+            <p:custDataLst>
+              <p:custData r:id="rId47"/>
+            </p:custDataLst>
+          </p:nvPr>
+        </p:nvGrpSpPr>
+        <p:grpSpPr>
+          <a:xfrm>
+            <a:off x="5326400" y="4779396"/>
+            <a:ext cx="295722" cy="230832"/>
+            <a:chOff x="4356895" y="3334651"/>
+            <a:chExt cx="295722" cy="230832"/>
+          </a:xfrm>
+        </p:grpSpPr>
+        <p:sp>
+          <p:nvSpPr>
+            <p:cNvPr id="124" name="Content"/>
+            <p:cNvSpPr txBox="1"/>
+            <p:nvPr/>
+          </p:nvSpPr>
+          <p:spPr>
+            <a:xfrm>
+              <a:off x="4356895" y="3334651"/>
+              <a:ext cx="295722" cy="230832"/>
+            </a:xfrm>
+            <a:prstGeom prst="rect">
+              <a:avLst/>
+            </a:prstGeom>
+            <a:noFill/>
+          </p:spPr>
+          <p:txBody>
+            <a:bodyPr wrap="none" lIns="164592" tIns="18288" rIns="45720" bIns="27432" rtlCol="0" anchor="ctr" anchorCtr="0">
+              <a:spAutoFit/>
+            </a:bodyPr>
+            <a:lstStyle/>
+            <a:p>
+              <a:r>
+                <a:rPr lang="en-US" sz="1200" dirty="0" smtClean="0">
+                  <a:latin typeface="Segoe UI" pitchFamily="34" charset="0"/>
+                  <a:ea typeface="Segoe UI" pitchFamily="34" charset="0"/>
+                  <a:cs typeface="Segoe UI" pitchFamily="34" charset="0"/>
+                </a:rPr>
+                <a:t>2</a:t>
+              </a:r>
+              <a:endParaRPr lang="en-US" sz="1200" dirty="0">
+                <a:latin typeface="Segoe UI" pitchFamily="34" charset="0"/>
+                <a:ea typeface="Segoe UI" pitchFamily="34" charset="0"/>
+                <a:cs typeface="Segoe UI" pitchFamily="34" charset="0"/>
+              </a:endParaRPr>
+            </a:p>
+          </p:txBody>
+        </p:sp>
+        <p:sp>
+          <p:nvSpPr>
+            <p:cNvPr id="125" name="Circle"/>
+            <p:cNvSpPr/>
+            <p:nvPr/>
+          </p:nvSpPr>
+          <p:spPr>
+            <a:xfrm>
+              <a:off x="4356895" y="3374807"/>
+              <a:ext cx="119960" cy="119922"/>
+            </a:xfrm>
+            <a:prstGeom prst="ellipse">
+              <a:avLst/>
+            </a:prstGeom>
+            <a:solidFill>
+              <a:srgbClr val="FFFFFF"/>
+            </a:solidFill>
+            <a:ln w="3175">
+              <a:solidFill>
+                <a:srgbClr val="FFFFFF">
+                  <a:lumMod val="50000"/>
+                </a:srgbClr>
+              </a:solidFill>
+            </a:ln>
+            <a:effectLst/>
+          </p:spPr>
+          <p:style>
+            <a:lnRef idx="2">
+              <a:srgbClr val="4F81BD">
+                <a:shade val="50000"/>
+              </a:srgbClr>
+            </a:lnRef>
+            <a:fillRef idx="1">
+              <a:srgbClr val="4F81BD"/>
+            </a:fillRef>
+            <a:effectRef idx="0">
+              <a:srgbClr val="4F81BD"/>
+            </a:effectRef>
+            <a:fontRef idx="minor">
+              <a:srgbClr val="000000"/>
+            </a:fontRef>
+          </p:style>
+          <p:txBody>
+            <a:bodyPr rtlCol="0" anchor="ctr"/>
+            <a:lstStyle/>
+            <a:p>
+              <a:pPr algn="ctr"/>
+              <a:endParaRPr lang="en-US" dirty="0"/>
+            </a:p>
+          </p:txBody>
+        </p:sp>
+      </p:grpSp>
+      <p:grpSp>
+        <p:nvGrpSpPr>
+          <p:cNvPr id="126" name="RadioButtonSelected"/>
+          <p:cNvGrpSpPr/>
+          <p:nvPr>
+            <p:custDataLst>
+              <p:custData r:id="rId48"/>
+            </p:custDataLst>
+          </p:nvPr>
+        </p:nvGrpSpPr>
+        <p:grpSpPr>
+          <a:xfrm>
+            <a:off x="5708656" y="4768510"/>
+            <a:ext cx="295722" cy="230832"/>
+            <a:chOff x="4356895" y="3334651"/>
+            <a:chExt cx="295722" cy="230832"/>
+          </a:xfrm>
+        </p:grpSpPr>
+        <p:sp>
+          <p:nvSpPr>
+            <p:cNvPr id="127" name="Content"/>
+            <p:cNvSpPr txBox="1"/>
+            <p:nvPr/>
+          </p:nvSpPr>
+          <p:spPr>
+            <a:xfrm>
+              <a:off x="4356895" y="3334651"/>
+              <a:ext cx="295722" cy="230832"/>
+            </a:xfrm>
+            <a:prstGeom prst="rect">
+              <a:avLst/>
+            </a:prstGeom>
+            <a:noFill/>
+          </p:spPr>
+          <p:txBody>
+            <a:bodyPr wrap="none" lIns="164592" tIns="18288" rIns="45720" bIns="27432" rtlCol="0" anchor="ctr" anchorCtr="0">
+              <a:spAutoFit/>
+            </a:bodyPr>
+            <a:lstStyle/>
+            <a:p>
+              <a:r>
+                <a:rPr lang="en-US" sz="1200" dirty="0" smtClean="0">
+                  <a:latin typeface="Segoe UI" pitchFamily="34" charset="0"/>
+                  <a:ea typeface="Segoe UI" pitchFamily="34" charset="0"/>
+                  <a:cs typeface="Segoe UI" pitchFamily="34" charset="0"/>
+                </a:rPr>
+                <a:t>3</a:t>
+              </a:r>
+              <a:endParaRPr lang="en-US" sz="1200" dirty="0">
+                <a:latin typeface="Segoe UI" pitchFamily="34" charset="0"/>
+                <a:ea typeface="Segoe UI" pitchFamily="34" charset="0"/>
+                <a:cs typeface="Segoe UI" pitchFamily="34" charset="0"/>
+              </a:endParaRPr>
+            </a:p>
+          </p:txBody>
+        </p:sp>
+        <p:grpSp>
+          <p:nvGrpSpPr>
+            <p:cNvPr id="128" name="Group 127"/>
+            <p:cNvGrpSpPr/>
+            <p:nvPr/>
+          </p:nvGrpSpPr>
+          <p:grpSpPr>
+            <a:xfrm>
+              <a:off x="4356895" y="3374807"/>
+              <a:ext cx="119960" cy="119922"/>
+              <a:chOff x="4356895" y="3374807"/>
+              <a:chExt cx="119960" cy="119922"/>
+            </a:xfrm>
+          </p:grpSpPr>
+          <p:sp>
+            <p:nvSpPr>
+              <p:cNvPr id="129" name="Circle"/>
+              <p:cNvSpPr/>
+              <p:nvPr/>
+            </p:nvSpPr>
+            <p:spPr>
+              <a:xfrm>
+                <a:off x="4356895" y="3374807"/>
+                <a:ext cx="119960" cy="119922"/>
+              </a:xfrm>
+              <a:prstGeom prst="ellipse">
+                <a:avLst/>
+              </a:prstGeom>
+              <a:solidFill>
+                <a:srgbClr val="FFFFFF"/>
+              </a:solidFill>
+              <a:ln w="3175">
+                <a:solidFill>
+                  <a:srgbClr val="FFFFFF">
+                    <a:lumMod val="50000"/>
+                  </a:srgbClr>
+                </a:solidFill>
+              </a:ln>
+              <a:effectLst/>
+            </p:spPr>
+            <p:style>
+              <a:lnRef idx="2">
+                <a:srgbClr val="4F81BD">
+                  <a:shade val="50000"/>
+                </a:srgbClr>
+              </a:lnRef>
+              <a:fillRef idx="1">
+                <a:srgbClr val="4F81BD"/>
+              </a:fillRef>
+              <a:effectRef idx="0">
+                <a:srgbClr val="4F81BD"/>
+              </a:effectRef>
+              <a:fontRef idx="minor">
+                <a:srgbClr val="000000"/>
+              </a:fontRef>
+            </p:style>
+            <p:txBody>
+              <a:bodyPr rtlCol="0" anchor="ctr"/>
+              <a:lstStyle/>
+              <a:p>
+                <a:pPr algn="ctr"/>
+                <a:endParaRPr lang="en-US" dirty="0"/>
+              </a:p>
+            </p:txBody>
+          </p:sp>
+          <p:sp>
+            <p:nvSpPr>
+              <p:cNvPr id="130" name="InnerCircle"/>
+              <p:cNvSpPr/>
+              <p:nvPr/>
+            </p:nvSpPr>
+            <p:spPr>
+              <a:xfrm>
+                <a:off x="4390432" y="3407093"/>
+                <a:ext cx="58189" cy="58190"/>
+              </a:xfrm>
+              <a:prstGeom prst="ellipse">
+                <a:avLst/>
+              </a:prstGeom>
+              <a:solidFill>
+                <a:srgbClr val="FFFFFF">
+                  <a:lumMod val="50000"/>
+                </a:srgbClr>
+              </a:solidFill>
+              <a:ln>
+                <a:noFill/>
+              </a:ln>
+            </p:spPr>
+            <p:style>
+              <a:lnRef idx="2">
+                <a:srgbClr val="4F81BD">
+                  <a:shade val="50000"/>
+                </a:srgbClr>
+              </a:lnRef>
+              <a:fillRef idx="1">
+                <a:srgbClr val="4F81BD"/>
+              </a:fillRef>
+              <a:effectRef idx="0">
+                <a:srgbClr val="4F81BD"/>
+              </a:effectRef>
+              <a:fontRef idx="minor">
+                <a:srgbClr val="000000"/>
+              </a:fontRef>
+            </p:style>
+            <p:txBody>
+              <a:bodyPr rtlCol="0" anchor="ctr"/>
+              <a:lstStyle/>
+              <a:p>
+                <a:pPr algn="ctr"/>
+                <a:endParaRPr lang="en-US" dirty="0"/>
+              </a:p>
+            </p:txBody>
+          </p:sp>
+        </p:grpSp>
+      </p:grpSp>
+      <p:grpSp>
+        <p:nvGrpSpPr>
+          <p:cNvPr id="131" name="RadioButtonUnselected"/>
+          <p:cNvGrpSpPr/>
+          <p:nvPr>
+            <p:custDataLst>
+              <p:custData r:id="rId49"/>
+            </p:custDataLst>
+          </p:nvPr>
+        </p:nvGrpSpPr>
+        <p:grpSpPr>
+          <a:xfrm>
+            <a:off x="6076434" y="4769080"/>
+            <a:ext cx="295722" cy="230832"/>
+            <a:chOff x="4356895" y="3334651"/>
+            <a:chExt cx="295722" cy="230832"/>
+          </a:xfrm>
+        </p:grpSpPr>
+        <p:sp>
+          <p:nvSpPr>
+            <p:cNvPr id="132" name="Content"/>
+            <p:cNvSpPr txBox="1"/>
+            <p:nvPr/>
+          </p:nvSpPr>
+          <p:spPr>
+            <a:xfrm>
+              <a:off x="4356895" y="3334651"/>
+              <a:ext cx="295722" cy="230832"/>
+            </a:xfrm>
+            <a:prstGeom prst="rect">
+              <a:avLst/>
+            </a:prstGeom>
+            <a:noFill/>
+          </p:spPr>
+          <p:txBody>
+            <a:bodyPr wrap="none" lIns="164592" tIns="18288" rIns="45720" bIns="27432" rtlCol="0" anchor="ctr" anchorCtr="0">
+              <a:spAutoFit/>
+            </a:bodyPr>
+            <a:lstStyle/>
+            <a:p>
+              <a:r>
+                <a:rPr lang="en-US" sz="1200" dirty="0" smtClean="0">
+                  <a:latin typeface="Segoe UI" pitchFamily="34" charset="0"/>
+                  <a:ea typeface="Segoe UI" pitchFamily="34" charset="0"/>
+                  <a:cs typeface="Segoe UI" pitchFamily="34" charset="0"/>
+                </a:rPr>
+                <a:t>4</a:t>
+              </a:r>
+              <a:endParaRPr lang="en-US" sz="1200" dirty="0">
+                <a:latin typeface="Segoe UI" pitchFamily="34" charset="0"/>
+                <a:ea typeface="Segoe UI" pitchFamily="34" charset="0"/>
+                <a:cs typeface="Segoe UI" pitchFamily="34" charset="0"/>
+              </a:endParaRPr>
+            </a:p>
+          </p:txBody>
+        </p:sp>
+        <p:sp>
+          <p:nvSpPr>
+            <p:cNvPr id="133" name="Circle"/>
+            <p:cNvSpPr/>
+            <p:nvPr/>
+          </p:nvSpPr>
+          <p:spPr>
+            <a:xfrm>
+              <a:off x="4356895" y="3374807"/>
+              <a:ext cx="119960" cy="119922"/>
+            </a:xfrm>
+            <a:prstGeom prst="ellipse">
+              <a:avLst/>
+            </a:prstGeom>
+            <a:solidFill>
+              <a:srgbClr val="FFFFFF"/>
+            </a:solidFill>
+            <a:ln w="3175">
+              <a:solidFill>
+                <a:srgbClr val="FFFFFF">
+                  <a:lumMod val="50000"/>
+                </a:srgbClr>
+              </a:solidFill>
+            </a:ln>
+            <a:effectLst/>
+          </p:spPr>
+          <p:style>
+            <a:lnRef idx="2">
+              <a:srgbClr val="4F81BD">
+                <a:shade val="50000"/>
+              </a:srgbClr>
+            </a:lnRef>
+            <a:fillRef idx="1">
+              <a:srgbClr val="4F81BD"/>
+            </a:fillRef>
+            <a:effectRef idx="0">
+              <a:srgbClr val="4F81BD"/>
+            </a:effectRef>
+            <a:fontRef idx="minor">
+              <a:srgbClr val="000000"/>
+            </a:fontRef>
+          </p:style>
+          <p:txBody>
+            <a:bodyPr rtlCol="0" anchor="ctr"/>
+            <a:lstStyle/>
+            <a:p>
+              <a:pPr algn="ctr"/>
+              <a:endParaRPr lang="en-US" dirty="0"/>
+            </a:p>
+          </p:txBody>
+        </p:sp>
+      </p:grpSp>
+      <p:grpSp>
+        <p:nvGrpSpPr>
+          <p:cNvPr id="134" name="RadioButtonUnselected"/>
+          <p:cNvGrpSpPr/>
+          <p:nvPr>
+            <p:custDataLst>
+              <p:custData r:id="rId50"/>
+            </p:custDataLst>
+          </p:nvPr>
+        </p:nvGrpSpPr>
+        <p:grpSpPr>
+          <a:xfrm>
+            <a:off x="6479734" y="4769080"/>
+            <a:ext cx="295722" cy="230832"/>
+            <a:chOff x="4356895" y="3334651"/>
+            <a:chExt cx="295722" cy="230832"/>
+          </a:xfrm>
+        </p:grpSpPr>
+        <p:sp>
+          <p:nvSpPr>
+            <p:cNvPr id="135" name="Content"/>
+            <p:cNvSpPr txBox="1"/>
+            <p:nvPr/>
+          </p:nvSpPr>
+          <p:spPr>
+            <a:xfrm>
+              <a:off x="4356895" y="3334651"/>
+              <a:ext cx="295722" cy="230832"/>
+            </a:xfrm>
+            <a:prstGeom prst="rect">
+              <a:avLst/>
+            </a:prstGeom>
+            <a:noFill/>
+          </p:spPr>
+          <p:txBody>
+            <a:bodyPr wrap="none" lIns="164592" tIns="18288" rIns="45720" bIns="27432" rtlCol="0" anchor="ctr" anchorCtr="0">
+              <a:spAutoFit/>
+            </a:bodyPr>
+            <a:lstStyle/>
+            <a:p>
+              <a:r>
+                <a:rPr lang="en-US" sz="1200" dirty="0" smtClean="0">
+                  <a:latin typeface="Segoe UI" pitchFamily="34" charset="0"/>
+                  <a:ea typeface="Segoe UI" pitchFamily="34" charset="0"/>
+                  <a:cs typeface="Segoe UI" pitchFamily="34" charset="0"/>
+                </a:rPr>
+                <a:t>5</a:t>
+              </a:r>
+              <a:endParaRPr lang="en-US" sz="1200" dirty="0">
+                <a:latin typeface="Segoe UI" pitchFamily="34" charset="0"/>
+                <a:ea typeface="Segoe UI" pitchFamily="34" charset="0"/>
+                <a:cs typeface="Segoe UI" pitchFamily="34" charset="0"/>
+              </a:endParaRPr>
+            </a:p>
+          </p:txBody>
+        </p:sp>
+        <p:sp>
+          <p:nvSpPr>
+            <p:cNvPr id="136" name="Circle"/>
+            <p:cNvSpPr/>
+            <p:nvPr/>
+          </p:nvSpPr>
+          <p:spPr>
+            <a:xfrm>
+              <a:off x="4356895" y="3374807"/>
+              <a:ext cx="119960" cy="119922"/>
+            </a:xfrm>
+            <a:prstGeom prst="ellipse">
+              <a:avLst/>
+            </a:prstGeom>
+            <a:solidFill>
+              <a:srgbClr val="FFFFFF"/>
+            </a:solidFill>
+            <a:ln w="3175">
+              <a:solidFill>
+                <a:srgbClr val="FFFFFF">
+                  <a:lumMod val="50000"/>
+                </a:srgbClr>
+              </a:solidFill>
+            </a:ln>
+            <a:effectLst/>
+          </p:spPr>
+          <p:style>
+            <a:lnRef idx="2">
+              <a:srgbClr val="4F81BD">
+                <a:shade val="50000"/>
+              </a:srgbClr>
+            </a:lnRef>
+            <a:fillRef idx="1">
+              <a:srgbClr val="4F81BD"/>
+            </a:fillRef>
+            <a:effectRef idx="0">
+              <a:srgbClr val="4F81BD"/>
+            </a:effectRef>
+            <a:fontRef idx="minor">
+              <a:srgbClr val="000000"/>
+            </a:fontRef>
+          </p:style>
+          <p:txBody>
+            <a:bodyPr rtlCol="0" anchor="ctr"/>
+            <a:lstStyle/>
+            <a:p>
+              <a:pPr algn="ctr"/>
+              <a:endParaRPr lang="en-US" dirty="0"/>
+            </a:p>
+          </p:txBody>
+        </p:sp>
+      </p:grpSp>
     </p:spTree>
     <p:extLst>
       <p:ext uri="{BB962C8B-B14F-4D97-AF65-F5344CB8AC3E}">
@@ -4886,174 +9145,209 @@
 
 <file path=customXml/item1.xml><?xml version="1.0" encoding="utf-8"?>
 <Control xmlns="http://schemas.microsoft.com/VisualStudio/2011/storyboarding/control/v1.0">
-  <Id Name="System.Storyboard.Stencil.Image" RevisionId="00000000-0000-0000-0000-000000000000" Stencil="System.Media" StencilRevisionId="00000000-0000-0000-0000-000000000000" StencilVersion="1.0"/>
+  <Id Name="System.Storyboarding.Media.Image" RevisionId="658c0869-8ded-44f2-a68a-f8e8fcb7d3bd" Stencil="System.Storyboarding.Media" StencilRevisionId="658c0869-8ded-44f2-a68a-f8e8fcb7d3bd" StencilVersion="0.1"/>
 </Control>
 </file>
 
 <file path=customXml/item10.xml><?xml version="1.0" encoding="utf-8"?>
 <Control xmlns="http://schemas.microsoft.com/VisualStudio/2011/storyboarding/control/v1.0">
-  <Id Name="System.Storyboard.Stencil.TextArea" RevisionId="00000000-0000-0000-0000-000000000000" Stencil="System.Common" StencilRevisionId="00000000-0000-0000-0000-000000000000" StencilVersion="1.0"/>
+  <Id Name="System.Storyboard.Stencil.PhoneNotification" RevisionId="00000000-0000-0000-0000-000000000000" Stencil="System.Windows_Phone_7" StencilRevisionId="00000000-0000-0000-0000-000000000000" StencilVersion="1.0"/>
+</Control>
+</file>
+
+<file path=customXml/item100.xml><?xml version="1.0" encoding="utf-8"?>
+<Control xmlns="http://schemas.microsoft.com/VisualStudio/2011/storyboarding/control">
+  <Id Name="System.Storyboarding.Common.RadioButtonUnselected" Revision="1" Stencil="System.Storyboarding.Common" StencilVersion="0.1"/>
+</Control>
+</file>
+
+<file path=customXml/item101.xml><?xml version="1.0" encoding="utf-8"?>
+<Control xmlns="http://schemas.microsoft.com/VisualStudio/2011/storyboarding/control">
+  <Id Name="System.Storyboarding.Common.RadioButtonSelected" Revision="1" Stencil="System.Storyboarding.Common" StencilVersion="0.1"/>
+</Control>
+</file>
+
+<file path=customXml/item102.xml><?xml version="1.0" encoding="utf-8"?>
+<Control xmlns="http://schemas.microsoft.com/VisualStudio/2011/storyboarding/control">
+  <Id Name="System.Storyboarding.Common.RadioButtonUnselected" Revision="1" Stencil="System.Storyboarding.Common" StencilVersion="0.1"/>
+</Control>
+</file>
+
+<file path=customXml/item103.xml><?xml version="1.0" encoding="utf-8"?>
+<Control xmlns="http://schemas.microsoft.com/VisualStudio/2011/storyboarding/control">
+  <Id Name="System.Storyboarding.Common.RadioButtonUnselected" Revision="1" Stencil="System.Storyboarding.Common" StencilVersion="0.1"/>
+</Control>
+</file>
+
+<file path=customXml/item104.xml><?xml version="1.0" encoding="utf-8"?>
+<Control xmlns="http://schemas.microsoft.com/VisualStudio/2011/storyboarding/control">
+  <Id Name="System.Storyboarding.Common.Text" Revision="1" Stencil="System.Storyboarding.Common" StencilVersion="0.1"/>
+</Control>
+</file>
+
+<file path=customXml/item105.xml><?xml version="1.0" encoding="utf-8"?>
+<Control xmlns="http://schemas.microsoft.com/VisualStudio/2011/storyboarding/control">
+  <Id Name="System.Storyboarding.Common.TextInput" Revision="1" Stencil="System.Storyboarding.Common" StencilVersion="0.1"/>
+</Control>
+</file>
+
+<file path=customXml/item106.xml><?xml version="1.0" encoding="utf-8"?>
+<Control xmlns="http://schemas.microsoft.com/VisualStudio/2011/storyboarding/control">
+  <Id Name="System.Storyboarding.Common.RadioButtonUnselected" Revision="1" Stencil="System.Storyboarding.Common" StencilVersion="0.1"/>
+</Control>
+</file>
+
+<file path=customXml/item107.xml><?xml version="1.0" encoding="utf-8"?>
+<Control xmlns="http://schemas.microsoft.com/VisualStudio/2011/storyboarding/control">
+  <Id Name="System.Storyboarding.Common.RadioButtonUnselected" Revision="1" Stencil="System.Storyboarding.Common" StencilVersion="0.1"/>
+</Control>
+</file>
+
+<file path=customXml/item108.xml><?xml version="1.0" encoding="utf-8"?>
+<Control xmlns="http://schemas.microsoft.com/VisualStudio/2011/storyboarding/control">
+  <Id Name="System.Storyboarding.Common.RadioButtonSelected" Revision="1" Stencil="System.Storyboarding.Common" StencilVersion="0.1"/>
+</Control>
+</file>
+
+<file path=customXml/item109.xml><?xml version="1.0" encoding="utf-8"?>
+<Control xmlns="http://schemas.microsoft.com/VisualStudio/2011/storyboarding/control">
+  <Id Name="System.Storyboarding.Common.RadioButtonUnselected" Revision="1" Stencil="System.Storyboarding.Common" StencilVersion="0.1"/>
 </Control>
 </file>
 
 <file path=customXml/item11.xml><?xml version="1.0" encoding="utf-8"?>
-<?mso-contentType ?>
-<FormTemplates xmlns="http://schemas.microsoft.com/sharepoint/v3/contenttype/forms">
-  <Display>DocumentLibraryForm</Display>
-  <Edit>DocumentLibraryForm</Edit>
-  <New>DocumentLibraryForm</New>
-</FormTemplates>
+<Control xmlns="http://schemas.microsoft.com/VisualStudio/2011/storyboarding/control/v1.0">
+  <Id Name="System.Storyboard.Stencil.PhoneTile" RevisionId="00000000-0000-0000-0000-000000000000" Stencil="System.Windows_Phone_7" StencilRevisionId="00000000-0000-0000-0000-000000000000" StencilVersion="1.0"/>
+</Control>
+</file>
+
+<file path=customXml/item110.xml><?xml version="1.0" encoding="utf-8"?>
+<Control xmlns="http://schemas.microsoft.com/VisualStudio/2011/storyboarding/control">
+  <Id Name="System.Storyboarding.Common.RadioButtonUnselected" Revision="1" Stencil="System.Storyboarding.Common" StencilVersion="0.1"/>
+</Control>
+</file>
+
+<file path=customXml/item111.xml><?xml version="1.0" encoding="utf-8"?>
+<Control xmlns="http://schemas.microsoft.com/VisualStudio/2011/storyboarding/control">
+  <Id Name="System.Storyboarding.Common.Text" Revision="1" Stencil="System.Storyboarding.Common" StencilVersion="0.1"/>
+</Control>
+</file>
+
+<file path=customXml/item112.xml><?xml version="1.0" encoding="utf-8"?>
+<Control xmlns="http://schemas.microsoft.com/VisualStudio/2011/storyboarding/control">
+  <Id Name="System.Storyboarding.Common.TextInput" Revision="1" Stencil="System.Storyboarding.Common" StencilVersion="0.1"/>
+</Control>
+</file>
+
+<file path=customXml/item113.xml><?xml version="1.0" encoding="utf-8"?>
+<Control xmlns="http://schemas.microsoft.com/VisualStudio/2011/storyboarding/control">
+  <Id Name="System.Storyboarding.Common.RadioButtonUnselected" Revision="1" Stencil="System.Storyboarding.Common" StencilVersion="0.1"/>
+</Control>
+</file>
+
+<file path=customXml/item114.xml><?xml version="1.0" encoding="utf-8"?>
+<Control xmlns="http://schemas.microsoft.com/VisualStudio/2011/storyboarding/control">
+  <Id Name="System.Storyboarding.Common.RadioButtonUnselected" Revision="1" Stencil="System.Storyboarding.Common" StencilVersion="0.1"/>
+</Control>
+</file>
+
+<file path=customXml/item115.xml><?xml version="1.0" encoding="utf-8"?>
+<Control xmlns="http://schemas.microsoft.com/VisualStudio/2011/storyboarding/control">
+  <Id Name="System.Storyboarding.Common.RadioButtonSelected" Revision="1" Stencil="System.Storyboarding.Common" StencilVersion="0.1"/>
+</Control>
+</file>
+
+<file path=customXml/item116.xml><?xml version="1.0" encoding="utf-8"?>
+<Control xmlns="http://schemas.microsoft.com/VisualStudio/2011/storyboarding/control">
+  <Id Name="System.Storyboarding.Common.RadioButtonUnselected" Revision="1" Stencil="System.Storyboarding.Common" StencilVersion="0.1"/>
+</Control>
+</file>
+
+<file path=customXml/item117.xml><?xml version="1.0" encoding="utf-8"?>
+<Control xmlns="http://schemas.microsoft.com/VisualStudio/2011/storyboarding/control">
+  <Id Name="System.Storyboarding.Common.RadioButtonUnselected" Revision="1" Stencil="System.Storyboarding.Common" StencilVersion="0.1"/>
+</Control>
+</file>
+
+<file path=customXml/item118.xml><?xml version="1.0" encoding="utf-8"?>
+<Control xmlns="http://schemas.microsoft.com/VisualStudio/2011/storyboarding/control">
+  <Id Name="System.Storyboarding.Common.Text" Revision="1" Stencil="System.Storyboarding.Common" StencilVersion="0.1"/>
+</Control>
+</file>
+
+<file path=customXml/item119.xml><?xml version="1.0" encoding="utf-8"?>
+<Control xmlns="http://schemas.microsoft.com/VisualStudio/2011/storyboarding/control">
+  <Id Name="System.Storyboarding.Common.TextInput" Revision="1" Stencil="System.Storyboarding.Common" StencilVersion="0.1"/>
+</Control>
 </file>
 
 <file path=customXml/item12.xml><?xml version="1.0" encoding="utf-8"?>
 <Control xmlns="http://schemas.microsoft.com/VisualStudio/2011/storyboarding/control/v1.0">
-  <Id Name="System.Storyboard.Stencil.LineChart" RevisionId="00000000-0000-0000-0000-000000000000" Stencil="System.Media" StencilRevisionId="00000000-0000-0000-0000-000000000000" StencilVersion="1.0"/>
+  <Id Name="System.Storyboard.Stencil.VerticalBarChart" RevisionId="00000000-0000-0000-0000-000000000000" Stencil="System.Media" StencilRevisionId="00000000-0000-0000-0000-000000000000" StencilVersion="1.0"/>
+</Control>
+</file>
+
+<file path=customXml/item120.xml><?xml version="1.0" encoding="utf-8"?>
+<Control xmlns="http://schemas.microsoft.com/VisualStudio/2011/storyboarding/control">
+  <Id Name="System.Storyboarding.Common.RadioButtonUnselected" Revision="1" Stencil="System.Storyboarding.Common" StencilVersion="0.1"/>
+</Control>
+</file>
+
+<file path=customXml/item121.xml><?xml version="1.0" encoding="utf-8"?>
+<Control xmlns="http://schemas.microsoft.com/VisualStudio/2011/storyboarding/control">
+  <Id Name="System.Storyboarding.Common.RadioButtonUnselected" Revision="1" Stencil="System.Storyboarding.Common" StencilVersion="0.1"/>
+</Control>
+</file>
+
+<file path=customXml/item122.xml><?xml version="1.0" encoding="utf-8"?>
+<Control xmlns="http://schemas.microsoft.com/VisualStudio/2011/storyboarding/control">
+  <Id Name="System.Storyboarding.Common.RadioButtonSelected" Revision="1" Stencil="System.Storyboarding.Common" StencilVersion="0.1"/>
+</Control>
+</file>
+
+<file path=customXml/item123.xml><?xml version="1.0" encoding="utf-8"?>
+<Control xmlns="http://schemas.microsoft.com/VisualStudio/2011/storyboarding/control">
+  <Id Name="System.Storyboarding.Common.RadioButtonUnselected" Revision="1" Stencil="System.Storyboarding.Common" StencilVersion="0.1"/>
+</Control>
+</file>
+
+<file path=customXml/item124.xml><?xml version="1.0" encoding="utf-8"?>
+<Control xmlns="http://schemas.microsoft.com/VisualStudio/2011/storyboarding/control">
+  <Id Name="System.Storyboarding.Common.RadioButtonUnselected" Revision="1" Stencil="System.Storyboarding.Common" StencilVersion="0.1"/>
 </Control>
 </file>
 
 <file path=customXml/item13.xml><?xml version="1.0" encoding="utf-8"?>
+<Control xmlns="http://schemas.microsoft.com/VisualStudio/2011/storyboarding/control">
+  <Id Name="System.Storyboarding.Common.Text" Revision="1" Stencil="System.Storyboarding.Common" StencilVersion="0.1"/>
+</Control>
+</file>
+
+<file path=customXml/item14.xml><?xml version="1.0" encoding="utf-8"?>
 <Control xmlns="http://schemas.microsoft.com/VisualStudio/2011/storyboarding/control/v1.0">
-  <Id Name="System.Storyboarding.Media.Image" RevisionId="658c0869-8ded-44f2-a68a-f8e8fcb7d3bd" Stencil="System.Storyboarding.Media" StencilRevisionId="658c0869-8ded-44f2-a68a-f8e8fcb7d3bd" StencilVersion="0.1"/>
-</Control>
-</file>
-
-<file path=customXml/item14.xml><?xml version="1.0" encoding="utf-8"?>
+  <Id Name="System.Storyboard.Stencil.Slider" RevisionId="00000000-0000-0000-0000-000000000000" Stencil="System.Common" StencilRevisionId="00000000-0000-0000-0000-000000000000" StencilVersion="1.0"/>
+</Control>
+</file>
+
+<file path=customXml/item15.xml><?xml version="1.0" encoding="utf-8"?>
 <Control xmlns="http://schemas.microsoft.com/VisualStudio/2011/storyboarding/control">
-  <Id Name="System.Storyboarding.WindowsPhoneIcons.Video" RevisionId="5814b1e0-0169-11e0-a976-0800200c9a66" Stencil="System.Storyboarding.WindowsPhoneIcons" StencilRevisionId="5814b1e0-0169-11e0-a976-0800200c9a66" StencilVersion="0.1"/>
-</Control>
-</file>
-
-<file path=customXml/item15.xml><?xml version="1.0" encoding="utf-8"?>
-<Control xmlns="http://schemas.microsoft.com/VisualStudio/2011/storyboarding/control/v1.0">
-  <Id Name="System.Storyboard.Stencil.WidePhoneTile" RevisionId="00000000-0000-0000-0000-000000000000" Stencil="System.Windows_Phone_7" StencilRevisionId="00000000-0000-0000-0000-000000000000" StencilVersion="1.0"/>
+  <Id Name="System.Storyboarding.Backgrounds.WebBrowser" RevisionId="bdb52a43-f875-417f-a3f8-9b0259dd3051" Stencil="System.Storyboarding.Backgrounds" StencilRevisionId="bdb52a43-f875-417f-a3f8-9b0259dd3051" StencilVersion="0.1"/>
 </Control>
 </file>
 
 <file path=customXml/item16.xml><?xml version="1.0" encoding="utf-8"?>
 <Control xmlns="http://schemas.microsoft.com/VisualStudio/2011/storyboarding/control/v1.0">
-  <Id Name="System.Storyboard.Stencil.PhoneKeyboard" RevisionId="00000000-0000-0000-0000-000000000000" Stencil="System.Windows_Phone_7" StencilRevisionId="00000000-0000-0000-0000-000000000000" StencilVersion="1.0"/>
+  <Id Name="System.Storyboard.Stencil.PhoneBrowserBar" RevisionId="00000000-0000-0000-0000-000000000000" Stencil="System.Windows_Phone_7" StencilRevisionId="00000000-0000-0000-0000-000000000000" StencilVersion="1.0"/>
 </Control>
 </file>
 
 <file path=customXml/item17.xml><?xml version="1.0" encoding="utf-8"?>
 <Control xmlns="http://schemas.microsoft.com/VisualStudio/2011/storyboarding/control/v1.0">
-  <Id Name="System.Storyboarding.Common.Text" RevisionId="68ea164d-c1de-47a5-804f-d4d1290fa524" Stencil="System.Storyboarding.Common" StencilRevisionId="68ea164d-c1de-47a5-804f-d4d1290fa524" StencilVersion="0.1"/>
+  <Id Name="System.Storyboard.Stencil.PhoneKeyboard" RevisionId="00000000-0000-0000-0000-000000000000" Stencil="System.Windows_Phone_7" StencilRevisionId="00000000-0000-0000-0000-000000000000" StencilVersion="1.0"/>
 </Control>
 </file>
 
 <file path=customXml/item18.xml><?xml version="1.0" encoding="utf-8"?>
-<Control xmlns="http://schemas.microsoft.com/VisualStudio/2011/storyboarding/control/v1.0">
-  <Id Name="System.Storyboard.Stencil.Browser" RevisionId="bdb52a43-f875-417f-a3f8-9b0259dd3051" Stencil="System.Backgrounds" StencilRevisionId="bdb52a43-f875-417f-a3f8-9b0259dd3051" StencilVersion="1.0"/>
-</Control>
-</file>
-
-<file path=customXml/item19.xml><?xml version="1.0" encoding="utf-8"?>
-<Control xmlns="http://schemas.microsoft.com/VisualStudio/2011/storyboarding/control/v1.0">
-  <Id Name="System.Storyboarding.Common.DropdownBox" RevisionId="68ea164d-c1de-47a5-804f-d4d1290fa524" Stencil="System.Storyboarding.Common" StencilRevisionId="68ea164d-c1de-47a5-804f-d4d1290fa524" StencilVersion="0.1"/>
-</Control>
-</file>
-
-<file path=customXml/item2.xml><?xml version="1.0" encoding="utf-8"?>
-<Control xmlns="http://schemas.microsoft.com/VisualStudio/2011/storyboarding/control/v1.0">
-  <Id Name="System.Storyboard.Stencil.PhoneBrowserBar" RevisionId="00000000-0000-0000-0000-000000000000" Stencil="System.Windows_Phone_7" StencilRevisionId="00000000-0000-0000-0000-000000000000" StencilVersion="1.0"/>
-</Control>
-</file>
-
-<file path=customXml/item20.xml><?xml version="1.0" encoding="utf-8"?>
-<Control xmlns="http://schemas.microsoft.com/VisualStudio/2011/storyboarding/control">
-  <Id Name="System.Storyboarding.Backgrounds.Window" RevisionId="bdb52a43-f875-417f-a3f8-9b0259dd3051" Stencil="System.Storyboarding.Backgrounds" StencilRevisionId="bdb52a43-f875-417f-a3f8-9b0259dd3051" StencilVersion="0.1"/>
-</Control>
-</file>
-
-<file path=customXml/item21.xml><?xml version="1.0" encoding="utf-8"?>
-<Control xmlns="http://schemas.microsoft.com/VisualStudio/2011/storyboarding/control/v1.0">
-  <Id Name="System.Storyboard.Stencil.Group" RevisionId="00000000-0000-0000-0000-000000000000" Stencil="System.Windows" StencilRevisionId="00000000-0000-0000-0000-000000000000" StencilVersion="1.0"/>
-</Control>
-</file>
-
-<file path=customXml/item22.xml><?xml version="1.0" encoding="utf-8"?>
-<Control xmlns="http://schemas.microsoft.com/VisualStudio/2011/storyboarding/control/v1.0">
-  <Id Name="System.Storyboard.Stencil.ColorPicker" RevisionId="00000000-0000-0000-0000-000000000000" Stencil="System.Media" StencilRevisionId="00000000-0000-0000-0000-000000000000" StencilVersion="1.0"/>
-</Control>
-</file>
-
-<file path=customXml/item23.xml><?xml version="1.0" encoding="utf-8"?>
-<Control xmlns="http://schemas.microsoft.com/VisualStudio/2011/storyboarding/control/v1.0">
-  <Id Name="System.Storyboard.Stencil.FourItemList" RevisionId="00000000-0000-0000-0000-000000000000" Stencil="System.Common" StencilRevisionId="00000000-0000-0000-0000-000000000000" StencilVersion="1.0"/>
-</Control>
-</file>
-
-<file path=customXml/item24.xml><?xml version="1.0" encoding="utf-8"?>
-<Control xmlns="http://schemas.microsoft.com/VisualStudio/2011/storyboarding/control/v1.0">
-  <Id Name="System.Storyboard.Stencil.PhoneTile" RevisionId="00000000-0000-0000-0000-000000000000" Stencil="System.Windows_Phone_7" StencilRevisionId="00000000-0000-0000-0000-000000000000" StencilVersion="1.0"/>
-</Control>
-</file>
-
-<file path=customXml/item25.xml><?xml version="1.0" encoding="utf-8"?>
-<?mso-contentType ?>
-<spe:Receivers xmlns:spe="http://schemas.microsoft.com/sharepoint/events">
-  <Receiver>
-    <Name>Document ID Generator</Name>
-    <Synchronization>Synchronous</Synchronization>
-    <Type>10001</Type>
-    <SequenceNumber>1000</SequenceNumber>
-    <Assembly>Microsoft.Office.DocumentManagement, Version=14.0.0.0, Culture=neutral, PublicKeyToken=71e9bce111e9429c</Assembly>
-    <Class>Microsoft.Office.DocumentManagement.Internal.DocIdHandler</Class>
-    <Data/>
-    <Filter/>
-  </Receiver>
-  <Receiver>
-    <Name>Document ID Generator</Name>
-    <Synchronization>Synchronous</Synchronization>
-    <Type>10002</Type>
-    <SequenceNumber>1001</SequenceNumber>
-    <Assembly>Microsoft.Office.DocumentManagement, Version=14.0.0.0, Culture=neutral, PublicKeyToken=71e9bce111e9429c</Assembly>
-    <Class>Microsoft.Office.DocumentManagement.Internal.DocIdHandler</Class>
-    <Data/>
-    <Filter/>
-  </Receiver>
-  <Receiver>
-    <Name>Document ID Generator</Name>
-    <Synchronization>Synchronous</Synchronization>
-    <Type>10004</Type>
-    <SequenceNumber>1002</SequenceNumber>
-    <Assembly>Microsoft.Office.DocumentManagement, Version=14.0.0.0, Culture=neutral, PublicKeyToken=71e9bce111e9429c</Assembly>
-    <Class>Microsoft.Office.DocumentManagement.Internal.DocIdHandler</Class>
-    <Data/>
-    <Filter/>
-  </Receiver>
-  <Receiver>
-    <Name>Document ID Generator</Name>
-    <Synchronization>Synchronous</Synchronization>
-    <Type>10006</Type>
-    <SequenceNumber>1003</SequenceNumber>
-    <Assembly>Microsoft.Office.DocumentManagement, Version=14.0.0.0, Culture=neutral, PublicKeyToken=71e9bce111e9429c</Assembly>
-    <Class>Microsoft.Office.DocumentManagement.Internal.DocIdHandler</Class>
-    <Data/>
-    <Filter/>
-  </Receiver>
-</spe:Receivers>
-</file>
-
-<file path=customXml/item26.xml><?xml version="1.0" encoding="utf-8"?>
-<Control xmlns="http://schemas.microsoft.com/VisualStudio/2011/storyboarding/control/v1.0">
-  <Id Name="System.Storyboard.Stencil.VerticalSplitter" RevisionId="00000000-0000-0000-0000-000000000000" Stencil="System.Windows" StencilRevisionId="00000000-0000-0000-0000-000000000000" StencilVersion="1.0"/>
-</Control>
-</file>
-
-<file path=customXml/item27.xml><?xml version="1.0" encoding="utf-8"?>
-<Control xmlns="http://schemas.microsoft.com/VisualStudio/2011/storyboarding/control/v1.0">
-  <Id Name="System.Storyboarding.Common.Text" RevisionId="68ea164d-c1de-47a5-804f-d4d1290fa524" Stencil="System.Storyboarding.Common" StencilRevisionId="68ea164d-c1de-47a5-804f-d4d1290fa524" StencilVersion="0.1"/>
-</Control>
-</file>
-
-<file path=customXml/item28.xml><?xml version="1.0" encoding="utf-8"?>
-<Control xmlns="http://schemas.microsoft.com/VisualStudio/2011/storyboarding/control/v1.0">
-  <Id Name="System.Storyboard.Stencil.Label" RevisionId="00000000-0000-0000-0000-000000000000" Stencil="System.Common" StencilRevisionId="00000000-0000-0000-0000-000000000000" StencilVersion="1.0"/>
-</Control>
-</file>
-
-<file path=customXml/item29.xml><?xml version="1.0" encoding="utf-8"?>
 <ct:contentTypeSchema xmlns:ct="http://schemas.microsoft.com/office/2006/metadata/contentType" xmlns:ma="http://schemas.microsoft.com/office/2006/metadata/properties/metaAttributes" ct:_="" ma:_="" ma:contentTypeName="Document" ma:contentTypeID="0x01010022C9F813607D1D469674AAA3D24DC85B" ma:contentTypeVersion="0" ma:contentTypeDescription="Create a new document." ma:contentTypeScope="" ma:versionID="2370c695874a1292907530ead749c2be">
   <xsd:schema xmlns:xsd="http://www.w3.org/2001/XMLSchema" xmlns:xs="http://www.w3.org/2001/XMLSchema" xmlns:p="http://schemas.microsoft.com/office/2006/metadata/properties" xmlns:ns2="b4ebf394-daf6-497a-96c5-a2f8c10b38cf" targetNamespace="http://schemas.microsoft.com/office/2006/metadata/properties" ma:root="true" ma:fieldsID="9b19f9f2e3a2b2958cd8578711e95110" ns2:_="">
     <xsd:import namespace="b4ebf394-daf6-497a-96c5-a2f8c10b38cf"/>
@@ -5198,79 +9492,40 @@
 </ct:contentTypeSchema>
 </file>
 
-<file path=customXml/item3.xml><?xml version="1.0" encoding="utf-8"?>
+<file path=customXml/item19.xml><?xml version="1.0" encoding="utf-8"?>
+<?mso-contentType ?>
+<FormTemplates xmlns="http://schemas.microsoft.com/sharepoint/v3/contenttype/forms">
+  <Display>DocumentLibraryForm</Display>
+  <Edit>DocumentLibraryForm</Edit>
+  <New>DocumentLibraryForm</New>
+</FormTemplates>
+</file>
+
+<file path=customXml/item2.xml><?xml version="1.0" encoding="utf-8"?>
 <Control xmlns="http://schemas.microsoft.com/VisualStudio/2011/storyboarding/control/v1.0">
-  <Id Name="System.Storyboard.Stencil.VerticalScrollbar" RevisionId="00000000-0000-0000-0000-000000000000" Stencil="System.Common" StencilRevisionId="00000000-0000-0000-0000-000000000000" StencilVersion="1.0"/>
-</Control>
-</file>
-
-<file path=customXml/item30.xml><?xml version="1.0" encoding="utf-8"?>
+  <Id Name="System.Storyboard.Stencil.Browser" RevisionId="bdb52a43-f875-417f-a3f8-9b0259dd3051" Stencil="System.Backgrounds" StencilRevisionId="bdb52a43-f875-417f-a3f8-9b0259dd3051" StencilVersion="1.0"/>
+</Control>
+</file>
+
+<file path=customXml/item20.xml><?xml version="1.0" encoding="utf-8"?>
 <Control xmlns="http://schemas.microsoft.com/VisualStudio/2011/storyboarding/control/v1.0">
-  <Id Name="System.Storyboard.Stencil.PhoneApplicationBar" RevisionId="00000000-0000-0000-0000-000000000000" Stencil="System.Windows_Phone_7" StencilRevisionId="00000000-0000-0000-0000-000000000000" StencilVersion="1.0"/>
-</Control>
-</file>
-
-<file path=customXml/item31.xml><?xml version="1.0" encoding="utf-8"?>
-<Control xmlns="http://schemas.microsoft.com/VisualStudio/2011/storyboarding/control/v1.0">
-  <Id Name="System.Storyboarding.Common.Breadcrumb" RevisionId="68ea164d-c1de-47a5-804f-d4d1290fa524" Stencil="System.Storyboarding.Common" StencilRevisionId="68ea164d-c1de-47a5-804f-d4d1290fa524" StencilVersion="0.1"/>
-</Control>
-</file>
-
-<file path=customXml/item32.xml><?xml version="1.0" encoding="utf-8"?>
+  <Id Name="System.Storyboard.Stencil.PhoneTile" RevisionId="00000000-0000-0000-0000-000000000000" Stencil="System.Windows_Phone_7" StencilRevisionId="00000000-0000-0000-0000-000000000000" StencilVersion="1.0"/>
+</Control>
+</file>
+
+<file path=customXml/item21.xml><?xml version="1.0" encoding="utf-8"?>
 <Control xmlns="http://schemas.microsoft.com/VisualStudio/2011/storyboarding/control/v1.0">
   <Id Name="System.Storyboard.Stencil.DropdownBox" RevisionId="00000000-0000-0000-0000-000000000000" Stencil="System.Common" StencilRevisionId="00000000-0000-0000-0000-000000000000" StencilVersion="1.0"/>
 </Control>
 </file>
 
-<file path=customXml/item33.xml><?xml version="1.0" encoding="utf-8"?>
-<Control xmlns="http://schemas.microsoft.com/VisualStudio/2011/storyboarding/control/v1.0">
-  <Id Name="System.Storyboard.Stencil.TreeList" RevisionId="00000000-0000-0000-0000-000000000000" Stencil="System.Common" StencilRevisionId="00000000-0000-0000-0000-000000000000" StencilVersion="1.0"/>
-</Control>
-</file>
-
-<file path=customXml/item34.xml><?xml version="1.0" encoding="utf-8"?>
-<Control xmlns="http://schemas.microsoft.com/VisualStudio/2011/storyboarding/control/v1.0">
-  <Id Name="System.Storyboard.Stencil.VideoPlayer" RevisionId="00000000-0000-0000-0000-000000000000" Stencil="System.Media" StencilRevisionId="00000000-0000-0000-0000-000000000000" StencilVersion="1.0"/>
-</Control>
-</file>
-
-<file path=customXml/item35.xml><?xml version="1.0" encoding="utf-8"?>
-<Control xmlns="http://schemas.microsoft.com/VisualStudio/2011/storyboarding/control/v1.0">
-  <Id Name="System.Storyboard.Stencil.VerticalScrollbar" RevisionId="00000000-0000-0000-0000-000000000000" Stencil="System.Common" StencilRevisionId="00000000-0000-0000-0000-000000000000" StencilVersion="1.0"/>
-</Control>
-</file>
-
-<file path=customXml/item36.xml><?xml version="1.0" encoding="utf-8"?>
-<Control xmlns="http://schemas.microsoft.com/VisualStudio/2011/storyboarding/control/v1.0">
-  <Id Name="System.Storyboard.Stencil.Hyperlink" RevisionId="00000000-0000-0000-0000-000000000000" Stencil="System.Common" StencilRevisionId="00000000-0000-0000-0000-000000000000" StencilVersion="1.0"/>
-</Control>
-</file>
-
-<file path=customXml/item37.xml><?xml version="1.0" encoding="utf-8"?>
+<file path=customXml/item22.xml><?xml version="1.0" encoding="utf-8"?>
 <Control xmlns="http://schemas.microsoft.com/VisualStudio/2011/storyboarding/control/v1.0">
   <Id Name="System.Storyboard.Stencil.Breadcrumb" RevisionId="00000000-0000-0000-0000-000000000000" Stencil="System.Common" StencilRevisionId="00000000-0000-0000-0000-000000000000" StencilVersion="1.0"/>
 </Control>
 </file>
 
-<file path=customXml/item38.xml><?xml version="1.0" encoding="utf-8"?>
-<Control xmlns="http://schemas.microsoft.com/VisualStudio/2011/storyboarding/control/v1.0">
-  <Id Name="System.Storyboarding.Common.SearchBox" RevisionId="68ea164d-c1de-47a5-804f-d4d1290fa524" Stencil="System.Storyboarding.Common" StencilRevisionId="68ea164d-c1de-47a5-804f-d4d1290fa524" StencilVersion="0.1"/>
-</Control>
-</file>
-
-<file path=customXml/item39.xml><?xml version="1.0" encoding="utf-8"?>
-<Control xmlns="http://schemas.microsoft.com/VisualStudio/2011/storyboarding/control/v1.0">
-  <Id Name="System.Storyboard.Stencil.ColorPicker" RevisionId="00000000-0000-0000-0000-000000000000" Stencil="System.Media" StencilRevisionId="00000000-0000-0000-0000-000000000000" StencilVersion="1.0"/>
-</Control>
-</file>
-
-<file path=customXml/item4.xml><?xml version="1.0" encoding="utf-8"?>
-<Control xmlns="http://schemas.microsoft.com/VisualStudio/2011/storyboarding/control">
-  <Id Name="System.Storyboarding.Backgrounds.WindowsPhoneLandscape" RevisionId="bdb52a43-f875-417f-a3f8-9b0259dd3051" Stencil="System.Storyboarding.Backgrounds" StencilRevisionId="bdb52a43-f875-417f-a3f8-9b0259dd3051" StencilVersion="0.1"/>
-</Control>
-</file>
-
-<file path=customXml/item40.xml><?xml version="1.0" encoding="utf-8"?>
+<file path=customXml/item23.xml><?xml version="1.0" encoding="utf-8"?>
 <p:properties xmlns:p="http://schemas.microsoft.com/office/2006/metadata/properties" xmlns:xsi="http://www.w3.org/2001/XMLSchema-instance" xmlns:pc="http://schemas.microsoft.com/office/infopath/2007/PartnerControls">
   <documentManagement>
     <_dlc_DocId xmlns="b4ebf394-daf6-497a-96c5-a2f8c10b38cf">TT6HZDVJM2HV-178-540</_dlc_DocId>
@@ -5282,33 +9537,147 @@
 </p:properties>
 </file>
 
+<file path=customXml/item24.xml><?xml version="1.0" encoding="utf-8"?>
+<Control xmlns="http://schemas.microsoft.com/VisualStudio/2011/storyboarding/control/v1.0">
+  <Id Name="System.Storyboard.Stencil.TreeList" RevisionId="00000000-0000-0000-0000-000000000000" Stencil="System.Common" StencilRevisionId="00000000-0000-0000-0000-000000000000" StencilVersion="1.0"/>
+</Control>
+</file>
+
+<file path=customXml/item25.xml><?xml version="1.0" encoding="utf-8"?>
+<Control xmlns="http://schemas.microsoft.com/VisualStudio/2011/storyboarding/control/v1.0">
+  <Id Name="System.Storyboard.Stencil.Title" RevisionId="00000000-0000-0000-0000-000000000000" Stencil="System.Common" StencilRevisionId="00000000-0000-0000-0000-000000000000" StencilVersion="1.0"/>
+</Control>
+</file>
+
+<file path=customXml/item26.xml><?xml version="1.0" encoding="utf-8"?>
+<Control xmlns="http://schemas.microsoft.com/VisualStudio/2011/storyboarding/control/v1.0">
+  <Id Name="System.Storyboarding.Icons.Help" RevisionId="05cd6d03-c0b2-488e-98a7-d68de69a2cfc" Stencil="System.Storyboarding.Icons" StencilRevisionId="05cd6d03-c0b2-488e-98a7-d68de69a2cfc" StencilVersion="0.1"/>
+</Control>
+</file>
+
+<file path=customXml/item27.xml><?xml version="1.0" encoding="utf-8"?>
+<Control xmlns="http://schemas.microsoft.com/VisualStudio/2011/storyboarding/control/v1.0">
+  <Id Name="System.Storyboarding.Common.Text" RevisionId="68ea164d-c1de-47a5-804f-d4d1290fa524" Stencil="System.Storyboarding.Common" StencilRevisionId="68ea164d-c1de-47a5-804f-d4d1290fa524" StencilVersion="0.1"/>
+</Control>
+</file>
+
+<file path=customXml/item28.xml><?xml version="1.0" encoding="utf-8"?>
+<Control xmlns="http://schemas.microsoft.com/VisualStudio/2011/storyboarding/control/v1.0">
+  <Id Name="System.Storyboard.Stencil.PieChart" RevisionId="00000000-0000-0000-0000-000000000000" Stencil="System.Media" StencilRevisionId="00000000-0000-0000-0000-000000000000" StencilVersion="1.0"/>
+</Control>
+</file>
+
+<file path=customXml/item29.xml><?xml version="1.0" encoding="utf-8"?>
+<Control xmlns="http://schemas.microsoft.com/VisualStudio/2011/storyboarding/control">
+  <Id Name="System.Storyboarding.Common.TextInput" Revision="1" Stencil="System.Storyboarding.Common" StencilVersion="0.1"/>
+</Control>
+</file>
+
+<file path=customXml/item3.xml><?xml version="1.0" encoding="utf-8"?>
+<Control xmlns="http://schemas.microsoft.com/VisualStudio/2011/storyboarding/control/v1.0">
+  <Id Name="System.Storyboard.Stencil.VerticalSplitter" RevisionId="00000000-0000-0000-0000-000000000000" Stencil="System.Windows" StencilRevisionId="00000000-0000-0000-0000-000000000000" StencilVersion="1.0"/>
+</Control>
+</file>
+
+<file path=customXml/item30.xml><?xml version="1.0" encoding="utf-8"?>
+<Control xmlns="http://schemas.microsoft.com/VisualStudio/2011/storyboarding/control">
+  <Id Name="System.Storyboarding.Backgrounds.SharePoint" RevisionId="bdb52a43-f875-417f-a3f8-9b0259dd3051" Stencil="System.Storyboarding.Backgrounds" StencilRevisionId="bdb52a43-f875-417f-a3f8-9b0259dd3051" StencilVersion="0.1"/>
+</Control>
+</file>
+
+<file path=customXml/item31.xml><?xml version="1.0" encoding="utf-8"?>
+<Control xmlns="http://schemas.microsoft.com/VisualStudio/2011/storyboarding/control/v1.0">
+  <Id Name="System.Storyboard.Stencil.PhoneTile" RevisionId="00000000-0000-0000-0000-000000000000" Stencil="System.Windows_Phone_7" StencilRevisionId="00000000-0000-0000-0000-000000000000" StencilVersion="1.0"/>
+</Control>
+</file>
+
+<file path=customXml/item32.xml><?xml version="1.0" encoding="utf-8"?>
+<Control xmlns="http://schemas.microsoft.com/VisualStudio/2011/storyboarding/control/v1.0">
+  <Id Name="System.Storyboarding.Common.DropdownBox" RevisionId="68ea164d-c1de-47a5-804f-d4d1290fa524" Stencil="System.Storyboarding.Common" StencilRevisionId="68ea164d-c1de-47a5-804f-d4d1290fa524" StencilVersion="0.1"/>
+</Control>
+</file>
+
+<file path=customXml/item33.xml><?xml version="1.0" encoding="utf-8"?>
+<Control xmlns="http://schemas.microsoft.com/VisualStudio/2011/storyboarding/control">
+  <Id Name="System.Storyboarding.Backgrounds.WindowsPhoneLandscape" RevisionId="bdb52a43-f875-417f-a3f8-9b0259dd3051" Stencil="System.Storyboarding.Backgrounds" StencilRevisionId="bdb52a43-f875-417f-a3f8-9b0259dd3051" StencilVersion="0.1"/>
+</Control>
+</file>
+
+<file path=customXml/item34.xml><?xml version="1.0" encoding="utf-8"?>
+<Control xmlns="http://schemas.microsoft.com/VisualStudio/2011/storyboarding/control/v1.0">
+  <Id Name="System.Storyboard.Stencil.Button" RevisionId="00000000-0000-0000-0000-000000000000" Stencil="System.Common" StencilRevisionId="00000000-0000-0000-0000-000000000000" StencilVersion="1.0"/>
+</Control>
+</file>
+
+<file path=customXml/item35.xml><?xml version="1.0" encoding="utf-8"?>
+<Control xmlns="http://schemas.microsoft.com/VisualStudio/2011/storyboarding/control">
+  <Id Name="System.Storyboarding.WindowsPhoneIcons.Video" RevisionId="5814b1e0-0169-11e0-a976-0800200c9a66" Stencil="System.Storyboarding.WindowsPhoneIcons" StencilRevisionId="5814b1e0-0169-11e0-a976-0800200c9a66" StencilVersion="0.1"/>
+</Control>
+</file>
+
+<file path=customXml/item36.xml><?xml version="1.0" encoding="utf-8"?>
+<Control xmlns="http://schemas.microsoft.com/VisualStudio/2011/storyboarding/control/v1.0">
+  <Id Name="System.Storyboard.Stencil.ColorPicker" RevisionId="00000000-0000-0000-0000-000000000000" Stencil="System.Media" StencilRevisionId="00000000-0000-0000-0000-000000000000" StencilVersion="1.0"/>
+</Control>
+</file>
+
+<file path=customXml/item37.xml><?xml version="1.0" encoding="utf-8"?>
+<Control xmlns="http://schemas.microsoft.com/VisualStudio/2011/storyboarding/control/v1.0">
+  <Id Name="System.Storyboarding.Common.Text" RevisionId="68ea164d-c1de-47a5-804f-d4d1290fa524" Stencil="System.Storyboarding.Common" StencilRevisionId="68ea164d-c1de-47a5-804f-d4d1290fa524" StencilVersion="0.1"/>
+</Control>
+</file>
+
+<file path=customXml/item38.xml><?xml version="1.0" encoding="utf-8"?>
+<Control xmlns="http://schemas.microsoft.com/VisualStudio/2011/storyboarding/control/v1.0">
+  <Id Name="System.Storyboard.Stencil.PhoneApplicationBar" RevisionId="00000000-0000-0000-0000-000000000000" Stencil="System.Windows_Phone_7" StencilRevisionId="00000000-0000-0000-0000-000000000000" StencilVersion="1.0"/>
+</Control>
+</file>
+
+<file path=customXml/item39.xml><?xml version="1.0" encoding="utf-8"?>
+<Control xmlns="http://schemas.microsoft.com/VisualStudio/2011/storyboarding/control/v1.0">
+  <Id Name="System.Storyboard.Stencil.VerticalScrollbar" RevisionId="00000000-0000-0000-0000-000000000000" Stencil="System.Common" StencilRevisionId="00000000-0000-0000-0000-000000000000" StencilVersion="1.0"/>
+</Control>
+</file>
+
+<file path=customXml/item4.xml><?xml version="1.0" encoding="utf-8"?>
+<Control xmlns="http://schemas.microsoft.com/VisualStudio/2011/storyboarding/control/v1.0">
+  <Id Name="System.Storyboard.Stencil.ColorPicker" RevisionId="00000000-0000-0000-0000-000000000000" Stencil="System.Media" StencilRevisionId="00000000-0000-0000-0000-000000000000" StencilVersion="1.0"/>
+</Control>
+</file>
+
+<file path=customXml/item40.xml><?xml version="1.0" encoding="utf-8"?>
+<Control xmlns="http://schemas.microsoft.com/VisualStudio/2011/storyboarding/control/v1.0">
+  <Id Name="System.Storyboard.Stencil.Title" RevisionId="00000000-0000-0000-0000-000000000000" Stencil="System.Common" StencilRevisionId="00000000-0000-0000-0000-000000000000" StencilVersion="1.0"/>
+</Control>
+</file>
+
 <file path=customXml/item41.xml><?xml version="1.0" encoding="utf-8"?>
 <Control xmlns="http://schemas.microsoft.com/VisualStudio/2011/storyboarding/control/v1.0">
-  <Id Name="System.Storyboard.Stencil.HorizontalScrollbar" RevisionId="00000000-0000-0000-0000-000000000000" Stencil="System.Common" StencilRevisionId="00000000-0000-0000-0000-000000000000" StencilVersion="1.0"/>
+  <Id Name="System.Storyboard.Stencil.DropdownBox" RevisionId="00000000-0000-0000-0000-000000000000" Stencil="System.Common" StencilRevisionId="00000000-0000-0000-0000-000000000000" StencilVersion="1.0"/>
 </Control>
 </file>
 
 <file path=customXml/item42.xml><?xml version="1.0" encoding="utf-8"?>
 <Control xmlns="http://schemas.microsoft.com/VisualStudio/2011/storyboarding/control/v1.0">
-  <Id Name="System.Storyboard.Stencil.LineChart" RevisionId="00000000-0000-0000-0000-000000000000" Stencil="System.Media" StencilRevisionId="00000000-0000-0000-0000-000000000000" StencilVersion="1.0"/>
+  <Id Name="System.Storyboard.Stencil.DatePicker" RevisionId="00000000-0000-0000-0000-000000000000" Stencil="System.Common" StencilRevisionId="00000000-0000-0000-0000-000000000000" StencilVersion="1.0"/>
 </Control>
 </file>
 
 <file path=customXml/item43.xml><?xml version="1.0" encoding="utf-8"?>
 <Control xmlns="http://schemas.microsoft.com/VisualStudio/2011/storyboarding/control/v1.0">
-  <Id Name="System.Storyboard.Stencil.Title" RevisionId="00000000-0000-0000-0000-000000000000" Stencil="System.Common" StencilRevisionId="00000000-0000-0000-0000-000000000000" StencilVersion="1.0"/>
+  <Id Name="System.Storyboard.Stencil.PositionControl" RevisionId="00000000-0000-0000-0000-000000000000" Stencil="System.Media" StencilRevisionId="00000000-0000-0000-0000-000000000000" StencilVersion="1.0"/>
 </Control>
 </file>
 
 <file path=customXml/item44.xml><?xml version="1.0" encoding="utf-8"?>
 <Control xmlns="http://schemas.microsoft.com/VisualStudio/2011/storyboarding/control/v1.0">
-  <Id Name="System.Storyboarding.Icons.FolderOpen" RevisionId="05cd6d03-c0b2-488e-98a7-d68de69a2cfc" Stencil="System.Storyboarding.Icons" StencilRevisionId="05cd6d03-c0b2-488e-98a7-d68de69a2cfc" StencilVersion="0.1"/>
+  <Id Name="System.Storyboard.Stencil.PlayControls" RevisionId="00000000-0000-0000-0000-000000000000" Stencil="System.Media" StencilRevisionId="00000000-0000-0000-0000-000000000000" StencilVersion="1.0"/>
 </Control>
 </file>
 
 <file path=customXml/item45.xml><?xml version="1.0" encoding="utf-8"?>
-<Control xmlns="http://schemas.microsoft.com/VisualStudio/2011/storyboarding/control/v1.0">
-  <Id Name="System.Storyboard.Stencil.TreeList" RevisionId="00000000-0000-0000-0000-000000000000" Stencil="System.Common" StencilRevisionId="00000000-0000-0000-0000-000000000000" StencilVersion="1.0"/>
+<Control xmlns="http://schemas.microsoft.com/VisualStudio/2011/storyboarding/control">
+  <Id Name="System.Storyboarding.Common.TextInput" Revision="1" Stencil="System.Storyboarding.Common" StencilVersion="0.1"/>
 </Control>
 </file>
 
@@ -5320,234 +9689,394 @@
 
 <file path=customXml/item47.xml><?xml version="1.0" encoding="utf-8"?>
 <Control xmlns="http://schemas.microsoft.com/VisualStudio/2011/storyboarding/control/v1.0">
-  <Id Name="System.Storyboarding.Common.Text" RevisionId="68ea164d-c1de-47a5-804f-d4d1290fa524" Stencil="System.Storyboarding.Common" StencilRevisionId="68ea164d-c1de-47a5-804f-d4d1290fa524" StencilVersion="0.1"/>
+  <Id Name="System.Storyboard.Stencil.Title" RevisionId="00000000-0000-0000-0000-000000000000" Stencil="System.Common" StencilRevisionId="00000000-0000-0000-0000-000000000000" StencilVersion="1.0"/>
 </Control>
 </file>
 
 <file path=customXml/item48.xml><?xml version="1.0" encoding="utf-8"?>
 <Control xmlns="http://schemas.microsoft.com/VisualStudio/2011/storyboarding/control/v1.0">
-  <Id Name="System.Storyboard.Stencil.DropdownBox" RevisionId="00000000-0000-0000-0000-000000000000" Stencil="System.Common" StencilRevisionId="00000000-0000-0000-0000-000000000000" StencilVersion="1.0"/>
+  <Id Name="System.Storyboarding.Common.Text" RevisionId="68ea164d-c1de-47a5-804f-d4d1290fa524" Stencil="System.Storyboarding.Common" StencilRevisionId="68ea164d-c1de-47a5-804f-d4d1290fa524" StencilVersion="0.1"/>
 </Control>
 </file>
 
 <file path=customXml/item49.xml><?xml version="1.0" encoding="utf-8"?>
 <Control xmlns="http://schemas.microsoft.com/VisualStudio/2011/storyboarding/control/v1.0">
-  <Id Name="System.Storyboard.Stencil.Title" RevisionId="00000000-0000-0000-0000-000000000000" Stencil="System.Common" StencilRevisionId="00000000-0000-0000-0000-000000000000" StencilVersion="1.0"/>
+  <Id Name="System.Storyboard.Stencil.VerticalScrollbar" RevisionId="00000000-0000-0000-0000-000000000000" Stencil="System.Common" StencilRevisionId="00000000-0000-0000-0000-000000000000" StencilVersion="1.0"/>
 </Control>
 </file>
 
 <file path=customXml/item5.xml><?xml version="1.0" encoding="utf-8"?>
-<Control xmlns="http://schemas.microsoft.com/VisualStudio/2011/storyboarding/control">
-  <Id Name="System.Storyboarding.Backgrounds.SharePoint" RevisionId="bdb52a43-f875-417f-a3f8-9b0259dd3051" Stencil="System.Storyboarding.Backgrounds" StencilRevisionId="bdb52a43-f875-417f-a3f8-9b0259dd3051" StencilVersion="0.1"/>
+<Control xmlns="http://schemas.microsoft.com/VisualStudio/2011/storyboarding/control/v1.0">
+  <Id Name="System.Storyboard.Stencil.Group" RevisionId="00000000-0000-0000-0000-000000000000" Stencil="System.Windows" StencilRevisionId="00000000-0000-0000-0000-000000000000" StencilVersion="1.0"/>
 </Control>
 </file>
 
 <file path=customXml/item50.xml><?xml version="1.0" encoding="utf-8"?>
 <Control xmlns="http://schemas.microsoft.com/VisualStudio/2011/storyboarding/control/v1.0">
-  <Id Name="System.Storyboard.Stencil.PositionControl" RevisionId="00000000-0000-0000-0000-000000000000" Stencil="System.Media" StencilRevisionId="00000000-0000-0000-0000-000000000000" StencilVersion="1.0"/>
+  <Id Name="System.Storyboard.Stencil.LineChart" RevisionId="00000000-0000-0000-0000-000000000000" Stencil="System.Media" StencilRevisionId="00000000-0000-0000-0000-000000000000" StencilVersion="1.0"/>
 </Control>
 </file>
 
 <file path=customXml/item51.xml><?xml version="1.0" encoding="utf-8"?>
 <Control xmlns="http://schemas.microsoft.com/VisualStudio/2011/storyboarding/control/v1.0">
+  <Id Name="System.Storyboarding.Common.Text" RevisionId="68ea164d-c1de-47a5-804f-d4d1290fa524" Stencil="System.Storyboarding.Common" StencilRevisionId="68ea164d-c1de-47a5-804f-d4d1290fa524" StencilVersion="0.1"/>
+</Control>
+</file>
+
+<file path=customXml/item52.xml><?xml version="1.0" encoding="utf-8"?>
+<?mso-contentType ?>
+<spe:Receivers xmlns:spe="http://schemas.microsoft.com/sharepoint/events">
+  <Receiver>
+    <Name>Document ID Generator</Name>
+    <Synchronization>Synchronous</Synchronization>
+    <Type>10001</Type>
+    <SequenceNumber>1000</SequenceNumber>
+    <Assembly>Microsoft.Office.DocumentManagement, Version=14.0.0.0, Culture=neutral, PublicKeyToken=71e9bce111e9429c</Assembly>
+    <Class>Microsoft.Office.DocumentManagement.Internal.DocIdHandler</Class>
+    <Data/>
+    <Filter/>
+  </Receiver>
+  <Receiver>
+    <Name>Document ID Generator</Name>
+    <Synchronization>Synchronous</Synchronization>
+    <Type>10002</Type>
+    <SequenceNumber>1001</SequenceNumber>
+    <Assembly>Microsoft.Office.DocumentManagement, Version=14.0.0.0, Culture=neutral, PublicKeyToken=71e9bce111e9429c</Assembly>
+    <Class>Microsoft.Office.DocumentManagement.Internal.DocIdHandler</Class>
+    <Data/>
+    <Filter/>
+  </Receiver>
+  <Receiver>
+    <Name>Document ID Generator</Name>
+    <Synchronization>Synchronous</Synchronization>
+    <Type>10004</Type>
+    <SequenceNumber>1002</SequenceNumber>
+    <Assembly>Microsoft.Office.DocumentManagement, Version=14.0.0.0, Culture=neutral, PublicKeyToken=71e9bce111e9429c</Assembly>
+    <Class>Microsoft.Office.DocumentManagement.Internal.DocIdHandler</Class>
+    <Data/>
+    <Filter/>
+  </Receiver>
+  <Receiver>
+    <Name>Document ID Generator</Name>
+    <Synchronization>Synchronous</Synchronization>
+    <Type>10006</Type>
+    <SequenceNumber>1003</SequenceNumber>
+    <Assembly>Microsoft.Office.DocumentManagement, Version=14.0.0.0, Culture=neutral, PublicKeyToken=71e9bce111e9429c</Assembly>
+    <Class>Microsoft.Office.DocumentManagement.Internal.DocIdHandler</Class>
+    <Data/>
+    <Filter/>
+  </Receiver>
+</spe:Receivers>
+</file>
+
+<file path=customXml/item53.xml><?xml version="1.0" encoding="utf-8"?>
+<Control xmlns="http://schemas.microsoft.com/VisualStudio/2011/storyboarding/control/v1.0">
+  <Id Name="System.Storyboard.Stencil.TreeList" RevisionId="00000000-0000-0000-0000-000000000000" Stencil="System.Common" StencilRevisionId="00000000-0000-0000-0000-000000000000" StencilVersion="1.0"/>
+</Control>
+</file>
+
+<file path=customXml/item54.xml><?xml version="1.0" encoding="utf-8"?>
+<Control xmlns="http://schemas.microsoft.com/VisualStudio/2011/storyboarding/control/v1.0">
+  <Id Name="System.Storyboarding.Common.SearchBox" RevisionId="68ea164d-c1de-47a5-804f-d4d1290fa524" Stencil="System.Storyboarding.Common" StencilRevisionId="68ea164d-c1de-47a5-804f-d4d1290fa524" StencilVersion="0.1"/>
+</Control>
+</file>
+
+<file path=customXml/item55.xml><?xml version="1.0" encoding="utf-8"?>
+<Control xmlns="http://schemas.microsoft.com/VisualStudio/2011/storyboarding/control">
+  <Id Name="System.Storyboarding.Backgrounds.RibbonApplication" RevisionId="bdb52a43-f875-417f-a3f8-9b0259dd3051" Stencil="System.Storyboarding.Backgrounds" StencilRevisionId="bdb52a43-f875-417f-a3f8-9b0259dd3051" StencilVersion="0.1"/>
+</Control>
+</file>
+
+<file path=customXml/item56.xml><?xml version="1.0" encoding="utf-8"?>
+<Control xmlns="http://schemas.microsoft.com/VisualStudio/2011/storyboarding/control/v1.0">
+  <Id Name="System.Storyboard.Stencil.Calendar" RevisionId="00000000-0000-0000-0000-000000000000" Stencil="System.Common" StencilRevisionId="00000000-0000-0000-0000-000000000000" StencilVersion="1.0"/>
+</Control>
+</file>
+
+<file path=customXml/item57.xml><?xml version="1.0" encoding="utf-8"?>
+<Control xmlns="http://schemas.microsoft.com/VisualStudio/2011/storyboarding/control/v1.0">
+  <Id Name="System.Storyboard.Stencil.PhoneTile" RevisionId="00000000-0000-0000-0000-000000000000" Stencil="System.Windows_Phone_7" StencilRevisionId="00000000-0000-0000-0000-000000000000" StencilVersion="1.0"/>
+</Control>
+</file>
+
+<file path=customXml/item58.xml><?xml version="1.0" encoding="utf-8"?>
+<Control xmlns="http://schemas.microsoft.com/VisualStudio/2011/storyboarding/control">
+  <Id Name="System.Storyboarding.Backgrounds.Window" RevisionId="bdb52a43-f875-417f-a3f8-9b0259dd3051" Stencil="System.Storyboarding.Backgrounds" StencilRevisionId="bdb52a43-f875-417f-a3f8-9b0259dd3051" StencilVersion="0.1"/>
+</Control>
+</file>
+
+<file path=customXml/item59.xml><?xml version="1.0" encoding="utf-8"?>
+<Control xmlns="http://schemas.microsoft.com/VisualStudio/2011/storyboarding/control/v1.0">
+  <Id Name="System.Storyboard.Stencil.HorizontalScrollbar" RevisionId="00000000-0000-0000-0000-000000000000" Stencil="System.Common" StencilRevisionId="00000000-0000-0000-0000-000000000000" StencilVersion="1.0"/>
+</Control>
+</file>
+
+<file path=customXml/item6.xml><?xml version="1.0" encoding="utf-8"?>
+<Control xmlns="http://schemas.microsoft.com/VisualStudio/2011/storyboarding/control/v1.0">
+  <Id Name="System.Storyboard.Stencil.VideoPlayer" RevisionId="00000000-0000-0000-0000-000000000000" Stencil="System.Media" StencilRevisionId="00000000-0000-0000-0000-000000000000" StencilVersion="1.0"/>
+</Control>
+</file>
+
+<file path=customXml/item60.xml><?xml version="1.0" encoding="utf-8"?>
+<Control xmlns="http://schemas.microsoft.com/VisualStudio/2011/storyboarding/control/v1.0">
+  <Id Name="System.Storyboarding.Common.Text" RevisionId="68ea164d-c1de-47a5-804f-d4d1290fa524" Stencil="System.Storyboarding.Common" StencilRevisionId="68ea164d-c1de-47a5-804f-d4d1290fa524" StencilVersion="0.1"/>
+</Control>
+</file>
+
+<file path=customXml/item61.xml><?xml version="1.0" encoding="utf-8"?>
+<Control xmlns="http://schemas.microsoft.com/VisualStudio/2011/storyboarding/control/v1.0">
+  <Id Name="System.Storyboard.Stencil.Label" RevisionId="00000000-0000-0000-0000-000000000000" Stencil="System.Common" StencilRevisionId="00000000-0000-0000-0000-000000000000" StencilVersion="1.0"/>
+</Control>
+</file>
+
+<file path=customXml/item62.xml><?xml version="1.0" encoding="utf-8"?>
+<Control xmlns="http://schemas.microsoft.com/VisualStudio/2011/storyboarding/control/v1.0">
+  <Id Name="System.Storyboard.Stencil.PhoneTile" RevisionId="00000000-0000-0000-0000-000000000000" Stencil="System.Windows_Phone_7" StencilRevisionId="00000000-0000-0000-0000-000000000000" StencilVersion="1.0"/>
+</Control>
+</file>
+
+<file path=customXml/item63.xml><?xml version="1.0" encoding="utf-8"?>
+<Control xmlns="http://schemas.microsoft.com/VisualStudio/2011/storyboarding/control">
+  <Id Name="System.Storyboarding.Backgrounds.Window" Revision="1" Stencil="System.Storyboarding.Backgrounds" StencilVersion="0.1"/>
+</Control>
+</file>
+
+<file path=customXml/item64.xml><?xml version="1.0" encoding="utf-8"?>
+<Control xmlns="http://schemas.microsoft.com/VisualStudio/2011/storyboarding/control/v1.0">
+  <Id Name="System.Storyboard.Stencil.Image" RevisionId="00000000-0000-0000-0000-000000000000" Stencil="System.Media" StencilRevisionId="00000000-0000-0000-0000-000000000000" StencilVersion="1.0"/>
+</Control>
+</file>
+
+<file path=customXml/item65.xml><?xml version="1.0" encoding="utf-8"?>
+<Control xmlns="http://schemas.microsoft.com/VisualStudio/2011/storyboarding/control/v1.0">
+  <Id Name="System.Storyboard.Stencil.TabGroup" RevisionId="00000000-0000-0000-0000-000000000000" Stencil="System.Common" StencilRevisionId="00000000-0000-0000-0000-000000000000" StencilVersion="1.0"/>
+</Control>
+</file>
+
+<file path=customXml/item66.xml><?xml version="1.0" encoding="utf-8"?>
+<Control xmlns="http://schemas.microsoft.com/VisualStudio/2011/storyboarding/control/v1.0">
+  <Id Name="System.Storyboard.Stencil.WidePhoneTile" RevisionId="00000000-0000-0000-0000-000000000000" Stencil="System.Windows_Phone_7" StencilRevisionId="00000000-0000-0000-0000-000000000000" StencilVersion="1.0"/>
+</Control>
+</file>
+
+<file path=customXml/item67.xml><?xml version="1.0" encoding="utf-8"?>
+<Control xmlns="http://schemas.microsoft.com/VisualStudio/2011/storyboarding/control/v1.0">
+  <Id Name="System.Storyboard.Stencil.FourItemList" RevisionId="00000000-0000-0000-0000-000000000000" Stencil="System.Common" StencilRevisionId="00000000-0000-0000-0000-000000000000" StencilVersion="1.0"/>
+</Control>
+</file>
+
+<file path=customXml/item68.xml><?xml version="1.0" encoding="utf-8"?>
+<Control xmlns="http://schemas.microsoft.com/VisualStudio/2011/storyboarding/control/v1.0">
+  <Id Name="System.Storyboard.Stencil.Label" RevisionId="00000000-0000-0000-0000-000000000000" Stencil="System.Common" StencilRevisionId="00000000-0000-0000-0000-000000000000" StencilVersion="1.0"/>
+</Control>
+</file>
+
+<file path=customXml/item69.xml><?xml version="1.0" encoding="utf-8"?>
+<Control xmlns="http://schemas.microsoft.com/VisualStudio/2011/storyboarding/control/v1.0">
+  <Id Name="System.Storyboard.Stencil.Hyperlink" RevisionId="00000000-0000-0000-0000-000000000000" Stencil="System.Common" StencilRevisionId="00000000-0000-0000-0000-000000000000" StencilVersion="1.0"/>
+</Control>
+</file>
+
+<file path=customXml/item7.xml><?xml version="1.0" encoding="utf-8"?>
+<Control xmlns="http://schemas.microsoft.com/VisualStudio/2011/storyboarding/control/v1.0">
+  <Id Name="System.Storyboard.Stencil.LineChart" RevisionId="00000000-0000-0000-0000-000000000000" Stencil="System.Media" StencilRevisionId="00000000-0000-0000-0000-000000000000" StencilVersion="1.0"/>
+</Control>
+</file>
+
+<file path=customXml/item70.xml><?xml version="1.0" encoding="utf-8"?>
+<Control xmlns="http://schemas.microsoft.com/VisualStudio/2011/storyboarding/control/v1.0">
   <Id Name="System.Storyboard.Stencil.Title" RevisionId="00000000-0000-0000-0000-000000000000" Stencil="System.Common" StencilRevisionId="00000000-0000-0000-0000-000000000000" StencilVersion="1.0"/>
 </Control>
 </file>
 
-<file path=customXml/item52.xml><?xml version="1.0" encoding="utf-8"?>
+<file path=customXml/item71.xml><?xml version="1.0" encoding="utf-8"?>
+<Control xmlns="http://schemas.microsoft.com/VisualStudio/2011/storyboarding/control">
+  <Id Name="System.Storyboarding.Backgrounds.WindowsPhone" RevisionId="bdb52a43-f875-417f-a3f8-9b0259dd3051" Stencil="System.Storyboarding.Backgrounds" StencilRevisionId="bdb52a43-f875-417f-a3f8-9b0259dd3051" StencilVersion="0.1"/>
+</Control>
+</file>
+
+<file path=customXml/item72.xml><?xml version="1.0" encoding="utf-8"?>
+<Control xmlns="http://schemas.microsoft.com/VisualStudio/2011/storyboarding/control/v1.0">
+  <Id Name="System.Storyboard.Stencil.TextArea" RevisionId="00000000-0000-0000-0000-000000000000" Stencil="System.Common" StencilRevisionId="00000000-0000-0000-0000-000000000000" StencilVersion="1.0"/>
+</Control>
+</file>
+
+<file path=customXml/item73.xml><?xml version="1.0" encoding="utf-8"?>
+<Control xmlns="http://schemas.microsoft.com/VisualStudio/2011/storyboarding/control/v1.0">
+  <Id Name="System.Storyboarding.Common.Breadcrumb" RevisionId="68ea164d-c1de-47a5-804f-d4d1290fa524" Stencil="System.Storyboarding.Common" StencilRevisionId="68ea164d-c1de-47a5-804f-d4d1290fa524" StencilVersion="0.1"/>
+</Control>
+</file>
+
+<file path=customXml/item74.xml><?xml version="1.0" encoding="utf-8"?>
+<Control xmlns="http://schemas.microsoft.com/VisualStudio/2011/storyboarding/control/v1.0">
+  <Id Name="System.Storyboarding.Icons.FolderOpen" RevisionId="05cd6d03-c0b2-488e-98a7-d68de69a2cfc" Stencil="System.Storyboarding.Icons" StencilRevisionId="05cd6d03-c0b2-488e-98a7-d68de69a2cfc" StencilVersion="0.1"/>
+</Control>
+</file>
+
+<file path=customXml/item75.xml><?xml version="1.0" encoding="utf-8"?>
 <Control xmlns="http://schemas.microsoft.com/VisualStudio/2011/storyboarding/control/v1.0">
   <Id Name="System.Storyboard.Stencil.PieChart" RevisionId="00000000-0000-0000-0000-000000000000" Stencil="System.Media" StencilRevisionId="00000000-0000-0000-0000-000000000000" StencilVersion="1.0"/>
 </Control>
 </file>
 
-<file path=customXml/item53.xml><?xml version="1.0" encoding="utf-8"?>
+<file path=customXml/item76.xml><?xml version="1.0" encoding="utf-8"?>
 <Control xmlns="http://schemas.microsoft.com/VisualStudio/2011/storyboarding/control/v1.0">
-  <Id Name="System.Storyboard.Stencil.Title" RevisionId="00000000-0000-0000-0000-000000000000" Stencil="System.Common" StencilRevisionId="00000000-0000-0000-0000-000000000000" StencilVersion="1.0"/>
-</Control>
-</file>
-
-<file path=customXml/item54.xml><?xml version="1.0" encoding="utf-8"?>
+  <Id Name="System.Storyboard.Stencil.PhoneTile" RevisionId="00000000-0000-0000-0000-000000000000" Stencil="System.Windows_Phone_7" StencilRevisionId="00000000-0000-0000-0000-000000000000" StencilVersion="1.0"/>
+</Control>
+</file>
+
+<file path=customXml/item77.xml><?xml version="1.0" encoding="utf-8"?>
+<Control xmlns="http://schemas.microsoft.com/VisualStudio/2011/storyboarding/control/v1.0">
+  <Id Name="System.Storyboard.Stencil.WidePhoneTile" RevisionId="00000000-0000-0000-0000-000000000000" Stencil="System.Windows_Phone_7" StencilRevisionId="00000000-0000-0000-0000-000000000000" StencilVersion="1.0"/>
+</Control>
+</file>
+
+<file path=customXml/item78.xml><?xml version="1.0" encoding="utf-8"?>
+<Control xmlns="http://schemas.microsoft.com/VisualStudio/2011/storyboarding/control/v1.0">
+  <Id Name="System.Storyboard.Stencil.StatusBar" RevisionId="00000000-0000-0000-0000-000000000000" Stencil="System.Windows" StencilRevisionId="00000000-0000-0000-0000-000000000000" StencilVersion="1.0"/>
+</Control>
+</file>
+
+<file path=customXml/item79.xml><?xml version="1.0" encoding="utf-8"?>
+<Control xmlns="http://schemas.microsoft.com/VisualStudio/2011/storyboarding/control">
+  <Id Name="System.Storyboarding.Common.Text" Revision="1" Stencil="System.Storyboarding.Common" StencilVersion="0.1"/>
+</Control>
+</file>
+
+<file path=customXml/item8.xml><?xml version="1.0" encoding="utf-8"?>
 <Control xmlns="http://schemas.microsoft.com/VisualStudio/2011/storyboarding/control/v1.0">
   <Id Name="System.Storyboarding.Common.Text" RevisionId="68ea164d-c1de-47a5-804f-d4d1290fa524" Stencil="System.Storyboarding.Common" StencilRevisionId="68ea164d-c1de-47a5-804f-d4d1290fa524" StencilVersion="0.1"/>
 </Control>
 </file>
 
-<file path=customXml/item55.xml><?xml version="1.0" encoding="utf-8"?>
-<Control xmlns="http://schemas.microsoft.com/VisualStudio/2011/storyboarding/control/v1.0">
-  <Id Name="System.Storyboard.Stencil.PhoneNotification" RevisionId="00000000-0000-0000-0000-000000000000" Stencil="System.Windows_Phone_7" StencilRevisionId="00000000-0000-0000-0000-000000000000" StencilVersion="1.0"/>
-</Control>
-</file>
-
-<file path=customXml/item56.xml><?xml version="1.0" encoding="utf-8"?>
-<Control xmlns="http://schemas.microsoft.com/VisualStudio/2011/storyboarding/control/v1.0">
-  <Id Name="System.Storyboard.Stencil.DatePicker" RevisionId="00000000-0000-0000-0000-000000000000" Stencil="System.Common" StencilRevisionId="00000000-0000-0000-0000-000000000000" StencilVersion="1.0"/>
-</Control>
-</file>
-
-<file path=customXml/item57.xml><?xml version="1.0" encoding="utf-8"?>
+<file path=customXml/item80.xml><?xml version="1.0" encoding="utf-8"?>
 <Control xmlns="http://schemas.microsoft.com/VisualStudio/2011/storyboarding/control">
-  <Id Name="System.Storyboarding.Backgrounds.WindowsPhone" RevisionId="bdb52a43-f875-417f-a3f8-9b0259dd3051" Stencil="System.Storyboarding.Backgrounds" StencilRevisionId="bdb52a43-f875-417f-a3f8-9b0259dd3051" StencilVersion="0.1"/>
-</Control>
-</file>
-
-<file path=customXml/item58.xml><?xml version="1.0" encoding="utf-8"?>
-<Control xmlns="http://schemas.microsoft.com/VisualStudio/2011/storyboarding/control/v1.0">
-  <Id Name="System.Storyboarding.Icons.Help" RevisionId="05cd6d03-c0b2-488e-98a7-d68de69a2cfc" Stencil="System.Storyboarding.Icons" StencilRevisionId="05cd6d03-c0b2-488e-98a7-d68de69a2cfc" StencilVersion="0.1"/>
-</Control>
-</file>
-
-<file path=customXml/item59.xml><?xml version="1.0" encoding="utf-8"?>
-<Control xmlns="http://schemas.microsoft.com/VisualStudio/2011/storyboarding/control/v1.0">
-  <Id Name="System.Storyboard.Stencil.Calendar" RevisionId="00000000-0000-0000-0000-000000000000" Stencil="System.Common" StencilRevisionId="00000000-0000-0000-0000-000000000000" StencilVersion="1.0"/>
-</Control>
-</file>
-
-<file path=customXml/item6.xml><?xml version="1.0" encoding="utf-8"?>
-<Control xmlns="http://schemas.microsoft.com/VisualStudio/2011/storyboarding/control/v1.0">
-  <Id Name="System.Storyboard.Stencil.TabGroup" RevisionId="00000000-0000-0000-0000-000000000000" Stencil="System.Common" StencilRevisionId="00000000-0000-0000-0000-000000000000" StencilVersion="1.0"/>
-</Control>
-</file>
-
-<file path=customXml/item60.xml><?xml version="1.0" encoding="utf-8"?>
-<Control xmlns="http://schemas.microsoft.com/VisualStudio/2011/storyboarding/control/v1.0">
-  <Id Name="System.Storyboard.Stencil.PhoneTile" RevisionId="00000000-0000-0000-0000-000000000000" Stencil="System.Windows_Phone_7" StencilRevisionId="00000000-0000-0000-0000-000000000000" StencilVersion="1.0"/>
-</Control>
-</file>
-
-<file path=customXml/item61.xml><?xml version="1.0" encoding="utf-8"?>
-<Control xmlns="http://schemas.microsoft.com/VisualStudio/2011/storyboarding/control/v1.0">
-  <Id Name="System.Storyboard.Stencil.PhoneTile" RevisionId="00000000-0000-0000-0000-000000000000" Stencil="System.Windows_Phone_7" StencilRevisionId="00000000-0000-0000-0000-000000000000" StencilVersion="1.0"/>
-</Control>
-</file>
-
-<file path=customXml/item62.xml><?xml version="1.0" encoding="utf-8"?>
-<Control xmlns="http://schemas.microsoft.com/VisualStudio/2011/storyboarding/control/v1.0">
-  <Id Name="System.Storyboard.Stencil.Label" RevisionId="00000000-0000-0000-0000-000000000000" Stencil="System.Common" StencilRevisionId="00000000-0000-0000-0000-000000000000" StencilVersion="1.0"/>
-</Control>
-</file>
-
-<file path=customXml/item63.xml><?xml version="1.0" encoding="utf-8"?>
-<Control xmlns="http://schemas.microsoft.com/VisualStudio/2011/storyboarding/control/v1.0">
-  <Id Name="System.Storyboard.Stencil.PhoneTile" RevisionId="00000000-0000-0000-0000-000000000000" Stencil="System.Windows_Phone_7" StencilRevisionId="00000000-0000-0000-0000-000000000000" StencilVersion="1.0"/>
-</Control>
-</file>
-
-<file path=customXml/item64.xml><?xml version="1.0" encoding="utf-8"?>
+  <Id Name="System.Storyboarding.Common.Button" Revision="1" Stencil="System.Storyboarding.Common" StencilVersion="0.1"/>
+</Control>
+</file>
+
+<file path=customXml/item81.xml><?xml version="1.0" encoding="utf-8"?>
+<Control xmlns="http://schemas.microsoft.com/VisualStudio/2011/storyboarding/control">
+  <Id Name="System.Storyboarding.Common.Button" Revision="1" Stencil="System.Storyboarding.Common" StencilVersion="0.1"/>
+</Control>
+</file>
+
+<file path=customXml/item82.xml><?xml version="1.0" encoding="utf-8"?>
+<Control xmlns="http://schemas.microsoft.com/VisualStudio/2011/storyboarding/control">
+  <Id Name="System.Storyboarding.Common.Text" Revision="1" Stencil="System.Storyboarding.Common" StencilVersion="0.1"/>
+</Control>
+</file>
+
+<file path=customXml/item83.xml><?xml version="1.0" encoding="utf-8"?>
+<Control xmlns="http://schemas.microsoft.com/VisualStudio/2011/storyboarding/control">
+  <Id Name="System.Storyboarding.Common.TextInput" Revision="1" Stencil="System.Storyboarding.Common" StencilVersion="0.1"/>
+</Control>
+</file>
+
+<file path=customXml/item84.xml><?xml version="1.0" encoding="utf-8"?>
+<Control xmlns="http://schemas.microsoft.com/VisualStudio/2011/storyboarding/control">
+  <Id Name="System.Storyboarding.Common.Text" Revision="1" Stencil="System.Storyboarding.Common" StencilVersion="0.1"/>
+</Control>
+</file>
+
+<file path=customXml/item85.xml><?xml version="1.0" encoding="utf-8"?>
+<Control xmlns="http://schemas.microsoft.com/VisualStudio/2011/storyboarding/control">
+  <Id Name="System.Storyboarding.Common.TextInput" Revision="1" Stencil="System.Storyboarding.Common" StencilVersion="0.1"/>
+</Control>
+</file>
+
+<file path=customXml/item86.xml><?xml version="1.0" encoding="utf-8"?>
+<Control xmlns="http://schemas.microsoft.com/VisualStudio/2011/storyboarding/control">
+  <Id Name="System.Storyboarding.Common.Text" Revision="1" Stencil="System.Storyboarding.Common" StencilVersion="0.1"/>
+</Control>
+</file>
+
+<file path=customXml/item87.xml><?xml version="1.0" encoding="utf-8"?>
+<Control xmlns="http://schemas.microsoft.com/VisualStudio/2011/storyboarding/control">
+  <Id Name="System.Storyboarding.Common.TextInput" Revision="1" Stencil="System.Storyboarding.Common" StencilVersion="0.1"/>
+</Control>
+</file>
+
+<file path=customXml/item88.xml><?xml version="1.0" encoding="utf-8"?>
+<Control xmlns="http://schemas.microsoft.com/VisualStudio/2011/storyboarding/control">
+  <Id Name="System.Storyboarding.Common.Text" Revision="1" Stencil="System.Storyboarding.Common" StencilVersion="0.1"/>
+</Control>
+</file>
+
+<file path=customXml/item89.xml><?xml version="1.0" encoding="utf-8"?>
+<Control xmlns="http://schemas.microsoft.com/VisualStudio/2011/storyboarding/control">
+  <Id Name="System.Storyboarding.Common.TextInput" Revision="1" Stencil="System.Storyboarding.Common" StencilVersion="0.1"/>
+</Control>
+</file>
+
+<file path=customXml/item9.xml><?xml version="1.0" encoding="utf-8"?>
 <Control xmlns="http://schemas.microsoft.com/VisualStudio/2011/storyboarding/control/v1.0">
   <Id Name="System.Storyboard.Stencil.PositionControl" RevisionId="00000000-0000-0000-0000-000000000000" Stencil="System.Media" StencilRevisionId="00000000-0000-0000-0000-000000000000" StencilVersion="1.0"/>
 </Control>
 </file>
 
-<file path=customXml/item65.xml><?xml version="1.0" encoding="utf-8"?>
-<Control xmlns="http://schemas.microsoft.com/VisualStudio/2011/storyboarding/control/v1.0">
-  <Id Name="System.Storyboard.Stencil.WidePhoneTile" RevisionId="00000000-0000-0000-0000-000000000000" Stencil="System.Windows_Phone_7" StencilRevisionId="00000000-0000-0000-0000-000000000000" StencilVersion="1.0"/>
-</Control>
-</file>
-
-<file path=customXml/item66.xml><?xml version="1.0" encoding="utf-8"?>
-<Control xmlns="http://schemas.microsoft.com/VisualStudio/2011/storyboarding/control/v1.0">
-  <Id Name="System.Storyboarding.Common.Text" RevisionId="68ea164d-c1de-47a5-804f-d4d1290fa524" Stencil="System.Storyboarding.Common" StencilRevisionId="68ea164d-c1de-47a5-804f-d4d1290fa524" StencilVersion="0.1"/>
-</Control>
-</file>
-
-<file path=customXml/item67.xml><?xml version="1.0" encoding="utf-8"?>
-<Control xmlns="http://schemas.microsoft.com/VisualStudio/2011/storyboarding/control/v1.0">
-  <Id Name="System.Storyboard.Stencil.PhoneTile" RevisionId="00000000-0000-0000-0000-000000000000" Stencil="System.Windows_Phone_7" StencilRevisionId="00000000-0000-0000-0000-000000000000" StencilVersion="1.0"/>
-</Control>
-</file>
-
-<file path=customXml/item68.xml><?xml version="1.0" encoding="utf-8"?>
-<Control xmlns="http://schemas.microsoft.com/VisualStudio/2011/storyboarding/control/v1.0">
-  <Id Name="System.Storyboard.Stencil.VerticalBarChart" RevisionId="00000000-0000-0000-0000-000000000000" Stencil="System.Media" StencilRevisionId="00000000-0000-0000-0000-000000000000" StencilVersion="1.0"/>
-</Control>
-</file>
-
-<file path=customXml/item69.xml><?xml version="1.0" encoding="utf-8"?>
-<Control xmlns="http://schemas.microsoft.com/VisualStudio/2011/storyboarding/control/v1.0">
-  <Id Name="System.Storyboard.Stencil.PlayControls" RevisionId="00000000-0000-0000-0000-000000000000" Stencil="System.Media" StencilRevisionId="00000000-0000-0000-0000-000000000000" StencilVersion="1.0"/>
-</Control>
-</file>
-
-<file path=customXml/item7.xml><?xml version="1.0" encoding="utf-8"?>
-<Control xmlns="http://schemas.microsoft.com/VisualStudio/2011/storyboarding/control/v1.0">
-  <Id Name="System.Storyboard.Stencil.Slider" RevisionId="00000000-0000-0000-0000-000000000000" Stencil="System.Common" StencilRevisionId="00000000-0000-0000-0000-000000000000" StencilVersion="1.0"/>
-</Control>
-</file>
-
-<file path=customXml/item70.xml><?xml version="1.0" encoding="utf-8"?>
-<Control xmlns="http://schemas.microsoft.com/VisualStudio/2011/storyboarding/control/v1.0">
-  <Id Name="System.Storyboard.Stencil.PhoneTile" RevisionId="00000000-0000-0000-0000-000000000000" Stencil="System.Windows_Phone_7" StencilRevisionId="00000000-0000-0000-0000-000000000000" StencilVersion="1.0"/>
-</Control>
-</file>
-
-<file path=customXml/item71.xml><?xml version="1.0" encoding="utf-8"?>
-<Control xmlns="http://schemas.microsoft.com/VisualStudio/2011/storyboarding/control">
-  <Id Name="System.Storyboarding.Backgrounds.WebBrowser" RevisionId="bdb52a43-f875-417f-a3f8-9b0259dd3051" Stencil="System.Storyboarding.Backgrounds" StencilRevisionId="bdb52a43-f875-417f-a3f8-9b0259dd3051" StencilVersion="0.1"/>
-</Control>
-</file>
-
-<file path=customXml/item72.xml><?xml version="1.0" encoding="utf-8"?>
-<Control xmlns="http://schemas.microsoft.com/VisualStudio/2011/storyboarding/control/v1.0">
-  <Id Name="System.Storyboarding.Common.Text" RevisionId="68ea164d-c1de-47a5-804f-d4d1290fa524" Stencil="System.Storyboarding.Common" StencilRevisionId="68ea164d-c1de-47a5-804f-d4d1290fa524" StencilVersion="0.1"/>
-</Control>
-</file>
-
-<file path=customXml/item73.xml><?xml version="1.0" encoding="utf-8"?>
-<Control xmlns="http://schemas.microsoft.com/VisualStudio/2011/storyboarding/control/v1.0">
-  <Id Name="System.Storyboard.Stencil.StatusBar" RevisionId="00000000-0000-0000-0000-000000000000" Stencil="System.Windows" StencilRevisionId="00000000-0000-0000-0000-000000000000" StencilVersion="1.0"/>
-</Control>
-</file>
-
-<file path=customXml/item74.xml><?xml version="1.0" encoding="utf-8"?>
-<Control xmlns="http://schemas.microsoft.com/VisualStudio/2011/storyboarding/control/v1.0">
-  <Id Name="System.Storyboard.Stencil.PieChart" RevisionId="00000000-0000-0000-0000-000000000000" Stencil="System.Media" StencilRevisionId="00000000-0000-0000-0000-000000000000" StencilVersion="1.0"/>
-</Control>
-</file>
-
-<file path=customXml/item75.xml><?xml version="1.0" encoding="utf-8"?>
-<Control xmlns="http://schemas.microsoft.com/VisualStudio/2011/storyboarding/control">
-  <Id Name="System.Storyboarding.Backgrounds.Window" Revision="1" Stencil="System.Storyboarding.Backgrounds" StencilVersion="0.1"/>
-</Control>
-</file>
-
-<file path=customXml/item76.xml><?xml version="1.0" encoding="utf-8"?>
+<file path=customXml/item90.xml><?xml version="1.0" encoding="utf-8"?>
 <Control xmlns="http://schemas.microsoft.com/VisualStudio/2011/storyboarding/control">
   <Id Name="System.Storyboarding.Common.Text" Revision="1" Stencil="System.Storyboarding.Common" StencilVersion="0.1"/>
 </Control>
 </file>
 
-<file path=customXml/item77.xml><?xml version="1.0" encoding="utf-8"?>
+<file path=customXml/item91.xml><?xml version="1.0" encoding="utf-8"?>
 <Control xmlns="http://schemas.microsoft.com/VisualStudio/2011/storyboarding/control">
   <Id Name="System.Storyboarding.Common.TextInput" Revision="1" Stencil="System.Storyboarding.Common" StencilVersion="0.1"/>
 </Control>
 </file>
 
-<file path=customXml/item78.xml><?xml version="1.0" encoding="utf-8"?>
+<file path=customXml/item92.xml><?xml version="1.0" encoding="utf-8"?>
+<Control xmlns="http://schemas.microsoft.com/VisualStudio/2011/storyboarding/control">
+  <Id Name="System.Storyboarding.Common.RadioButtonUnselected" Revision="1" Stencil="System.Storyboarding.Common" StencilVersion="0.1"/>
+</Control>
+</file>
+
+<file path=customXml/item93.xml><?xml version="1.0" encoding="utf-8"?>
+<Control xmlns="http://schemas.microsoft.com/VisualStudio/2011/storyboarding/control">
+  <Id Name="System.Storyboarding.Common.RadioButtonUnselected" Revision="1" Stencil="System.Storyboarding.Common" StencilVersion="0.1"/>
+</Control>
+</file>
+
+<file path=customXml/item94.xml><?xml version="1.0" encoding="utf-8"?>
+<Control xmlns="http://schemas.microsoft.com/VisualStudio/2011/storyboarding/control">
+  <Id Name="System.Storyboarding.Common.RadioButtonSelected" Revision="1" Stencil="System.Storyboarding.Common" StencilVersion="0.1"/>
+</Control>
+</file>
+
+<file path=customXml/item95.xml><?xml version="1.0" encoding="utf-8"?>
+<Control xmlns="http://schemas.microsoft.com/VisualStudio/2011/storyboarding/control">
+  <Id Name="System.Storyboarding.Common.RadioButtonUnselected" Revision="1" Stencil="System.Storyboarding.Common" StencilVersion="0.1"/>
+</Control>
+</file>
+
+<file path=customXml/item96.xml><?xml version="1.0" encoding="utf-8"?>
+<Control xmlns="http://schemas.microsoft.com/VisualStudio/2011/storyboarding/control">
+  <Id Name="System.Storyboarding.Common.RadioButtonUnselected" Revision="1" Stencil="System.Storyboarding.Common" StencilVersion="0.1"/>
+</Control>
+</file>
+
+<file path=customXml/item97.xml><?xml version="1.0" encoding="utf-8"?>
 <Control xmlns="http://schemas.microsoft.com/VisualStudio/2011/storyboarding/control">
   <Id Name="System.Storyboarding.Common.Text" Revision="1" Stencil="System.Storyboarding.Common" StencilVersion="0.1"/>
 </Control>
 </file>
 
-<file path=customXml/item79.xml><?xml version="1.0" encoding="utf-8"?>
+<file path=customXml/item98.xml><?xml version="1.0" encoding="utf-8"?>
 <Control xmlns="http://schemas.microsoft.com/VisualStudio/2011/storyboarding/control">
   <Id Name="System.Storyboarding.Common.TextInput" Revision="1" Stencil="System.Storyboarding.Common" StencilVersion="0.1"/>
 </Control>
 </file>
 
-<file path=customXml/item8.xml><?xml version="1.0" encoding="utf-8"?>
+<file path=customXml/item99.xml><?xml version="1.0" encoding="utf-8"?>
 <Control xmlns="http://schemas.microsoft.com/VisualStudio/2011/storyboarding/control">
-  <Id Name="System.Storyboarding.Backgrounds.RibbonApplication" RevisionId="bdb52a43-f875-417f-a3f8-9b0259dd3051" Stencil="System.Storyboarding.Backgrounds" StencilRevisionId="bdb52a43-f875-417f-a3f8-9b0259dd3051" StencilVersion="0.1"/>
-</Control>
-</file>
-
-<file path=customXml/item9.xml><?xml version="1.0" encoding="utf-8"?>
-<Control xmlns="http://schemas.microsoft.com/VisualStudio/2011/storyboarding/control/v1.0">
-  <Id Name="System.Storyboard.Stencil.Button" RevisionId="00000000-0000-0000-0000-000000000000" Stencil="System.Common" StencilRevisionId="00000000-0000-0000-0000-000000000000" StencilVersion="1.0"/>
+  <Id Name="System.Storyboarding.Common.RadioButtonUnselected" Revision="1" Stencil="System.Storyboarding.Common" StencilVersion="0.1"/>
 </Control>
 </file>
 
 <file path=customXml/itemProps1.xml><?xml version="1.0" encoding="utf-8"?>
-<ds:datastoreItem xmlns:ds="http://schemas.openxmlformats.org/officeDocument/2006/customXml" ds:itemID="{D705ACE5-FAF8-44EC-9622-845721B4A44D}">
+<ds:datastoreItem xmlns:ds="http://schemas.openxmlformats.org/officeDocument/2006/customXml" ds:itemID="{0BD21A30-063A-4397-97B8-0121D45BD9D6}">
   <ds:schemaRefs>
     <ds:schemaRef ds:uri="http://schemas.microsoft.com/VisualStudio/2011/storyboarding/control/v1.0"/>
   </ds:schemaRefs>
@@ -5555,54 +10084,262 @@
 </file>
 
 <file path=customXml/itemProps10.xml><?xml version="1.0" encoding="utf-8"?>
-<ds:datastoreItem xmlns:ds="http://schemas.openxmlformats.org/officeDocument/2006/customXml" ds:itemID="{7C4FADB9-82C5-46C4-AD0E-6B60B5C6AEAE}">
+<ds:datastoreItem xmlns:ds="http://schemas.openxmlformats.org/officeDocument/2006/customXml" ds:itemID="{4EE14C2A-AD9F-4617-A8CC-4057921BFCA8}">
   <ds:schemaRefs>
     <ds:schemaRef ds:uri="http://schemas.microsoft.com/VisualStudio/2011/storyboarding/control/v1.0"/>
   </ds:schemaRefs>
 </ds:datastoreItem>
 </file>
 
+<file path=customXml/itemProps100.xml><?xml version="1.0" encoding="utf-8"?>
+<ds:datastoreItem xmlns:ds="http://schemas.openxmlformats.org/officeDocument/2006/customXml" ds:itemID="{55D34F09-1B01-492A-8B8B-17C9E7DFB97A}">
+  <ds:schemaRefs>
+    <ds:schemaRef ds:uri="http://schemas.microsoft.com/VisualStudio/2011/storyboarding/control"/>
+  </ds:schemaRefs>
+</ds:datastoreItem>
+</file>
+
+<file path=customXml/itemProps101.xml><?xml version="1.0" encoding="utf-8"?>
+<ds:datastoreItem xmlns:ds="http://schemas.openxmlformats.org/officeDocument/2006/customXml" ds:itemID="{CD13A624-3F3C-446E-B3B9-F57E5E8E7695}">
+  <ds:schemaRefs>
+    <ds:schemaRef ds:uri="http://schemas.microsoft.com/VisualStudio/2011/storyboarding/control"/>
+  </ds:schemaRefs>
+</ds:datastoreItem>
+</file>
+
+<file path=customXml/itemProps102.xml><?xml version="1.0" encoding="utf-8"?>
+<ds:datastoreItem xmlns:ds="http://schemas.openxmlformats.org/officeDocument/2006/customXml" ds:itemID="{B9AB183B-EF37-48AC-8783-F0FA98E7AFED}">
+  <ds:schemaRefs>
+    <ds:schemaRef ds:uri="http://schemas.microsoft.com/VisualStudio/2011/storyboarding/control"/>
+  </ds:schemaRefs>
+</ds:datastoreItem>
+</file>
+
+<file path=customXml/itemProps103.xml><?xml version="1.0" encoding="utf-8"?>
+<ds:datastoreItem xmlns:ds="http://schemas.openxmlformats.org/officeDocument/2006/customXml" ds:itemID="{C220DA66-C8DC-43FF-B2DE-3A80A4C14443}">
+  <ds:schemaRefs>
+    <ds:schemaRef ds:uri="http://schemas.microsoft.com/VisualStudio/2011/storyboarding/control"/>
+  </ds:schemaRefs>
+</ds:datastoreItem>
+</file>
+
+<file path=customXml/itemProps104.xml><?xml version="1.0" encoding="utf-8"?>
+<ds:datastoreItem xmlns:ds="http://schemas.openxmlformats.org/officeDocument/2006/customXml" ds:itemID="{366A225E-12A1-4F55-92FE-0535B335A8C4}">
+  <ds:schemaRefs>
+    <ds:schemaRef ds:uri="http://schemas.microsoft.com/VisualStudio/2011/storyboarding/control"/>
+  </ds:schemaRefs>
+</ds:datastoreItem>
+</file>
+
+<file path=customXml/itemProps105.xml><?xml version="1.0" encoding="utf-8"?>
+<ds:datastoreItem xmlns:ds="http://schemas.openxmlformats.org/officeDocument/2006/customXml" ds:itemID="{D0876A73-6A5E-4F5A-B5B0-46E3A42660FA}">
+  <ds:schemaRefs>
+    <ds:schemaRef ds:uri="http://schemas.microsoft.com/VisualStudio/2011/storyboarding/control"/>
+  </ds:schemaRefs>
+</ds:datastoreItem>
+</file>
+
+<file path=customXml/itemProps106.xml><?xml version="1.0" encoding="utf-8"?>
+<ds:datastoreItem xmlns:ds="http://schemas.openxmlformats.org/officeDocument/2006/customXml" ds:itemID="{1F1C99FD-24CC-46AB-AF2E-CA041C724CE3}">
+  <ds:schemaRefs>
+    <ds:schemaRef ds:uri="http://schemas.microsoft.com/VisualStudio/2011/storyboarding/control"/>
+  </ds:schemaRefs>
+</ds:datastoreItem>
+</file>
+
+<file path=customXml/itemProps107.xml><?xml version="1.0" encoding="utf-8"?>
+<ds:datastoreItem xmlns:ds="http://schemas.openxmlformats.org/officeDocument/2006/customXml" ds:itemID="{72CB88E9-1868-4829-87FB-83809E702A85}">
+  <ds:schemaRefs>
+    <ds:schemaRef ds:uri="http://schemas.microsoft.com/VisualStudio/2011/storyboarding/control"/>
+  </ds:schemaRefs>
+</ds:datastoreItem>
+</file>
+
+<file path=customXml/itemProps108.xml><?xml version="1.0" encoding="utf-8"?>
+<ds:datastoreItem xmlns:ds="http://schemas.openxmlformats.org/officeDocument/2006/customXml" ds:itemID="{9B766BE6-CB6B-47EC-A472-98A86AE01DEA}">
+  <ds:schemaRefs>
+    <ds:schemaRef ds:uri="http://schemas.microsoft.com/VisualStudio/2011/storyboarding/control"/>
+  </ds:schemaRefs>
+</ds:datastoreItem>
+</file>
+
+<file path=customXml/itemProps109.xml><?xml version="1.0" encoding="utf-8"?>
+<ds:datastoreItem xmlns:ds="http://schemas.openxmlformats.org/officeDocument/2006/customXml" ds:itemID="{0F2FDE19-576A-4020-9FA7-627E6610752C}">
+  <ds:schemaRefs>
+    <ds:schemaRef ds:uri="http://schemas.microsoft.com/VisualStudio/2011/storyboarding/control"/>
+  </ds:schemaRefs>
+</ds:datastoreItem>
+</file>
+
 <file path=customXml/itemProps11.xml><?xml version="1.0" encoding="utf-8"?>
-<ds:datastoreItem xmlns:ds="http://schemas.openxmlformats.org/officeDocument/2006/customXml" ds:itemID="{B7BD4F34-B154-4D92-BE87-C557EB1B7EFB}">
-  <ds:schemaRefs>
-    <ds:schemaRef ds:uri="http://schemas.microsoft.com/sharepoint/v3/contenttype/forms"/>
+<ds:datastoreItem xmlns:ds="http://schemas.openxmlformats.org/officeDocument/2006/customXml" ds:itemID="{416D00B5-FBFE-483F-BE84-520287240459}">
+  <ds:schemaRefs>
+    <ds:schemaRef ds:uri="http://schemas.microsoft.com/VisualStudio/2011/storyboarding/control/v1.0"/>
+  </ds:schemaRefs>
+</ds:datastoreItem>
+</file>
+
+<file path=customXml/itemProps110.xml><?xml version="1.0" encoding="utf-8"?>
+<ds:datastoreItem xmlns:ds="http://schemas.openxmlformats.org/officeDocument/2006/customXml" ds:itemID="{B87461FD-7064-45A0-8AEE-653F60D72AC1}">
+  <ds:schemaRefs>
+    <ds:schemaRef ds:uri="http://schemas.microsoft.com/VisualStudio/2011/storyboarding/control"/>
+  </ds:schemaRefs>
+</ds:datastoreItem>
+</file>
+
+<file path=customXml/itemProps111.xml><?xml version="1.0" encoding="utf-8"?>
+<ds:datastoreItem xmlns:ds="http://schemas.openxmlformats.org/officeDocument/2006/customXml" ds:itemID="{2F53F617-4056-425D-95D7-3BAE5E233F6C}">
+  <ds:schemaRefs>
+    <ds:schemaRef ds:uri="http://schemas.microsoft.com/VisualStudio/2011/storyboarding/control"/>
+  </ds:schemaRefs>
+</ds:datastoreItem>
+</file>
+
+<file path=customXml/itemProps112.xml><?xml version="1.0" encoding="utf-8"?>
+<ds:datastoreItem xmlns:ds="http://schemas.openxmlformats.org/officeDocument/2006/customXml" ds:itemID="{ECA4CA72-F9C3-40AC-A1B4-14FA96815CC8}">
+  <ds:schemaRefs>
+    <ds:schemaRef ds:uri="http://schemas.microsoft.com/VisualStudio/2011/storyboarding/control"/>
+  </ds:schemaRefs>
+</ds:datastoreItem>
+</file>
+
+<file path=customXml/itemProps113.xml><?xml version="1.0" encoding="utf-8"?>
+<ds:datastoreItem xmlns:ds="http://schemas.openxmlformats.org/officeDocument/2006/customXml" ds:itemID="{3E0D9A42-A015-43A3-B99B-28473C3F1C39}">
+  <ds:schemaRefs>
+    <ds:schemaRef ds:uri="http://schemas.microsoft.com/VisualStudio/2011/storyboarding/control"/>
+  </ds:schemaRefs>
+</ds:datastoreItem>
+</file>
+
+<file path=customXml/itemProps114.xml><?xml version="1.0" encoding="utf-8"?>
+<ds:datastoreItem xmlns:ds="http://schemas.openxmlformats.org/officeDocument/2006/customXml" ds:itemID="{13DE49AB-CB96-427C-A228-7524A2627209}">
+  <ds:schemaRefs>
+    <ds:schemaRef ds:uri="http://schemas.microsoft.com/VisualStudio/2011/storyboarding/control"/>
+  </ds:schemaRefs>
+</ds:datastoreItem>
+</file>
+
+<file path=customXml/itemProps115.xml><?xml version="1.0" encoding="utf-8"?>
+<ds:datastoreItem xmlns:ds="http://schemas.openxmlformats.org/officeDocument/2006/customXml" ds:itemID="{D64BA41E-26CF-4B55-9434-359C8EE62EE4}">
+  <ds:schemaRefs>
+    <ds:schemaRef ds:uri="http://schemas.microsoft.com/VisualStudio/2011/storyboarding/control"/>
+  </ds:schemaRefs>
+</ds:datastoreItem>
+</file>
+
+<file path=customXml/itemProps116.xml><?xml version="1.0" encoding="utf-8"?>
+<ds:datastoreItem xmlns:ds="http://schemas.openxmlformats.org/officeDocument/2006/customXml" ds:itemID="{15C7B0D5-8257-437F-A7C1-7B7359C676DB}">
+  <ds:schemaRefs>
+    <ds:schemaRef ds:uri="http://schemas.microsoft.com/VisualStudio/2011/storyboarding/control"/>
+  </ds:schemaRefs>
+</ds:datastoreItem>
+</file>
+
+<file path=customXml/itemProps117.xml><?xml version="1.0" encoding="utf-8"?>
+<ds:datastoreItem xmlns:ds="http://schemas.openxmlformats.org/officeDocument/2006/customXml" ds:itemID="{9E57D494-3FE2-4667-8809-0539319293C5}">
+  <ds:schemaRefs>
+    <ds:schemaRef ds:uri="http://schemas.microsoft.com/VisualStudio/2011/storyboarding/control"/>
+  </ds:schemaRefs>
+</ds:datastoreItem>
+</file>
+
+<file path=customXml/itemProps118.xml><?xml version="1.0" encoding="utf-8"?>
+<ds:datastoreItem xmlns:ds="http://schemas.openxmlformats.org/officeDocument/2006/customXml" ds:itemID="{17B3326D-65A7-4D77-BC56-9EEC9BD3BEF4}">
+  <ds:schemaRefs>
+    <ds:schemaRef ds:uri="http://schemas.microsoft.com/VisualStudio/2011/storyboarding/control"/>
+  </ds:schemaRefs>
+</ds:datastoreItem>
+</file>
+
+<file path=customXml/itemProps119.xml><?xml version="1.0" encoding="utf-8"?>
+<ds:datastoreItem xmlns:ds="http://schemas.openxmlformats.org/officeDocument/2006/customXml" ds:itemID="{8305FBD8-E1FB-4C61-AE47-2EC3FB465EA1}">
+  <ds:schemaRefs>
+    <ds:schemaRef ds:uri="http://schemas.microsoft.com/VisualStudio/2011/storyboarding/control"/>
   </ds:schemaRefs>
 </ds:datastoreItem>
 </file>
 
 <file path=customXml/itemProps12.xml><?xml version="1.0" encoding="utf-8"?>
-<ds:datastoreItem xmlns:ds="http://schemas.openxmlformats.org/officeDocument/2006/customXml" ds:itemID="{F395D8ED-A0D3-4F6E-91F3-A29EC16A8083}">
+<ds:datastoreItem xmlns:ds="http://schemas.openxmlformats.org/officeDocument/2006/customXml" ds:itemID="{16772130-8F5D-442B-AA11-39D4F229ACC6}">
   <ds:schemaRefs>
     <ds:schemaRef ds:uri="http://schemas.microsoft.com/VisualStudio/2011/storyboarding/control/v1.0"/>
   </ds:schemaRefs>
 </ds:datastoreItem>
 </file>
 
+<file path=customXml/itemProps120.xml><?xml version="1.0" encoding="utf-8"?>
+<ds:datastoreItem xmlns:ds="http://schemas.openxmlformats.org/officeDocument/2006/customXml" ds:itemID="{4E0011BF-8E71-4772-9F74-E67F264B1FF3}">
+  <ds:schemaRefs>
+    <ds:schemaRef ds:uri="http://schemas.microsoft.com/VisualStudio/2011/storyboarding/control"/>
+  </ds:schemaRefs>
+</ds:datastoreItem>
+</file>
+
+<file path=customXml/itemProps121.xml><?xml version="1.0" encoding="utf-8"?>
+<ds:datastoreItem xmlns:ds="http://schemas.openxmlformats.org/officeDocument/2006/customXml" ds:itemID="{18F13D79-F65C-4CE4-9D8F-8879D7EFA0C3}">
+  <ds:schemaRefs>
+    <ds:schemaRef ds:uri="http://schemas.microsoft.com/VisualStudio/2011/storyboarding/control"/>
+  </ds:schemaRefs>
+</ds:datastoreItem>
+</file>
+
+<file path=customXml/itemProps122.xml><?xml version="1.0" encoding="utf-8"?>
+<ds:datastoreItem xmlns:ds="http://schemas.openxmlformats.org/officeDocument/2006/customXml" ds:itemID="{973C0577-52E7-4A3F-970B-A2567886116F}">
+  <ds:schemaRefs>
+    <ds:schemaRef ds:uri="http://schemas.microsoft.com/VisualStudio/2011/storyboarding/control"/>
+  </ds:schemaRefs>
+</ds:datastoreItem>
+</file>
+
+<file path=customXml/itemProps123.xml><?xml version="1.0" encoding="utf-8"?>
+<ds:datastoreItem xmlns:ds="http://schemas.openxmlformats.org/officeDocument/2006/customXml" ds:itemID="{C379D7EE-CE66-4085-B7C0-5D51A72B97E2}">
+  <ds:schemaRefs>
+    <ds:schemaRef ds:uri="http://schemas.microsoft.com/VisualStudio/2011/storyboarding/control"/>
+  </ds:schemaRefs>
+</ds:datastoreItem>
+</file>
+
+<file path=customXml/itemProps124.xml><?xml version="1.0" encoding="utf-8"?>
+<ds:datastoreItem xmlns:ds="http://schemas.openxmlformats.org/officeDocument/2006/customXml" ds:itemID="{20F375EE-2C85-49B6-B02B-CC621A557D12}">
+  <ds:schemaRefs>
+    <ds:schemaRef ds:uri="http://schemas.microsoft.com/VisualStudio/2011/storyboarding/control"/>
+  </ds:schemaRefs>
+</ds:datastoreItem>
+</file>
+
 <file path=customXml/itemProps13.xml><?xml version="1.0" encoding="utf-8"?>
-<ds:datastoreItem xmlns:ds="http://schemas.openxmlformats.org/officeDocument/2006/customXml" ds:itemID="{0BD21A30-063A-4397-97B8-0121D45BD9D6}">
+<ds:datastoreItem xmlns:ds="http://schemas.openxmlformats.org/officeDocument/2006/customXml" ds:itemID="{5142C2A6-4457-4817-9280-82230DD92991}">
+  <ds:schemaRefs>
+    <ds:schemaRef ds:uri="http://schemas.microsoft.com/VisualStudio/2011/storyboarding/control"/>
+  </ds:schemaRefs>
+</ds:datastoreItem>
+</file>
+
+<file path=customXml/itemProps14.xml><?xml version="1.0" encoding="utf-8"?>
+<ds:datastoreItem xmlns:ds="http://schemas.openxmlformats.org/officeDocument/2006/customXml" ds:itemID="{E2968586-6EB5-4B3C-A2E1-82E35F695B75}">
   <ds:schemaRefs>
     <ds:schemaRef ds:uri="http://schemas.microsoft.com/VisualStudio/2011/storyboarding/control/v1.0"/>
   </ds:schemaRefs>
 </ds:datastoreItem>
 </file>
 
-<file path=customXml/itemProps14.xml><?xml version="1.0" encoding="utf-8"?>
-<ds:datastoreItem xmlns:ds="http://schemas.openxmlformats.org/officeDocument/2006/customXml" ds:itemID="{70C23831-7801-40F8-9A53-4E9925562CBE}">
+<file path=customXml/itemProps15.xml><?xml version="1.0" encoding="utf-8"?>
+<ds:datastoreItem xmlns:ds="http://schemas.openxmlformats.org/officeDocument/2006/customXml" ds:itemID="{387838C4-29F2-40AB-9647-8346D39956AB}">
   <ds:schemaRefs>
     <ds:schemaRef ds:uri="http://schemas.microsoft.com/VisualStudio/2011/storyboarding/control"/>
   </ds:schemaRefs>
 </ds:datastoreItem>
 </file>
 
-<file path=customXml/itemProps15.xml><?xml version="1.0" encoding="utf-8"?>
-<ds:datastoreItem xmlns:ds="http://schemas.openxmlformats.org/officeDocument/2006/customXml" ds:itemID="{AECE9E1B-E7C1-46F6-9945-164C1E49BE74}">
+<file path=customXml/itemProps16.xml><?xml version="1.0" encoding="utf-8"?>
+<ds:datastoreItem xmlns:ds="http://schemas.openxmlformats.org/officeDocument/2006/customXml" ds:itemID="{CD17C18B-5B11-471F-97AA-CE2EA822BB97}">
   <ds:schemaRefs>
     <ds:schemaRef ds:uri="http://schemas.microsoft.com/VisualStudio/2011/storyboarding/control/v1.0"/>
   </ds:schemaRefs>
 </ds:datastoreItem>
 </file>
 
-<file path=customXml/itemProps16.xml><?xml version="1.0" encoding="utf-8"?>
+<file path=customXml/itemProps17.xml><?xml version="1.0" encoding="utf-8"?>
 <ds:datastoreItem xmlns:ds="http://schemas.openxmlformats.org/officeDocument/2006/customXml" ds:itemID="{288CEDBF-3F9B-47CF-AF84-2B8486359159}">
   <ds:schemaRefs>
     <ds:schemaRef ds:uri="http://schemas.microsoft.com/VisualStudio/2011/storyboarding/control/v1.0"/>
@@ -5610,111 +10347,7 @@
 </ds:datastoreItem>
 </file>
 
-<file path=customXml/itemProps17.xml><?xml version="1.0" encoding="utf-8"?>
-<ds:datastoreItem xmlns:ds="http://schemas.openxmlformats.org/officeDocument/2006/customXml" ds:itemID="{EDE713BE-A567-491C-902D-E6087D824056}">
-  <ds:schemaRefs>
-    <ds:schemaRef ds:uri="http://schemas.microsoft.com/VisualStudio/2011/storyboarding/control/v1.0"/>
-  </ds:schemaRefs>
-</ds:datastoreItem>
-</file>
-
 <file path=customXml/itemProps18.xml><?xml version="1.0" encoding="utf-8"?>
-<ds:datastoreItem xmlns:ds="http://schemas.openxmlformats.org/officeDocument/2006/customXml" ds:itemID="{53BC856C-B486-437D-A7B4-612AE9417D7A}">
-  <ds:schemaRefs>
-    <ds:schemaRef ds:uri="http://schemas.microsoft.com/VisualStudio/2011/storyboarding/control/v1.0"/>
-  </ds:schemaRefs>
-</ds:datastoreItem>
-</file>
-
-<file path=customXml/itemProps19.xml><?xml version="1.0" encoding="utf-8"?>
-<ds:datastoreItem xmlns:ds="http://schemas.openxmlformats.org/officeDocument/2006/customXml" ds:itemID="{2B6243A2-99B5-42ED-B049-93E27D774527}">
-  <ds:schemaRefs>
-    <ds:schemaRef ds:uri="http://schemas.microsoft.com/VisualStudio/2011/storyboarding/control/v1.0"/>
-  </ds:schemaRefs>
-</ds:datastoreItem>
-</file>
-
-<file path=customXml/itemProps2.xml><?xml version="1.0" encoding="utf-8"?>
-<ds:datastoreItem xmlns:ds="http://schemas.openxmlformats.org/officeDocument/2006/customXml" ds:itemID="{CD17C18B-5B11-471F-97AA-CE2EA822BB97}">
-  <ds:schemaRefs>
-    <ds:schemaRef ds:uri="http://schemas.microsoft.com/VisualStudio/2011/storyboarding/control/v1.0"/>
-  </ds:schemaRefs>
-</ds:datastoreItem>
-</file>
-
-<file path=customXml/itemProps20.xml><?xml version="1.0" encoding="utf-8"?>
-<ds:datastoreItem xmlns:ds="http://schemas.openxmlformats.org/officeDocument/2006/customXml" ds:itemID="{1AF31726-A62F-4331-8622-ED351D5149B7}">
-  <ds:schemaRefs>
-    <ds:schemaRef ds:uri="http://schemas.microsoft.com/VisualStudio/2011/storyboarding/control"/>
-  </ds:schemaRefs>
-</ds:datastoreItem>
-</file>
-
-<file path=customXml/itemProps21.xml><?xml version="1.0" encoding="utf-8"?>
-<ds:datastoreItem xmlns:ds="http://schemas.openxmlformats.org/officeDocument/2006/customXml" ds:itemID="{6772C88A-36A0-4EAC-86A3-BB16EEADAB3E}">
-  <ds:schemaRefs>
-    <ds:schemaRef ds:uri="http://schemas.microsoft.com/VisualStudio/2011/storyboarding/control/v1.0"/>
-  </ds:schemaRefs>
-</ds:datastoreItem>
-</file>
-
-<file path=customXml/itemProps22.xml><?xml version="1.0" encoding="utf-8"?>
-<ds:datastoreItem xmlns:ds="http://schemas.openxmlformats.org/officeDocument/2006/customXml" ds:itemID="{CC419530-796D-4DBE-BBEE-9A6630A896E1}">
-  <ds:schemaRefs>
-    <ds:schemaRef ds:uri="http://schemas.microsoft.com/VisualStudio/2011/storyboarding/control/v1.0"/>
-  </ds:schemaRefs>
-</ds:datastoreItem>
-</file>
-
-<file path=customXml/itemProps23.xml><?xml version="1.0" encoding="utf-8"?>
-<ds:datastoreItem xmlns:ds="http://schemas.openxmlformats.org/officeDocument/2006/customXml" ds:itemID="{AB006AED-D3B6-450F-A436-759E490055A5}">
-  <ds:schemaRefs>
-    <ds:schemaRef ds:uri="http://schemas.microsoft.com/VisualStudio/2011/storyboarding/control/v1.0"/>
-  </ds:schemaRefs>
-</ds:datastoreItem>
-</file>
-
-<file path=customXml/itemProps24.xml><?xml version="1.0" encoding="utf-8"?>
-<ds:datastoreItem xmlns:ds="http://schemas.openxmlformats.org/officeDocument/2006/customXml" ds:itemID="{BA2C55E9-BDE8-41FC-B02F-EBA8C07A01F8}">
-  <ds:schemaRefs>
-    <ds:schemaRef ds:uri="http://schemas.microsoft.com/VisualStudio/2011/storyboarding/control/v1.0"/>
-  </ds:schemaRefs>
-</ds:datastoreItem>
-</file>
-
-<file path=customXml/itemProps25.xml><?xml version="1.0" encoding="utf-8"?>
-<ds:datastoreItem xmlns:ds="http://schemas.openxmlformats.org/officeDocument/2006/customXml" ds:itemID="{18A6A270-A75C-4D7E-86E4-765FF07C5144}">
-  <ds:schemaRefs>
-    <ds:schemaRef ds:uri="http://schemas.microsoft.com/sharepoint/events"/>
-  </ds:schemaRefs>
-</ds:datastoreItem>
-</file>
-
-<file path=customXml/itemProps26.xml><?xml version="1.0" encoding="utf-8"?>
-<ds:datastoreItem xmlns:ds="http://schemas.openxmlformats.org/officeDocument/2006/customXml" ds:itemID="{DDEEC505-9111-44CE-9DED-8A454ABEC272}">
-  <ds:schemaRefs>
-    <ds:schemaRef ds:uri="http://schemas.microsoft.com/VisualStudio/2011/storyboarding/control/v1.0"/>
-  </ds:schemaRefs>
-</ds:datastoreItem>
-</file>
-
-<file path=customXml/itemProps27.xml><?xml version="1.0" encoding="utf-8"?>
-<ds:datastoreItem xmlns:ds="http://schemas.openxmlformats.org/officeDocument/2006/customXml" ds:itemID="{6574190A-3D9E-42C1-B276-38E33156AA99}">
-  <ds:schemaRefs>
-    <ds:schemaRef ds:uri="http://schemas.microsoft.com/VisualStudio/2011/storyboarding/control/v1.0"/>
-  </ds:schemaRefs>
-</ds:datastoreItem>
-</file>
-
-<file path=customXml/itemProps28.xml><?xml version="1.0" encoding="utf-8"?>
-<ds:datastoreItem xmlns:ds="http://schemas.openxmlformats.org/officeDocument/2006/customXml" ds:itemID="{253B000D-0B23-420C-B5B5-11B6002E5391}">
-  <ds:schemaRefs>
-    <ds:schemaRef ds:uri="http://schemas.microsoft.com/VisualStudio/2011/storyboarding/control/v1.0"/>
-  </ds:schemaRefs>
-</ds:datastoreItem>
-</file>
-
-<file path=customXml/itemProps29.xml><?xml version="1.0" encoding="utf-8"?>
 <ds:datastoreItem xmlns:ds="http://schemas.openxmlformats.org/officeDocument/2006/customXml" ds:itemID="{2FEB3A16-E640-4049-92BF-229BF3B54149}">
   <ds:schemaRefs>
     <ds:schemaRef ds:uri="http://schemas.microsoft.com/office/2006/metadata/contentType"/>
@@ -5732,103 +10365,47 @@
 </ds:datastoreItem>
 </file>
 
-<file path=customXml/itemProps3.xml><?xml version="1.0" encoding="utf-8"?>
-<ds:datastoreItem xmlns:ds="http://schemas.openxmlformats.org/officeDocument/2006/customXml" ds:itemID="{B41892D7-DF8B-4D5A-8AD2-983048A35AA0}">
+<file path=customXml/itemProps19.xml><?xml version="1.0" encoding="utf-8"?>
+<ds:datastoreItem xmlns:ds="http://schemas.openxmlformats.org/officeDocument/2006/customXml" ds:itemID="{B7BD4F34-B154-4D92-BE87-C557EB1B7EFB}">
+  <ds:schemaRefs>
+    <ds:schemaRef ds:uri="http://schemas.microsoft.com/sharepoint/v3/contenttype/forms"/>
+  </ds:schemaRefs>
+</ds:datastoreItem>
+</file>
+
+<file path=customXml/itemProps2.xml><?xml version="1.0" encoding="utf-8"?>
+<ds:datastoreItem xmlns:ds="http://schemas.openxmlformats.org/officeDocument/2006/customXml" ds:itemID="{53BC856C-B486-437D-A7B4-612AE9417D7A}">
   <ds:schemaRefs>
     <ds:schemaRef ds:uri="http://schemas.microsoft.com/VisualStudio/2011/storyboarding/control/v1.0"/>
   </ds:schemaRefs>
 </ds:datastoreItem>
 </file>
 
-<file path=customXml/itemProps30.xml><?xml version="1.0" encoding="utf-8"?>
-<ds:datastoreItem xmlns:ds="http://schemas.openxmlformats.org/officeDocument/2006/customXml" ds:itemID="{E6C688DD-065A-4726-BCE5-E5AFDA3F5641}">
+<file path=customXml/itemProps20.xml><?xml version="1.0" encoding="utf-8"?>
+<ds:datastoreItem xmlns:ds="http://schemas.openxmlformats.org/officeDocument/2006/customXml" ds:itemID="{BA2C55E9-BDE8-41FC-B02F-EBA8C07A01F8}">
   <ds:schemaRefs>
     <ds:schemaRef ds:uri="http://schemas.microsoft.com/VisualStudio/2011/storyboarding/control/v1.0"/>
   </ds:schemaRefs>
 </ds:datastoreItem>
 </file>
 
-<file path=customXml/itemProps31.xml><?xml version="1.0" encoding="utf-8"?>
-<ds:datastoreItem xmlns:ds="http://schemas.openxmlformats.org/officeDocument/2006/customXml" ds:itemID="{08904217-40E1-4558-95D8-8D709CA82866}">
+<file path=customXml/itemProps21.xml><?xml version="1.0" encoding="utf-8"?>
+<ds:datastoreItem xmlns:ds="http://schemas.openxmlformats.org/officeDocument/2006/customXml" ds:itemID="{6B22741B-5AC6-4A2C-A57A-E4BDF22E0A90}">
   <ds:schemaRefs>
     <ds:schemaRef ds:uri="http://schemas.microsoft.com/VisualStudio/2011/storyboarding/control/v1.0"/>
   </ds:schemaRefs>
 </ds:datastoreItem>
 </file>
 
-<file path=customXml/itemProps32.xml><?xml version="1.0" encoding="utf-8"?>
-<ds:datastoreItem xmlns:ds="http://schemas.openxmlformats.org/officeDocument/2006/customXml" ds:itemID="{6B22741B-5AC6-4A2C-A57A-E4BDF22E0A90}">
+<file path=customXml/itemProps22.xml><?xml version="1.0" encoding="utf-8"?>
+<ds:datastoreItem xmlns:ds="http://schemas.openxmlformats.org/officeDocument/2006/customXml" ds:itemID="{4CFA599C-9F1C-4AB4-AB4F-10CF77B58F79}">
   <ds:schemaRefs>
     <ds:schemaRef ds:uri="http://schemas.microsoft.com/VisualStudio/2011/storyboarding/control/v1.0"/>
   </ds:schemaRefs>
 </ds:datastoreItem>
 </file>
 
-<file path=customXml/itemProps33.xml><?xml version="1.0" encoding="utf-8"?>
-<ds:datastoreItem xmlns:ds="http://schemas.openxmlformats.org/officeDocument/2006/customXml" ds:itemID="{C1E8400F-CB83-4A16-AF3D-36FAF22BDD23}">
-  <ds:schemaRefs>
-    <ds:schemaRef ds:uri="http://schemas.microsoft.com/VisualStudio/2011/storyboarding/control/v1.0"/>
-  </ds:schemaRefs>
-</ds:datastoreItem>
-</file>
-
-<file path=customXml/itemProps34.xml><?xml version="1.0" encoding="utf-8"?>
-<ds:datastoreItem xmlns:ds="http://schemas.openxmlformats.org/officeDocument/2006/customXml" ds:itemID="{156ACD54-663F-4146-A83C-D39B7758E090}">
-  <ds:schemaRefs>
-    <ds:schemaRef ds:uri="http://schemas.microsoft.com/VisualStudio/2011/storyboarding/control/v1.0"/>
-  </ds:schemaRefs>
-</ds:datastoreItem>
-</file>
-
-<file path=customXml/itemProps35.xml><?xml version="1.0" encoding="utf-8"?>
-<ds:datastoreItem xmlns:ds="http://schemas.openxmlformats.org/officeDocument/2006/customXml" ds:itemID="{814432F2-7AE9-411E-9F7B-EBBF16C4666D}">
-  <ds:schemaRefs>
-    <ds:schemaRef ds:uri="http://schemas.microsoft.com/VisualStudio/2011/storyboarding/control/v1.0"/>
-  </ds:schemaRefs>
-</ds:datastoreItem>
-</file>
-
-<file path=customXml/itemProps36.xml><?xml version="1.0" encoding="utf-8"?>
-<ds:datastoreItem xmlns:ds="http://schemas.openxmlformats.org/officeDocument/2006/customXml" ds:itemID="{C4783010-23AB-4BDC-BABF-F6576658A2B0}">
-  <ds:schemaRefs>
-    <ds:schemaRef ds:uri="http://schemas.microsoft.com/VisualStudio/2011/storyboarding/control/v1.0"/>
-  </ds:schemaRefs>
-</ds:datastoreItem>
-</file>
-
-<file path=customXml/itemProps37.xml><?xml version="1.0" encoding="utf-8"?>
-<ds:datastoreItem xmlns:ds="http://schemas.openxmlformats.org/officeDocument/2006/customXml" ds:itemID="{4CFA599C-9F1C-4AB4-AB4F-10CF77B58F79}">
-  <ds:schemaRefs>
-    <ds:schemaRef ds:uri="http://schemas.microsoft.com/VisualStudio/2011/storyboarding/control/v1.0"/>
-  </ds:schemaRefs>
-</ds:datastoreItem>
-</file>
-
-<file path=customXml/itemProps38.xml><?xml version="1.0" encoding="utf-8"?>
-<ds:datastoreItem xmlns:ds="http://schemas.openxmlformats.org/officeDocument/2006/customXml" ds:itemID="{7BF16C54-4775-4FA7-AF88-98AF6D5E8CA6}">
-  <ds:schemaRefs>
-    <ds:schemaRef ds:uri="http://schemas.microsoft.com/VisualStudio/2011/storyboarding/control/v1.0"/>
-  </ds:schemaRefs>
-</ds:datastoreItem>
-</file>
-
-<file path=customXml/itemProps39.xml><?xml version="1.0" encoding="utf-8"?>
-<ds:datastoreItem xmlns:ds="http://schemas.openxmlformats.org/officeDocument/2006/customXml" ds:itemID="{B571350C-23C3-4B5A-8F49-FBEB6CF22964}">
-  <ds:schemaRefs>
-    <ds:schemaRef ds:uri="http://schemas.microsoft.com/VisualStudio/2011/storyboarding/control/v1.0"/>
-  </ds:schemaRefs>
-</ds:datastoreItem>
-</file>
-
-<file path=customXml/itemProps4.xml><?xml version="1.0" encoding="utf-8"?>
-<ds:datastoreItem xmlns:ds="http://schemas.openxmlformats.org/officeDocument/2006/customXml" ds:itemID="{E2EFB470-892C-4F70-98FA-B53F970592A9}">
-  <ds:schemaRefs>
-    <ds:schemaRef ds:uri="http://schemas.microsoft.com/VisualStudio/2011/storyboarding/control"/>
-  </ds:schemaRefs>
-</ds:datastoreItem>
-</file>
-
-<file path=customXml/itemProps40.xml><?xml version="1.0" encoding="utf-8"?>
+<file path=customXml/itemProps23.xml><?xml version="1.0" encoding="utf-8"?>
 <ds:datastoreItem xmlns:ds="http://schemas.openxmlformats.org/officeDocument/2006/customXml" ds:itemID="{A9E9510A-02AF-4564-9E17-46676C80E84C}">
   <ds:schemaRefs>
     <ds:schemaRef ds:uri="http://purl.org/dc/dcmitype/"/>
@@ -5844,7 +10421,311 @@
 </ds:datastoreItem>
 </file>
 
+<file path=customXml/itemProps24.xml><?xml version="1.0" encoding="utf-8"?>
+<ds:datastoreItem xmlns:ds="http://schemas.openxmlformats.org/officeDocument/2006/customXml" ds:itemID="{5E2E8CE4-298D-499A-B8B4-4A593AC844A5}">
+  <ds:schemaRefs>
+    <ds:schemaRef ds:uri="http://schemas.microsoft.com/VisualStudio/2011/storyboarding/control/v1.0"/>
+  </ds:schemaRefs>
+</ds:datastoreItem>
+</file>
+
+<file path=customXml/itemProps25.xml><?xml version="1.0" encoding="utf-8"?>
+<ds:datastoreItem xmlns:ds="http://schemas.openxmlformats.org/officeDocument/2006/customXml" ds:itemID="{AA5E4F96-8C72-44F9-A0C5-FB007B246D91}">
+  <ds:schemaRefs>
+    <ds:schemaRef ds:uri="http://schemas.microsoft.com/VisualStudio/2011/storyboarding/control/v1.0"/>
+  </ds:schemaRefs>
+</ds:datastoreItem>
+</file>
+
+<file path=customXml/itemProps26.xml><?xml version="1.0" encoding="utf-8"?>
+<ds:datastoreItem xmlns:ds="http://schemas.openxmlformats.org/officeDocument/2006/customXml" ds:itemID="{63E54A0C-A919-4747-87DB-6EB5DB41F719}">
+  <ds:schemaRefs>
+    <ds:schemaRef ds:uri="http://schemas.microsoft.com/VisualStudio/2011/storyboarding/control/v1.0"/>
+  </ds:schemaRefs>
+</ds:datastoreItem>
+</file>
+
+<file path=customXml/itemProps27.xml><?xml version="1.0" encoding="utf-8"?>
+<ds:datastoreItem xmlns:ds="http://schemas.openxmlformats.org/officeDocument/2006/customXml" ds:itemID="{E4D924B8-E923-4751-87E1-B31AA64A9F7B}">
+  <ds:schemaRefs>
+    <ds:schemaRef ds:uri="http://schemas.microsoft.com/VisualStudio/2011/storyboarding/control/v1.0"/>
+  </ds:schemaRefs>
+</ds:datastoreItem>
+</file>
+
+<file path=customXml/itemProps28.xml><?xml version="1.0" encoding="utf-8"?>
+<ds:datastoreItem xmlns:ds="http://schemas.openxmlformats.org/officeDocument/2006/customXml" ds:itemID="{B2C9D19C-4878-43E0-A5AD-CB76AB49D960}">
+  <ds:schemaRefs>
+    <ds:schemaRef ds:uri="http://schemas.microsoft.com/VisualStudio/2011/storyboarding/control/v1.0"/>
+  </ds:schemaRefs>
+</ds:datastoreItem>
+</file>
+
+<file path=customXml/itemProps29.xml><?xml version="1.0" encoding="utf-8"?>
+<ds:datastoreItem xmlns:ds="http://schemas.openxmlformats.org/officeDocument/2006/customXml" ds:itemID="{6A84642F-13F5-4480-91A9-7762200F8D59}">
+  <ds:schemaRefs>
+    <ds:schemaRef ds:uri="http://schemas.microsoft.com/VisualStudio/2011/storyboarding/control"/>
+  </ds:schemaRefs>
+</ds:datastoreItem>
+</file>
+
+<file path=customXml/itemProps3.xml><?xml version="1.0" encoding="utf-8"?>
+<ds:datastoreItem xmlns:ds="http://schemas.openxmlformats.org/officeDocument/2006/customXml" ds:itemID="{DDEEC505-9111-44CE-9DED-8A454ABEC272}">
+  <ds:schemaRefs>
+    <ds:schemaRef ds:uri="http://schemas.microsoft.com/VisualStudio/2011/storyboarding/control/v1.0"/>
+  </ds:schemaRefs>
+</ds:datastoreItem>
+</file>
+
+<file path=customXml/itemProps30.xml><?xml version="1.0" encoding="utf-8"?>
+<ds:datastoreItem xmlns:ds="http://schemas.openxmlformats.org/officeDocument/2006/customXml" ds:itemID="{379BFC32-51F7-4218-B2AD-CFD6564CE11F}">
+  <ds:schemaRefs>
+    <ds:schemaRef ds:uri="http://schemas.microsoft.com/VisualStudio/2011/storyboarding/control"/>
+  </ds:schemaRefs>
+</ds:datastoreItem>
+</file>
+
+<file path=customXml/itemProps31.xml><?xml version="1.0" encoding="utf-8"?>
+<ds:datastoreItem xmlns:ds="http://schemas.openxmlformats.org/officeDocument/2006/customXml" ds:itemID="{07B11A95-7731-4379-9E1B-32BC87FA2B56}">
+  <ds:schemaRefs>
+    <ds:schemaRef ds:uri="http://schemas.microsoft.com/VisualStudio/2011/storyboarding/control/v1.0"/>
+  </ds:schemaRefs>
+</ds:datastoreItem>
+</file>
+
+<file path=customXml/itemProps32.xml><?xml version="1.0" encoding="utf-8"?>
+<ds:datastoreItem xmlns:ds="http://schemas.openxmlformats.org/officeDocument/2006/customXml" ds:itemID="{2B6243A2-99B5-42ED-B049-93E27D774527}">
+  <ds:schemaRefs>
+    <ds:schemaRef ds:uri="http://schemas.microsoft.com/VisualStudio/2011/storyboarding/control/v1.0"/>
+  </ds:schemaRefs>
+</ds:datastoreItem>
+</file>
+
+<file path=customXml/itemProps33.xml><?xml version="1.0" encoding="utf-8"?>
+<ds:datastoreItem xmlns:ds="http://schemas.openxmlformats.org/officeDocument/2006/customXml" ds:itemID="{E2EFB470-892C-4F70-98FA-B53F970592A9}">
+  <ds:schemaRefs>
+    <ds:schemaRef ds:uri="http://schemas.microsoft.com/VisualStudio/2011/storyboarding/control"/>
+  </ds:schemaRefs>
+</ds:datastoreItem>
+</file>
+
+<file path=customXml/itemProps34.xml><?xml version="1.0" encoding="utf-8"?>
+<ds:datastoreItem xmlns:ds="http://schemas.openxmlformats.org/officeDocument/2006/customXml" ds:itemID="{A84BE01C-E91B-4A90-8E7F-25887EF8E061}">
+  <ds:schemaRefs>
+    <ds:schemaRef ds:uri="http://schemas.microsoft.com/VisualStudio/2011/storyboarding/control/v1.0"/>
+  </ds:schemaRefs>
+</ds:datastoreItem>
+</file>
+
+<file path=customXml/itemProps35.xml><?xml version="1.0" encoding="utf-8"?>
+<ds:datastoreItem xmlns:ds="http://schemas.openxmlformats.org/officeDocument/2006/customXml" ds:itemID="{70C23831-7801-40F8-9A53-4E9925562CBE}">
+  <ds:schemaRefs>
+    <ds:schemaRef ds:uri="http://schemas.microsoft.com/VisualStudio/2011/storyboarding/control"/>
+  </ds:schemaRefs>
+</ds:datastoreItem>
+</file>
+
+<file path=customXml/itemProps36.xml><?xml version="1.0" encoding="utf-8"?>
+<ds:datastoreItem xmlns:ds="http://schemas.openxmlformats.org/officeDocument/2006/customXml" ds:itemID="{CC419530-796D-4DBE-BBEE-9A6630A896E1}">
+  <ds:schemaRefs>
+    <ds:schemaRef ds:uri="http://schemas.microsoft.com/VisualStudio/2011/storyboarding/control/v1.0"/>
+  </ds:schemaRefs>
+</ds:datastoreItem>
+</file>
+
+<file path=customXml/itemProps37.xml><?xml version="1.0" encoding="utf-8"?>
+<ds:datastoreItem xmlns:ds="http://schemas.openxmlformats.org/officeDocument/2006/customXml" ds:itemID="{6574190A-3D9E-42C1-B276-38E33156AA99}">
+  <ds:schemaRefs>
+    <ds:schemaRef ds:uri="http://schemas.microsoft.com/VisualStudio/2011/storyboarding/control/v1.0"/>
+  </ds:schemaRefs>
+</ds:datastoreItem>
+</file>
+
+<file path=customXml/itemProps38.xml><?xml version="1.0" encoding="utf-8"?>
+<ds:datastoreItem xmlns:ds="http://schemas.openxmlformats.org/officeDocument/2006/customXml" ds:itemID="{E6C688DD-065A-4726-BCE5-E5AFDA3F5641}">
+  <ds:schemaRefs>
+    <ds:schemaRef ds:uri="http://schemas.microsoft.com/VisualStudio/2011/storyboarding/control/v1.0"/>
+  </ds:schemaRefs>
+</ds:datastoreItem>
+</file>
+
+<file path=customXml/itemProps39.xml><?xml version="1.0" encoding="utf-8"?>
+<ds:datastoreItem xmlns:ds="http://schemas.openxmlformats.org/officeDocument/2006/customXml" ds:itemID="{814432F2-7AE9-411E-9F7B-EBBF16C4666D}">
+  <ds:schemaRefs>
+    <ds:schemaRef ds:uri="http://schemas.microsoft.com/VisualStudio/2011/storyboarding/control/v1.0"/>
+  </ds:schemaRefs>
+</ds:datastoreItem>
+</file>
+
+<file path=customXml/itemProps4.xml><?xml version="1.0" encoding="utf-8"?>
+<ds:datastoreItem xmlns:ds="http://schemas.openxmlformats.org/officeDocument/2006/customXml" ds:itemID="{B571350C-23C3-4B5A-8F49-FBEB6CF22964}">
+  <ds:schemaRefs>
+    <ds:schemaRef ds:uri="http://schemas.microsoft.com/VisualStudio/2011/storyboarding/control/v1.0"/>
+  </ds:schemaRefs>
+</ds:datastoreItem>
+</file>
+
+<file path=customXml/itemProps40.xml><?xml version="1.0" encoding="utf-8"?>
+<ds:datastoreItem xmlns:ds="http://schemas.openxmlformats.org/officeDocument/2006/customXml" ds:itemID="{9C57ED54-5F7A-476D-BFE2-C46C7230CC6B}">
+  <ds:schemaRefs>
+    <ds:schemaRef ds:uri="http://schemas.microsoft.com/VisualStudio/2011/storyboarding/control/v1.0"/>
+  </ds:schemaRefs>
+</ds:datastoreItem>
+</file>
+
 <file path=customXml/itemProps41.xml><?xml version="1.0" encoding="utf-8"?>
+<ds:datastoreItem xmlns:ds="http://schemas.openxmlformats.org/officeDocument/2006/customXml" ds:itemID="{D8E0912A-795B-4916-9114-34B4F28A0EE3}">
+  <ds:schemaRefs>
+    <ds:schemaRef ds:uri="http://schemas.microsoft.com/VisualStudio/2011/storyboarding/control/v1.0"/>
+  </ds:schemaRefs>
+</ds:datastoreItem>
+</file>
+
+<file path=customXml/itemProps42.xml><?xml version="1.0" encoding="utf-8"?>
+<ds:datastoreItem xmlns:ds="http://schemas.openxmlformats.org/officeDocument/2006/customXml" ds:itemID="{AD9C1405-6371-400D-A0E2-389A1557BE20}">
+  <ds:schemaRefs>
+    <ds:schemaRef ds:uri="http://schemas.microsoft.com/VisualStudio/2011/storyboarding/control/v1.0"/>
+  </ds:schemaRefs>
+</ds:datastoreItem>
+</file>
+
+<file path=customXml/itemProps43.xml><?xml version="1.0" encoding="utf-8"?>
+<ds:datastoreItem xmlns:ds="http://schemas.openxmlformats.org/officeDocument/2006/customXml" ds:itemID="{A1B88D5F-41A7-488A-960C-6D819000899D}">
+  <ds:schemaRefs>
+    <ds:schemaRef ds:uri="http://schemas.microsoft.com/VisualStudio/2011/storyboarding/control/v1.0"/>
+  </ds:schemaRefs>
+</ds:datastoreItem>
+</file>
+
+<file path=customXml/itemProps44.xml><?xml version="1.0" encoding="utf-8"?>
+<ds:datastoreItem xmlns:ds="http://schemas.openxmlformats.org/officeDocument/2006/customXml" ds:itemID="{4BCB20A2-9850-49DA-9BD6-A5D2B0ABF72F}">
+  <ds:schemaRefs>
+    <ds:schemaRef ds:uri="http://schemas.microsoft.com/VisualStudio/2011/storyboarding/control/v1.0"/>
+  </ds:schemaRefs>
+</ds:datastoreItem>
+</file>
+
+<file path=customXml/itemProps45.xml><?xml version="1.0" encoding="utf-8"?>
+<ds:datastoreItem xmlns:ds="http://schemas.openxmlformats.org/officeDocument/2006/customXml" ds:itemID="{9E9054CA-90C0-43CD-A8FF-BC1DFDE68298}">
+  <ds:schemaRefs>
+    <ds:schemaRef ds:uri="http://schemas.microsoft.com/VisualStudio/2011/storyboarding/control"/>
+  </ds:schemaRefs>
+</ds:datastoreItem>
+</file>
+
+<file path=customXml/itemProps46.xml><?xml version="1.0" encoding="utf-8"?>
+<ds:datastoreItem xmlns:ds="http://schemas.openxmlformats.org/officeDocument/2006/customXml" ds:itemID="{E9C4CBB0-7D2F-42EC-9ED0-589327F3DDE1}">
+  <ds:schemaRefs>
+    <ds:schemaRef ds:uri="http://schemas.microsoft.com/VisualStudio/2011/storyboarding/control"/>
+  </ds:schemaRefs>
+</ds:datastoreItem>
+</file>
+
+<file path=customXml/itemProps47.xml><?xml version="1.0" encoding="utf-8"?>
+<ds:datastoreItem xmlns:ds="http://schemas.openxmlformats.org/officeDocument/2006/customXml" ds:itemID="{699689A1-427B-4DEA-8FDB-0058CB4B38D8}">
+  <ds:schemaRefs>
+    <ds:schemaRef ds:uri="http://schemas.microsoft.com/VisualStudio/2011/storyboarding/control/v1.0"/>
+  </ds:schemaRefs>
+</ds:datastoreItem>
+</file>
+
+<file path=customXml/itemProps48.xml><?xml version="1.0" encoding="utf-8"?>
+<ds:datastoreItem xmlns:ds="http://schemas.openxmlformats.org/officeDocument/2006/customXml" ds:itemID="{20EE139D-44C7-4192-A8B7-E25390148E28}">
+  <ds:schemaRefs>
+    <ds:schemaRef ds:uri="http://schemas.microsoft.com/VisualStudio/2011/storyboarding/control/v1.0"/>
+  </ds:schemaRefs>
+</ds:datastoreItem>
+</file>
+
+<file path=customXml/itemProps49.xml><?xml version="1.0" encoding="utf-8"?>
+<ds:datastoreItem xmlns:ds="http://schemas.openxmlformats.org/officeDocument/2006/customXml" ds:itemID="{B41892D7-DF8B-4D5A-8AD2-983048A35AA0}">
+  <ds:schemaRefs>
+    <ds:schemaRef ds:uri="http://schemas.microsoft.com/VisualStudio/2011/storyboarding/control/v1.0"/>
+  </ds:schemaRefs>
+</ds:datastoreItem>
+</file>
+
+<file path=customXml/itemProps5.xml><?xml version="1.0" encoding="utf-8"?>
+<ds:datastoreItem xmlns:ds="http://schemas.openxmlformats.org/officeDocument/2006/customXml" ds:itemID="{6772C88A-36A0-4EAC-86A3-BB16EEADAB3E}">
+  <ds:schemaRefs>
+    <ds:schemaRef ds:uri="http://schemas.microsoft.com/VisualStudio/2011/storyboarding/control/v1.0"/>
+  </ds:schemaRefs>
+</ds:datastoreItem>
+</file>
+
+<file path=customXml/itemProps50.xml><?xml version="1.0" encoding="utf-8"?>
+<ds:datastoreItem xmlns:ds="http://schemas.openxmlformats.org/officeDocument/2006/customXml" ds:itemID="{F395D8ED-A0D3-4F6E-91F3-A29EC16A8083}">
+  <ds:schemaRefs>
+    <ds:schemaRef ds:uri="http://schemas.microsoft.com/VisualStudio/2011/storyboarding/control/v1.0"/>
+  </ds:schemaRefs>
+</ds:datastoreItem>
+</file>
+
+<file path=customXml/itemProps51.xml><?xml version="1.0" encoding="utf-8"?>
+<ds:datastoreItem xmlns:ds="http://schemas.openxmlformats.org/officeDocument/2006/customXml" ds:itemID="{EDE713BE-A567-491C-902D-E6087D824056}">
+  <ds:schemaRefs>
+    <ds:schemaRef ds:uri="http://schemas.microsoft.com/VisualStudio/2011/storyboarding/control/v1.0"/>
+  </ds:schemaRefs>
+</ds:datastoreItem>
+</file>
+
+<file path=customXml/itemProps52.xml><?xml version="1.0" encoding="utf-8"?>
+<ds:datastoreItem xmlns:ds="http://schemas.openxmlformats.org/officeDocument/2006/customXml" ds:itemID="{18A6A270-A75C-4D7E-86E4-765FF07C5144}">
+  <ds:schemaRefs>
+    <ds:schemaRef ds:uri="http://schemas.microsoft.com/sharepoint/events"/>
+  </ds:schemaRefs>
+</ds:datastoreItem>
+</file>
+
+<file path=customXml/itemProps53.xml><?xml version="1.0" encoding="utf-8"?>
+<ds:datastoreItem xmlns:ds="http://schemas.openxmlformats.org/officeDocument/2006/customXml" ds:itemID="{C1E8400F-CB83-4A16-AF3D-36FAF22BDD23}">
+  <ds:schemaRefs>
+    <ds:schemaRef ds:uri="http://schemas.microsoft.com/VisualStudio/2011/storyboarding/control/v1.0"/>
+  </ds:schemaRefs>
+</ds:datastoreItem>
+</file>
+
+<file path=customXml/itemProps54.xml><?xml version="1.0" encoding="utf-8"?>
+<ds:datastoreItem xmlns:ds="http://schemas.openxmlformats.org/officeDocument/2006/customXml" ds:itemID="{7BF16C54-4775-4FA7-AF88-98AF6D5E8CA6}">
+  <ds:schemaRefs>
+    <ds:schemaRef ds:uri="http://schemas.microsoft.com/VisualStudio/2011/storyboarding/control/v1.0"/>
+  </ds:schemaRefs>
+</ds:datastoreItem>
+</file>
+
+<file path=customXml/itemProps55.xml><?xml version="1.0" encoding="utf-8"?>
+<ds:datastoreItem xmlns:ds="http://schemas.openxmlformats.org/officeDocument/2006/customXml" ds:itemID="{574C0546-69B0-4850-A983-CDA8017CD4CE}">
+  <ds:schemaRefs>
+    <ds:schemaRef ds:uri="http://schemas.microsoft.com/VisualStudio/2011/storyboarding/control"/>
+  </ds:schemaRefs>
+</ds:datastoreItem>
+</file>
+
+<file path=customXml/itemProps56.xml><?xml version="1.0" encoding="utf-8"?>
+<ds:datastoreItem xmlns:ds="http://schemas.openxmlformats.org/officeDocument/2006/customXml" ds:itemID="{B0DBD337-FDC5-4C36-BF85-C09756391AA1}">
+  <ds:schemaRefs>
+    <ds:schemaRef ds:uri="http://schemas.microsoft.com/VisualStudio/2011/storyboarding/control/v1.0"/>
+  </ds:schemaRefs>
+</ds:datastoreItem>
+</file>
+
+<file path=customXml/itemProps57.xml><?xml version="1.0" encoding="utf-8"?>
+<ds:datastoreItem xmlns:ds="http://schemas.openxmlformats.org/officeDocument/2006/customXml" ds:itemID="{E4A0845B-41B6-4256-8FB3-E31EA581BF55}">
+  <ds:schemaRefs>
+    <ds:schemaRef ds:uri="http://schemas.microsoft.com/VisualStudio/2011/storyboarding/control/v1.0"/>
+  </ds:schemaRefs>
+</ds:datastoreItem>
+</file>
+
+<file path=customXml/itemProps58.xml><?xml version="1.0" encoding="utf-8"?>
+<ds:datastoreItem xmlns:ds="http://schemas.openxmlformats.org/officeDocument/2006/customXml" ds:itemID="{1AF31726-A62F-4331-8622-ED351D5149B7}">
+  <ds:schemaRefs>
+    <ds:schemaRef ds:uri="http://schemas.microsoft.com/VisualStudio/2011/storyboarding/control"/>
+  </ds:schemaRefs>
+</ds:datastoreItem>
+</file>
+
+<file path=customXml/itemProps59.xml><?xml version="1.0" encoding="utf-8"?>
 <ds:datastoreItem xmlns:ds="http://schemas.openxmlformats.org/officeDocument/2006/customXml" ds:itemID="{CB953D38-E965-4BB2-94FE-DF647E85A654}">
   <ds:schemaRefs>
     <ds:schemaRef ds:uri="http://schemas.microsoft.com/VisualStudio/2011/storyboarding/control/v1.0"/>
@@ -5852,7 +10733,95 @@
 </ds:datastoreItem>
 </file>
 
-<file path=customXml/itemProps42.xml><?xml version="1.0" encoding="utf-8"?>
+<file path=customXml/itemProps6.xml><?xml version="1.0" encoding="utf-8"?>
+<ds:datastoreItem xmlns:ds="http://schemas.openxmlformats.org/officeDocument/2006/customXml" ds:itemID="{156ACD54-663F-4146-A83C-D39B7758E090}">
+  <ds:schemaRefs>
+    <ds:schemaRef ds:uri="http://schemas.microsoft.com/VisualStudio/2011/storyboarding/control/v1.0"/>
+  </ds:schemaRefs>
+</ds:datastoreItem>
+</file>
+
+<file path=customXml/itemProps60.xml><?xml version="1.0" encoding="utf-8"?>
+<ds:datastoreItem xmlns:ds="http://schemas.openxmlformats.org/officeDocument/2006/customXml" ds:itemID="{3C6220BE-0F2A-49C6-BFB2-C458479F3F62}">
+  <ds:schemaRefs>
+    <ds:schemaRef ds:uri="http://schemas.microsoft.com/VisualStudio/2011/storyboarding/control/v1.0"/>
+  </ds:schemaRefs>
+</ds:datastoreItem>
+</file>
+
+<file path=customXml/itemProps61.xml><?xml version="1.0" encoding="utf-8"?>
+<ds:datastoreItem xmlns:ds="http://schemas.openxmlformats.org/officeDocument/2006/customXml" ds:itemID="{5423C7C4-EE26-4ED2-9F11-C9ABAA081BA5}">
+  <ds:schemaRefs>
+    <ds:schemaRef ds:uri="http://schemas.microsoft.com/VisualStudio/2011/storyboarding/control/v1.0"/>
+  </ds:schemaRefs>
+</ds:datastoreItem>
+</file>
+
+<file path=customXml/itemProps62.xml><?xml version="1.0" encoding="utf-8"?>
+<ds:datastoreItem xmlns:ds="http://schemas.openxmlformats.org/officeDocument/2006/customXml" ds:itemID="{A2DAA52B-5F52-4A8E-B601-7BF162CD738F}">
+  <ds:schemaRefs>
+    <ds:schemaRef ds:uri="http://schemas.microsoft.com/VisualStudio/2011/storyboarding/control/v1.0"/>
+  </ds:schemaRefs>
+</ds:datastoreItem>
+</file>
+
+<file path=customXml/itemProps63.xml><?xml version="1.0" encoding="utf-8"?>
+<ds:datastoreItem xmlns:ds="http://schemas.openxmlformats.org/officeDocument/2006/customXml" ds:itemID="{E08A5EEE-46F1-4E04-A52B-AEB8339B98E7}">
+  <ds:schemaRefs>
+    <ds:schemaRef ds:uri="http://schemas.microsoft.com/VisualStudio/2011/storyboarding/control"/>
+  </ds:schemaRefs>
+</ds:datastoreItem>
+</file>
+
+<file path=customXml/itemProps64.xml><?xml version="1.0" encoding="utf-8"?>
+<ds:datastoreItem xmlns:ds="http://schemas.openxmlformats.org/officeDocument/2006/customXml" ds:itemID="{D705ACE5-FAF8-44EC-9622-845721B4A44D}">
+  <ds:schemaRefs>
+    <ds:schemaRef ds:uri="http://schemas.microsoft.com/VisualStudio/2011/storyboarding/control/v1.0"/>
+  </ds:schemaRefs>
+</ds:datastoreItem>
+</file>
+
+<file path=customXml/itemProps65.xml><?xml version="1.0" encoding="utf-8"?>
+<ds:datastoreItem xmlns:ds="http://schemas.openxmlformats.org/officeDocument/2006/customXml" ds:itemID="{63E5DE85-F05E-4507-B223-806D8F49F058}">
+  <ds:schemaRefs>
+    <ds:schemaRef ds:uri="http://schemas.microsoft.com/VisualStudio/2011/storyboarding/control/v1.0"/>
+  </ds:schemaRefs>
+</ds:datastoreItem>
+</file>
+
+<file path=customXml/itemProps66.xml><?xml version="1.0" encoding="utf-8"?>
+<ds:datastoreItem xmlns:ds="http://schemas.openxmlformats.org/officeDocument/2006/customXml" ds:itemID="{AECE9E1B-E7C1-46F6-9945-164C1E49BE74}">
+  <ds:schemaRefs>
+    <ds:schemaRef ds:uri="http://schemas.microsoft.com/VisualStudio/2011/storyboarding/control/v1.0"/>
+  </ds:schemaRefs>
+</ds:datastoreItem>
+</file>
+
+<file path=customXml/itemProps67.xml><?xml version="1.0" encoding="utf-8"?>
+<ds:datastoreItem xmlns:ds="http://schemas.openxmlformats.org/officeDocument/2006/customXml" ds:itemID="{AB006AED-D3B6-450F-A436-759E490055A5}">
+  <ds:schemaRefs>
+    <ds:schemaRef ds:uri="http://schemas.microsoft.com/VisualStudio/2011/storyboarding/control/v1.0"/>
+  </ds:schemaRefs>
+</ds:datastoreItem>
+</file>
+
+<file path=customXml/itemProps68.xml><?xml version="1.0" encoding="utf-8"?>
+<ds:datastoreItem xmlns:ds="http://schemas.openxmlformats.org/officeDocument/2006/customXml" ds:itemID="{253B000D-0B23-420C-B5B5-11B6002E5391}">
+  <ds:schemaRefs>
+    <ds:schemaRef ds:uri="http://schemas.microsoft.com/VisualStudio/2011/storyboarding/control/v1.0"/>
+  </ds:schemaRefs>
+</ds:datastoreItem>
+</file>
+
+<file path=customXml/itemProps69.xml><?xml version="1.0" encoding="utf-8"?>
+<ds:datastoreItem xmlns:ds="http://schemas.openxmlformats.org/officeDocument/2006/customXml" ds:itemID="{C4783010-23AB-4BDC-BABF-F6576658A2B0}">
+  <ds:schemaRefs>
+    <ds:schemaRef ds:uri="http://schemas.microsoft.com/VisualStudio/2011/storyboarding/control/v1.0"/>
+  </ds:schemaRefs>
+</ds:datastoreItem>
+</file>
+
+<file path=customXml/itemProps7.xml><?xml version="1.0" encoding="utf-8"?>
 <ds:datastoreItem xmlns:ds="http://schemas.openxmlformats.org/officeDocument/2006/customXml" ds:itemID="{188F6680-9EB8-4B03-8D3B-773D66FC777A}">
   <ds:schemaRefs>
     <ds:schemaRef ds:uri="http://schemas.microsoft.com/VisualStudio/2011/storyboarding/control/v1.0"/>
@@ -5860,15 +10829,39 @@
 </ds:datastoreItem>
 </file>
 
-<file path=customXml/itemProps43.xml><?xml version="1.0" encoding="utf-8"?>
-<ds:datastoreItem xmlns:ds="http://schemas.openxmlformats.org/officeDocument/2006/customXml" ds:itemID="{9C57ED54-5F7A-476D-BFE2-C46C7230CC6B}">
+<file path=customXml/itemProps70.xml><?xml version="1.0" encoding="utf-8"?>
+<ds:datastoreItem xmlns:ds="http://schemas.openxmlformats.org/officeDocument/2006/customXml" ds:itemID="{D356E6DB-54C9-4389-B932-0F583366BD4B}">
   <ds:schemaRefs>
     <ds:schemaRef ds:uri="http://schemas.microsoft.com/VisualStudio/2011/storyboarding/control/v1.0"/>
   </ds:schemaRefs>
 </ds:datastoreItem>
 </file>
 
-<file path=customXml/itemProps44.xml><?xml version="1.0" encoding="utf-8"?>
+<file path=customXml/itemProps71.xml><?xml version="1.0" encoding="utf-8"?>
+<ds:datastoreItem xmlns:ds="http://schemas.openxmlformats.org/officeDocument/2006/customXml" ds:itemID="{A6ECB6E0-BD84-4681-8699-56A1B3F36A60}">
+  <ds:schemaRefs>
+    <ds:schemaRef ds:uri="http://schemas.microsoft.com/VisualStudio/2011/storyboarding/control"/>
+  </ds:schemaRefs>
+</ds:datastoreItem>
+</file>
+
+<file path=customXml/itemProps72.xml><?xml version="1.0" encoding="utf-8"?>
+<ds:datastoreItem xmlns:ds="http://schemas.openxmlformats.org/officeDocument/2006/customXml" ds:itemID="{7C4FADB9-82C5-46C4-AD0E-6B60B5C6AEAE}">
+  <ds:schemaRefs>
+    <ds:schemaRef ds:uri="http://schemas.microsoft.com/VisualStudio/2011/storyboarding/control/v1.0"/>
+  </ds:schemaRefs>
+</ds:datastoreItem>
+</file>
+
+<file path=customXml/itemProps73.xml><?xml version="1.0" encoding="utf-8"?>
+<ds:datastoreItem xmlns:ds="http://schemas.openxmlformats.org/officeDocument/2006/customXml" ds:itemID="{08904217-40E1-4558-95D8-8D709CA82866}">
+  <ds:schemaRefs>
+    <ds:schemaRef ds:uri="http://schemas.microsoft.com/VisualStudio/2011/storyboarding/control/v1.0"/>
+  </ds:schemaRefs>
+</ds:datastoreItem>
+</file>
+
+<file path=customXml/itemProps74.xml><?xml version="1.0" encoding="utf-8"?>
 <ds:datastoreItem xmlns:ds="http://schemas.openxmlformats.org/officeDocument/2006/customXml" ds:itemID="{19CB1DF2-8822-4520-A56A-045D340F0C71}">
   <ds:schemaRefs>
     <ds:schemaRef ds:uri="http://schemas.microsoft.com/VisualStudio/2011/storyboarding/control/v1.0"/>
@@ -5876,23 +10869,47 @@
 </ds:datastoreItem>
 </file>
 
-<file path=customXml/itemProps45.xml><?xml version="1.0" encoding="utf-8"?>
-<ds:datastoreItem xmlns:ds="http://schemas.openxmlformats.org/officeDocument/2006/customXml" ds:itemID="{5E2E8CE4-298D-499A-B8B4-4A593AC844A5}">
+<file path=customXml/itemProps75.xml><?xml version="1.0" encoding="utf-8"?>
+<ds:datastoreItem xmlns:ds="http://schemas.openxmlformats.org/officeDocument/2006/customXml" ds:itemID="{B4BE880E-F71A-4C21-A1C3-8A2437E3C677}">
   <ds:schemaRefs>
     <ds:schemaRef ds:uri="http://schemas.microsoft.com/VisualStudio/2011/storyboarding/control/v1.0"/>
   </ds:schemaRefs>
 </ds:datastoreItem>
 </file>
 
-<file path=customXml/itemProps46.xml><?xml version="1.0" encoding="utf-8"?>
-<ds:datastoreItem xmlns:ds="http://schemas.openxmlformats.org/officeDocument/2006/customXml" ds:itemID="{574C0546-69B0-4850-A983-CDA8017CD4CE}">
+<file path=customXml/itemProps76.xml><?xml version="1.0" encoding="utf-8"?>
+<ds:datastoreItem xmlns:ds="http://schemas.openxmlformats.org/officeDocument/2006/customXml" ds:itemID="{9C4C7B07-3AE3-46A1-A54D-2BDFAB93A8EF}">
+  <ds:schemaRefs>
+    <ds:schemaRef ds:uri="http://schemas.microsoft.com/VisualStudio/2011/storyboarding/control/v1.0"/>
+  </ds:schemaRefs>
+</ds:datastoreItem>
+</file>
+
+<file path=customXml/itemProps77.xml><?xml version="1.0" encoding="utf-8"?>
+<ds:datastoreItem xmlns:ds="http://schemas.openxmlformats.org/officeDocument/2006/customXml" ds:itemID="{39536A02-E179-4A1C-9FA7-86EF40631969}">
+  <ds:schemaRefs>
+    <ds:schemaRef ds:uri="http://schemas.microsoft.com/VisualStudio/2011/storyboarding/control/v1.0"/>
+  </ds:schemaRefs>
+</ds:datastoreItem>
+</file>
+
+<file path=customXml/itemProps78.xml><?xml version="1.0" encoding="utf-8"?>
+<ds:datastoreItem xmlns:ds="http://schemas.openxmlformats.org/officeDocument/2006/customXml" ds:itemID="{359B13B5-DE77-48C2-859A-70355A1B9D90}">
+  <ds:schemaRefs>
+    <ds:schemaRef ds:uri="http://schemas.microsoft.com/VisualStudio/2011/storyboarding/control/v1.0"/>
+  </ds:schemaRefs>
+</ds:datastoreItem>
+</file>
+
+<file path=customXml/itemProps79.xml><?xml version="1.0" encoding="utf-8"?>
+<ds:datastoreItem xmlns:ds="http://schemas.openxmlformats.org/officeDocument/2006/customXml" ds:itemID="{24018CC0-65B2-41E1-86FE-13E6042FEF27}">
   <ds:schemaRefs>
     <ds:schemaRef ds:uri="http://schemas.microsoft.com/VisualStudio/2011/storyboarding/control"/>
   </ds:schemaRefs>
 </ds:datastoreItem>
 </file>
 
-<file path=customXml/itemProps47.xml><?xml version="1.0" encoding="utf-8"?>
+<file path=customXml/itemProps8.xml><?xml version="1.0" encoding="utf-8"?>
 <ds:datastoreItem xmlns:ds="http://schemas.openxmlformats.org/officeDocument/2006/customXml" ds:itemID="{729DB56D-F542-4709-9AE0-E83CD92BA163}">
   <ds:schemaRefs>
     <ds:schemaRef ds:uri="http://schemas.microsoft.com/VisualStudio/2011/storyboarding/control/v1.0"/>
@@ -5900,298 +10917,170 @@
 </ds:datastoreItem>
 </file>
 
-<file path=customXml/itemProps48.xml><?xml version="1.0" encoding="utf-8"?>
-<ds:datastoreItem xmlns:ds="http://schemas.openxmlformats.org/officeDocument/2006/customXml" ds:itemID="{D8E0912A-795B-4916-9114-34B4F28A0EE3}">
+<file path=customXml/itemProps80.xml><?xml version="1.0" encoding="utf-8"?>
+<ds:datastoreItem xmlns:ds="http://schemas.openxmlformats.org/officeDocument/2006/customXml" ds:itemID="{3ABB71AE-8CEA-4398-A2A8-68CC6402775D}">
+  <ds:schemaRefs>
+    <ds:schemaRef ds:uri="http://schemas.microsoft.com/VisualStudio/2011/storyboarding/control"/>
+  </ds:schemaRefs>
+</ds:datastoreItem>
+</file>
+
+<file path=customXml/itemProps81.xml><?xml version="1.0" encoding="utf-8"?>
+<ds:datastoreItem xmlns:ds="http://schemas.openxmlformats.org/officeDocument/2006/customXml" ds:itemID="{2C499628-4272-42C1-A230-18D9F6F2F798}">
+  <ds:schemaRefs>
+    <ds:schemaRef ds:uri="http://schemas.microsoft.com/VisualStudio/2011/storyboarding/control"/>
+  </ds:schemaRefs>
+</ds:datastoreItem>
+</file>
+
+<file path=customXml/itemProps82.xml><?xml version="1.0" encoding="utf-8"?>
+<ds:datastoreItem xmlns:ds="http://schemas.openxmlformats.org/officeDocument/2006/customXml" ds:itemID="{08850D58-FC55-4421-8D5D-7B837412E243}">
+  <ds:schemaRefs>
+    <ds:schemaRef ds:uri="http://schemas.microsoft.com/VisualStudio/2011/storyboarding/control"/>
+  </ds:schemaRefs>
+</ds:datastoreItem>
+</file>
+
+<file path=customXml/itemProps83.xml><?xml version="1.0" encoding="utf-8"?>
+<ds:datastoreItem xmlns:ds="http://schemas.openxmlformats.org/officeDocument/2006/customXml" ds:itemID="{B287F04F-4386-4364-834E-DB6945072591}">
+  <ds:schemaRefs>
+    <ds:schemaRef ds:uri="http://schemas.microsoft.com/VisualStudio/2011/storyboarding/control"/>
+  </ds:schemaRefs>
+</ds:datastoreItem>
+</file>
+
+<file path=customXml/itemProps84.xml><?xml version="1.0" encoding="utf-8"?>
+<ds:datastoreItem xmlns:ds="http://schemas.openxmlformats.org/officeDocument/2006/customXml" ds:itemID="{831D9CC2-581F-431D-94BA-B40DD1D05257}">
+  <ds:schemaRefs>
+    <ds:schemaRef ds:uri="http://schemas.microsoft.com/VisualStudio/2011/storyboarding/control"/>
+  </ds:schemaRefs>
+</ds:datastoreItem>
+</file>
+
+<file path=customXml/itemProps85.xml><?xml version="1.0" encoding="utf-8"?>
+<ds:datastoreItem xmlns:ds="http://schemas.openxmlformats.org/officeDocument/2006/customXml" ds:itemID="{AD5DBB33-334B-457F-971B-746913CE5908}">
+  <ds:schemaRefs>
+    <ds:schemaRef ds:uri="http://schemas.microsoft.com/VisualStudio/2011/storyboarding/control"/>
+  </ds:schemaRefs>
+</ds:datastoreItem>
+</file>
+
+<file path=customXml/itemProps86.xml><?xml version="1.0" encoding="utf-8"?>
+<ds:datastoreItem xmlns:ds="http://schemas.openxmlformats.org/officeDocument/2006/customXml" ds:itemID="{090EEE0C-0268-4ED6-B4E6-6B6B6337151D}">
+  <ds:schemaRefs>
+    <ds:schemaRef ds:uri="http://schemas.microsoft.com/VisualStudio/2011/storyboarding/control"/>
+  </ds:schemaRefs>
+</ds:datastoreItem>
+</file>
+
+<file path=customXml/itemProps87.xml><?xml version="1.0" encoding="utf-8"?>
+<ds:datastoreItem xmlns:ds="http://schemas.openxmlformats.org/officeDocument/2006/customXml" ds:itemID="{B2F5A7F6-10C0-45C7-AB1D-C2DE5C370943}">
+  <ds:schemaRefs>
+    <ds:schemaRef ds:uri="http://schemas.microsoft.com/VisualStudio/2011/storyboarding/control"/>
+  </ds:schemaRefs>
+</ds:datastoreItem>
+</file>
+
+<file path=customXml/itemProps88.xml><?xml version="1.0" encoding="utf-8"?>
+<ds:datastoreItem xmlns:ds="http://schemas.openxmlformats.org/officeDocument/2006/customXml" ds:itemID="{4D007548-A035-4F7B-B2DA-9F7021B76903}">
+  <ds:schemaRefs>
+    <ds:schemaRef ds:uri="http://schemas.microsoft.com/VisualStudio/2011/storyboarding/control"/>
+  </ds:schemaRefs>
+</ds:datastoreItem>
+</file>
+
+<file path=customXml/itemProps89.xml><?xml version="1.0" encoding="utf-8"?>
+<ds:datastoreItem xmlns:ds="http://schemas.openxmlformats.org/officeDocument/2006/customXml" ds:itemID="{B15FA954-3A52-426D-BC8F-263381F13867}">
+  <ds:schemaRefs>
+    <ds:schemaRef ds:uri="http://schemas.microsoft.com/VisualStudio/2011/storyboarding/control"/>
+  </ds:schemaRefs>
+</ds:datastoreItem>
+</file>
+
+<file path=customXml/itemProps9.xml><?xml version="1.0" encoding="utf-8"?>
+<ds:datastoreItem xmlns:ds="http://schemas.openxmlformats.org/officeDocument/2006/customXml" ds:itemID="{F17D5AF6-3BD9-4DFF-AE9B-2E10D3430779}">
   <ds:schemaRefs>
     <ds:schemaRef ds:uri="http://schemas.microsoft.com/VisualStudio/2011/storyboarding/control/v1.0"/>
   </ds:schemaRefs>
 </ds:datastoreItem>
 </file>
 
-<file path=customXml/itemProps49.xml><?xml version="1.0" encoding="utf-8"?>
-<ds:datastoreItem xmlns:ds="http://schemas.openxmlformats.org/officeDocument/2006/customXml" ds:itemID="{D356E6DB-54C9-4389-B932-0F583366BD4B}">
-  <ds:schemaRefs>
-    <ds:schemaRef ds:uri="http://schemas.microsoft.com/VisualStudio/2011/storyboarding/control/v1.0"/>
-  </ds:schemaRefs>
-</ds:datastoreItem>
-</file>
-
-<file path=customXml/itemProps5.xml><?xml version="1.0" encoding="utf-8"?>
-<ds:datastoreItem xmlns:ds="http://schemas.openxmlformats.org/officeDocument/2006/customXml" ds:itemID="{379BFC32-51F7-4218-B2AD-CFD6564CE11F}">
+<file path=customXml/itemProps90.xml><?xml version="1.0" encoding="utf-8"?>
+<ds:datastoreItem xmlns:ds="http://schemas.openxmlformats.org/officeDocument/2006/customXml" ds:itemID="{1F28DBF9-3121-4986-8259-929EC4151725}">
   <ds:schemaRefs>
     <ds:schemaRef ds:uri="http://schemas.microsoft.com/VisualStudio/2011/storyboarding/control"/>
   </ds:schemaRefs>
 </ds:datastoreItem>
 </file>
 
-<file path=customXml/itemProps50.xml><?xml version="1.0" encoding="utf-8"?>
-<ds:datastoreItem xmlns:ds="http://schemas.openxmlformats.org/officeDocument/2006/customXml" ds:itemID="{F17D5AF6-3BD9-4DFF-AE9B-2E10D3430779}">
-  <ds:schemaRefs>
-    <ds:schemaRef ds:uri="http://schemas.microsoft.com/VisualStudio/2011/storyboarding/control/v1.0"/>
-  </ds:schemaRefs>
-</ds:datastoreItem>
-</file>
-
-<file path=customXml/itemProps51.xml><?xml version="1.0" encoding="utf-8"?>
-<ds:datastoreItem xmlns:ds="http://schemas.openxmlformats.org/officeDocument/2006/customXml" ds:itemID="{699689A1-427B-4DEA-8FDB-0058CB4B38D8}">
-  <ds:schemaRefs>
-    <ds:schemaRef ds:uri="http://schemas.microsoft.com/VisualStudio/2011/storyboarding/control/v1.0"/>
-  </ds:schemaRefs>
-</ds:datastoreItem>
-</file>
-
-<file path=customXml/itemProps52.xml><?xml version="1.0" encoding="utf-8"?>
-<ds:datastoreItem xmlns:ds="http://schemas.openxmlformats.org/officeDocument/2006/customXml" ds:itemID="{B4BE880E-F71A-4C21-A1C3-8A2437E3C677}">
-  <ds:schemaRefs>
-    <ds:schemaRef ds:uri="http://schemas.microsoft.com/VisualStudio/2011/storyboarding/control/v1.0"/>
-  </ds:schemaRefs>
-</ds:datastoreItem>
-</file>
-
-<file path=customXml/itemProps53.xml><?xml version="1.0" encoding="utf-8"?>
-<ds:datastoreItem xmlns:ds="http://schemas.openxmlformats.org/officeDocument/2006/customXml" ds:itemID="{AA5E4F96-8C72-44F9-A0C5-FB007B246D91}">
-  <ds:schemaRefs>
-    <ds:schemaRef ds:uri="http://schemas.microsoft.com/VisualStudio/2011/storyboarding/control/v1.0"/>
-  </ds:schemaRefs>
-</ds:datastoreItem>
-</file>
-
-<file path=customXml/itemProps54.xml><?xml version="1.0" encoding="utf-8"?>
-<ds:datastoreItem xmlns:ds="http://schemas.openxmlformats.org/officeDocument/2006/customXml" ds:itemID="{3C6220BE-0F2A-49C6-BFB2-C458479F3F62}">
-  <ds:schemaRefs>
-    <ds:schemaRef ds:uri="http://schemas.microsoft.com/VisualStudio/2011/storyboarding/control/v1.0"/>
-  </ds:schemaRefs>
-</ds:datastoreItem>
-</file>
-
-<file path=customXml/itemProps55.xml><?xml version="1.0" encoding="utf-8"?>
-<ds:datastoreItem xmlns:ds="http://schemas.openxmlformats.org/officeDocument/2006/customXml" ds:itemID="{4EE14C2A-AD9F-4617-A8CC-4057921BFCA8}">
-  <ds:schemaRefs>
-    <ds:schemaRef ds:uri="http://schemas.microsoft.com/VisualStudio/2011/storyboarding/control/v1.0"/>
-  </ds:schemaRefs>
-</ds:datastoreItem>
-</file>
-
-<file path=customXml/itemProps56.xml><?xml version="1.0" encoding="utf-8"?>
-<ds:datastoreItem xmlns:ds="http://schemas.openxmlformats.org/officeDocument/2006/customXml" ds:itemID="{AD9C1405-6371-400D-A0E2-389A1557BE20}">
-  <ds:schemaRefs>
-    <ds:schemaRef ds:uri="http://schemas.microsoft.com/VisualStudio/2011/storyboarding/control/v1.0"/>
-  </ds:schemaRefs>
-</ds:datastoreItem>
-</file>
-
-<file path=customXml/itemProps57.xml><?xml version="1.0" encoding="utf-8"?>
-<ds:datastoreItem xmlns:ds="http://schemas.openxmlformats.org/officeDocument/2006/customXml" ds:itemID="{A6ECB6E0-BD84-4681-8699-56A1B3F36A60}">
+<file path=customXml/itemProps91.xml><?xml version="1.0" encoding="utf-8"?>
+<ds:datastoreItem xmlns:ds="http://schemas.openxmlformats.org/officeDocument/2006/customXml" ds:itemID="{D2CF52BE-0BE0-4ECD-8BCB-845C18FDB8E1}">
   <ds:schemaRefs>
     <ds:schemaRef ds:uri="http://schemas.microsoft.com/VisualStudio/2011/storyboarding/control"/>
   </ds:schemaRefs>
 </ds:datastoreItem>
 </file>
 
-<file path=customXml/itemProps58.xml><?xml version="1.0" encoding="utf-8"?>
-<ds:datastoreItem xmlns:ds="http://schemas.openxmlformats.org/officeDocument/2006/customXml" ds:itemID="{63E54A0C-A919-4747-87DB-6EB5DB41F719}">
-  <ds:schemaRefs>
-    <ds:schemaRef ds:uri="http://schemas.microsoft.com/VisualStudio/2011/storyboarding/control/v1.0"/>
-  </ds:schemaRefs>
-</ds:datastoreItem>
-</file>
-
-<file path=customXml/itemProps59.xml><?xml version="1.0" encoding="utf-8"?>
-<ds:datastoreItem xmlns:ds="http://schemas.openxmlformats.org/officeDocument/2006/customXml" ds:itemID="{B0DBD337-FDC5-4C36-BF85-C09756391AA1}">
-  <ds:schemaRefs>
-    <ds:schemaRef ds:uri="http://schemas.microsoft.com/VisualStudio/2011/storyboarding/control/v1.0"/>
-  </ds:schemaRefs>
-</ds:datastoreItem>
-</file>
-
-<file path=customXml/itemProps6.xml><?xml version="1.0" encoding="utf-8"?>
-<ds:datastoreItem xmlns:ds="http://schemas.openxmlformats.org/officeDocument/2006/customXml" ds:itemID="{63E5DE85-F05E-4507-B223-806D8F49F058}">
-  <ds:schemaRefs>
-    <ds:schemaRef ds:uri="http://schemas.microsoft.com/VisualStudio/2011/storyboarding/control/v1.0"/>
-  </ds:schemaRefs>
-</ds:datastoreItem>
-</file>
-
-<file path=customXml/itemProps60.xml><?xml version="1.0" encoding="utf-8"?>
-<ds:datastoreItem xmlns:ds="http://schemas.openxmlformats.org/officeDocument/2006/customXml" ds:itemID="{9C4C7B07-3AE3-46A1-A54D-2BDFAB93A8EF}">
-  <ds:schemaRefs>
-    <ds:schemaRef ds:uri="http://schemas.microsoft.com/VisualStudio/2011/storyboarding/control/v1.0"/>
-  </ds:schemaRefs>
-</ds:datastoreItem>
-</file>
-
-<file path=customXml/itemProps61.xml><?xml version="1.0" encoding="utf-8"?>
-<ds:datastoreItem xmlns:ds="http://schemas.openxmlformats.org/officeDocument/2006/customXml" ds:itemID="{07B11A95-7731-4379-9E1B-32BC87FA2B56}">
-  <ds:schemaRefs>
-    <ds:schemaRef ds:uri="http://schemas.microsoft.com/VisualStudio/2011/storyboarding/control/v1.0"/>
-  </ds:schemaRefs>
-</ds:datastoreItem>
-</file>
-
-<file path=customXml/itemProps62.xml><?xml version="1.0" encoding="utf-8"?>
-<ds:datastoreItem xmlns:ds="http://schemas.openxmlformats.org/officeDocument/2006/customXml" ds:itemID="{5423C7C4-EE26-4ED2-9F11-C9ABAA081BA5}">
-  <ds:schemaRefs>
-    <ds:schemaRef ds:uri="http://schemas.microsoft.com/VisualStudio/2011/storyboarding/control/v1.0"/>
-  </ds:schemaRefs>
-</ds:datastoreItem>
-</file>
-
-<file path=customXml/itemProps63.xml><?xml version="1.0" encoding="utf-8"?>
-<ds:datastoreItem xmlns:ds="http://schemas.openxmlformats.org/officeDocument/2006/customXml" ds:itemID="{416D00B5-FBFE-483F-BE84-520287240459}">
-  <ds:schemaRefs>
-    <ds:schemaRef ds:uri="http://schemas.microsoft.com/VisualStudio/2011/storyboarding/control/v1.0"/>
-  </ds:schemaRefs>
-</ds:datastoreItem>
-</file>
-
-<file path=customXml/itemProps64.xml><?xml version="1.0" encoding="utf-8"?>
-<ds:datastoreItem xmlns:ds="http://schemas.openxmlformats.org/officeDocument/2006/customXml" ds:itemID="{A1B88D5F-41A7-488A-960C-6D819000899D}">
-  <ds:schemaRefs>
-    <ds:schemaRef ds:uri="http://schemas.microsoft.com/VisualStudio/2011/storyboarding/control/v1.0"/>
-  </ds:schemaRefs>
-</ds:datastoreItem>
-</file>
-
-<file path=customXml/itemProps65.xml><?xml version="1.0" encoding="utf-8"?>
-<ds:datastoreItem xmlns:ds="http://schemas.openxmlformats.org/officeDocument/2006/customXml" ds:itemID="{39536A02-E179-4A1C-9FA7-86EF40631969}">
-  <ds:schemaRefs>
-    <ds:schemaRef ds:uri="http://schemas.microsoft.com/VisualStudio/2011/storyboarding/control/v1.0"/>
-  </ds:schemaRefs>
-</ds:datastoreItem>
-</file>
-
-<file path=customXml/itemProps66.xml><?xml version="1.0" encoding="utf-8"?>
-<ds:datastoreItem xmlns:ds="http://schemas.openxmlformats.org/officeDocument/2006/customXml" ds:itemID="{E4D924B8-E923-4751-87E1-B31AA64A9F7B}">
-  <ds:schemaRefs>
-    <ds:schemaRef ds:uri="http://schemas.microsoft.com/VisualStudio/2011/storyboarding/control/v1.0"/>
-  </ds:schemaRefs>
-</ds:datastoreItem>
-</file>
-
-<file path=customXml/itemProps67.xml><?xml version="1.0" encoding="utf-8"?>
-<ds:datastoreItem xmlns:ds="http://schemas.openxmlformats.org/officeDocument/2006/customXml" ds:itemID="{E4A0845B-41B6-4256-8FB3-E31EA581BF55}">
-  <ds:schemaRefs>
-    <ds:schemaRef ds:uri="http://schemas.microsoft.com/VisualStudio/2011/storyboarding/control/v1.0"/>
-  </ds:schemaRefs>
-</ds:datastoreItem>
-</file>
-
-<file path=customXml/itemProps68.xml><?xml version="1.0" encoding="utf-8"?>
-<ds:datastoreItem xmlns:ds="http://schemas.openxmlformats.org/officeDocument/2006/customXml" ds:itemID="{16772130-8F5D-442B-AA11-39D4F229ACC6}">
-  <ds:schemaRefs>
-    <ds:schemaRef ds:uri="http://schemas.microsoft.com/VisualStudio/2011/storyboarding/control/v1.0"/>
-  </ds:schemaRefs>
-</ds:datastoreItem>
-</file>
-
-<file path=customXml/itemProps69.xml><?xml version="1.0" encoding="utf-8"?>
-<ds:datastoreItem xmlns:ds="http://schemas.openxmlformats.org/officeDocument/2006/customXml" ds:itemID="{4BCB20A2-9850-49DA-9BD6-A5D2B0ABF72F}">
-  <ds:schemaRefs>
-    <ds:schemaRef ds:uri="http://schemas.microsoft.com/VisualStudio/2011/storyboarding/control/v1.0"/>
-  </ds:schemaRefs>
-</ds:datastoreItem>
-</file>
-
-<file path=customXml/itemProps7.xml><?xml version="1.0" encoding="utf-8"?>
-<ds:datastoreItem xmlns:ds="http://schemas.openxmlformats.org/officeDocument/2006/customXml" ds:itemID="{E2968586-6EB5-4B3C-A2E1-82E35F695B75}">
-  <ds:schemaRefs>
-    <ds:schemaRef ds:uri="http://schemas.microsoft.com/VisualStudio/2011/storyboarding/control/v1.0"/>
-  </ds:schemaRefs>
-</ds:datastoreItem>
-</file>
-
-<file path=customXml/itemProps70.xml><?xml version="1.0" encoding="utf-8"?>
-<ds:datastoreItem xmlns:ds="http://schemas.openxmlformats.org/officeDocument/2006/customXml" ds:itemID="{A2DAA52B-5F52-4A8E-B601-7BF162CD738F}">
-  <ds:schemaRefs>
-    <ds:schemaRef ds:uri="http://schemas.microsoft.com/VisualStudio/2011/storyboarding/control/v1.0"/>
-  </ds:schemaRefs>
-</ds:datastoreItem>
-</file>
-
-<file path=customXml/itemProps71.xml><?xml version="1.0" encoding="utf-8"?>
-<ds:datastoreItem xmlns:ds="http://schemas.openxmlformats.org/officeDocument/2006/customXml" ds:itemID="{387838C4-29F2-40AB-9647-8346D39956AB}">
+<file path=customXml/itemProps92.xml><?xml version="1.0" encoding="utf-8"?>
+<ds:datastoreItem xmlns:ds="http://schemas.openxmlformats.org/officeDocument/2006/customXml" ds:itemID="{7E3E8D4A-A39F-4CF0-9231-CBA41F1931B8}">
   <ds:schemaRefs>
     <ds:schemaRef ds:uri="http://schemas.microsoft.com/VisualStudio/2011/storyboarding/control"/>
   </ds:schemaRefs>
 </ds:datastoreItem>
 </file>
 
-<file path=customXml/itemProps72.xml><?xml version="1.0" encoding="utf-8"?>
-<ds:datastoreItem xmlns:ds="http://schemas.openxmlformats.org/officeDocument/2006/customXml" ds:itemID="{20EE139D-44C7-4192-A8B7-E25390148E28}">
-  <ds:schemaRefs>
-    <ds:schemaRef ds:uri="http://schemas.microsoft.com/VisualStudio/2011/storyboarding/control/v1.0"/>
-  </ds:schemaRefs>
-</ds:datastoreItem>
-</file>
-
-<file path=customXml/itemProps73.xml><?xml version="1.0" encoding="utf-8"?>
-<ds:datastoreItem xmlns:ds="http://schemas.openxmlformats.org/officeDocument/2006/customXml" ds:itemID="{359B13B5-DE77-48C2-859A-70355A1B9D90}">
-  <ds:schemaRefs>
-    <ds:schemaRef ds:uri="http://schemas.microsoft.com/VisualStudio/2011/storyboarding/control/v1.0"/>
-  </ds:schemaRefs>
-</ds:datastoreItem>
-</file>
-
-<file path=customXml/itemProps74.xml><?xml version="1.0" encoding="utf-8"?>
-<ds:datastoreItem xmlns:ds="http://schemas.openxmlformats.org/officeDocument/2006/customXml" ds:itemID="{B2C9D19C-4878-43E0-A5AD-CB76AB49D960}">
-  <ds:schemaRefs>
-    <ds:schemaRef ds:uri="http://schemas.microsoft.com/VisualStudio/2011/storyboarding/control/v1.0"/>
-  </ds:schemaRefs>
-</ds:datastoreItem>
-</file>
-
-<file path=customXml/itemProps75.xml><?xml version="1.0" encoding="utf-8"?>
-<ds:datastoreItem xmlns:ds="http://schemas.openxmlformats.org/officeDocument/2006/customXml" ds:itemID="{E08A5EEE-46F1-4E04-A52B-AEB8339B98E7}">
+<file path=customXml/itemProps93.xml><?xml version="1.0" encoding="utf-8"?>
+<ds:datastoreItem xmlns:ds="http://schemas.openxmlformats.org/officeDocument/2006/customXml" ds:itemID="{A2FE704C-9C8F-484F-AC2C-C94BF327D72E}">
   <ds:schemaRefs>
     <ds:schemaRef ds:uri="http://schemas.microsoft.com/VisualStudio/2011/storyboarding/control"/>
   </ds:schemaRefs>
 </ds:datastoreItem>
 </file>
 
-<file path=customXml/itemProps76.xml><?xml version="1.0" encoding="utf-8"?>
-<ds:datastoreItem xmlns:ds="http://schemas.openxmlformats.org/officeDocument/2006/customXml" ds:itemID="{5142C2A6-4457-4817-9280-82230DD92991}">
+<file path=customXml/itemProps94.xml><?xml version="1.0" encoding="utf-8"?>
+<ds:datastoreItem xmlns:ds="http://schemas.openxmlformats.org/officeDocument/2006/customXml" ds:itemID="{8EB6702C-5F2D-4FB5-8DAF-012116C9AFAB}">
   <ds:schemaRefs>
     <ds:schemaRef ds:uri="http://schemas.microsoft.com/VisualStudio/2011/storyboarding/control"/>
   </ds:schemaRefs>
 </ds:datastoreItem>
 </file>
 
-<file path=customXml/itemProps77.xml><?xml version="1.0" encoding="utf-8"?>
-<ds:datastoreItem xmlns:ds="http://schemas.openxmlformats.org/officeDocument/2006/customXml" ds:itemID="{9E9054CA-90C0-43CD-A8FF-BC1DFDE68298}">
+<file path=customXml/itemProps95.xml><?xml version="1.0" encoding="utf-8"?>
+<ds:datastoreItem xmlns:ds="http://schemas.openxmlformats.org/officeDocument/2006/customXml" ds:itemID="{51220D6E-DF68-44BF-90F8-15B9AF4DAE68}">
   <ds:schemaRefs>
     <ds:schemaRef ds:uri="http://schemas.microsoft.com/VisualStudio/2011/storyboarding/control"/>
   </ds:schemaRefs>
 </ds:datastoreItem>
 </file>
 
-<file path=customXml/itemProps78.xml><?xml version="1.0" encoding="utf-8"?>
-<ds:datastoreItem xmlns:ds="http://schemas.openxmlformats.org/officeDocument/2006/customXml" ds:itemID="{24018CC0-65B2-41E1-86FE-13E6042FEF27}">
+<file path=customXml/itemProps96.xml><?xml version="1.0" encoding="utf-8"?>
+<ds:datastoreItem xmlns:ds="http://schemas.openxmlformats.org/officeDocument/2006/customXml" ds:itemID="{68AB6477-8801-4F5D-9970-4CCD1AFB7022}">
   <ds:schemaRefs>
     <ds:schemaRef ds:uri="http://schemas.microsoft.com/VisualStudio/2011/storyboarding/control"/>
   </ds:schemaRefs>
 </ds:datastoreItem>
 </file>
 
-<file path=customXml/itemProps79.xml><?xml version="1.0" encoding="utf-8"?>
-<ds:datastoreItem xmlns:ds="http://schemas.openxmlformats.org/officeDocument/2006/customXml" ds:itemID="{6A84642F-13F5-4480-91A9-7762200F8D59}">
+<file path=customXml/itemProps97.xml><?xml version="1.0" encoding="utf-8"?>
+<ds:datastoreItem xmlns:ds="http://schemas.openxmlformats.org/officeDocument/2006/customXml" ds:itemID="{46D490E8-37B0-4C4C-BB7E-94B39460738D}">
   <ds:schemaRefs>
     <ds:schemaRef ds:uri="http://schemas.microsoft.com/VisualStudio/2011/storyboarding/control"/>
   </ds:schemaRefs>
 </ds:datastoreItem>
 </file>
 
-<file path=customXml/itemProps8.xml><?xml version="1.0" encoding="utf-8"?>
-<ds:datastoreItem xmlns:ds="http://schemas.openxmlformats.org/officeDocument/2006/customXml" ds:itemID="{E9C4CBB0-7D2F-42EC-9ED0-589327F3DDE1}">
+<file path=customXml/itemProps98.xml><?xml version="1.0" encoding="utf-8"?>
+<ds:datastoreItem xmlns:ds="http://schemas.openxmlformats.org/officeDocument/2006/customXml" ds:itemID="{45454C4A-1245-4394-97A1-CFD6B2FD8E5A}">
   <ds:schemaRefs>
     <ds:schemaRef ds:uri="http://schemas.microsoft.com/VisualStudio/2011/storyboarding/control"/>
   </ds:schemaRefs>
 </ds:datastoreItem>
 </file>
 
-<file path=customXml/itemProps9.xml><?xml version="1.0" encoding="utf-8"?>
-<ds:datastoreItem xmlns:ds="http://schemas.openxmlformats.org/officeDocument/2006/customXml" ds:itemID="{A84BE01C-E91B-4A90-8E7F-25887EF8E061}">
-  <ds:schemaRefs>
-    <ds:schemaRef ds:uri="http://schemas.microsoft.com/VisualStudio/2011/storyboarding/control/v1.0"/>
+<file path=customXml/itemProps99.xml><?xml version="1.0" encoding="utf-8"?>
+<ds:datastoreItem xmlns:ds="http://schemas.openxmlformats.org/officeDocument/2006/customXml" ds:itemID="{BA1AA11C-4FB3-48B8-A276-8CFD745ADADC}">
+  <ds:schemaRefs>
+    <ds:schemaRef ds:uri="http://schemas.microsoft.com/VisualStudio/2011/storyboarding/control"/>
   </ds:schemaRefs>
 </ds:datastoreItem>
 </file>